--- a/WorkshopSlides-Part2.pptx
+++ b/WorkshopSlides-Part2.pptx
@@ -13,17 +13,19 @@
     <p:sldId id="347" r:id="rId7"/>
     <p:sldId id="348" r:id="rId8"/>
     <p:sldId id="349" r:id="rId9"/>
-    <p:sldId id="350" r:id="rId10"/>
-    <p:sldId id="351" r:id="rId11"/>
-    <p:sldId id="352" r:id="rId12"/>
-    <p:sldId id="353" r:id="rId13"/>
-    <p:sldId id="354" r:id="rId14"/>
-    <p:sldId id="355" r:id="rId15"/>
-    <p:sldId id="356" r:id="rId16"/>
-    <p:sldId id="357" r:id="rId17"/>
-    <p:sldId id="358" r:id="rId18"/>
-    <p:sldId id="359" r:id="rId19"/>
-    <p:sldId id="360" r:id="rId20"/>
+    <p:sldId id="361" r:id="rId10"/>
+    <p:sldId id="350" r:id="rId11"/>
+    <p:sldId id="351" r:id="rId12"/>
+    <p:sldId id="352" r:id="rId13"/>
+    <p:sldId id="353" r:id="rId14"/>
+    <p:sldId id="354" r:id="rId15"/>
+    <p:sldId id="355" r:id="rId16"/>
+    <p:sldId id="356" r:id="rId17"/>
+    <p:sldId id="357" r:id="rId18"/>
+    <p:sldId id="362" r:id="rId19"/>
+    <p:sldId id="358" r:id="rId20"/>
+    <p:sldId id="359" r:id="rId21"/>
+    <p:sldId id="360" r:id="rId22"/>
   </p:sldIdLst>
   <p:sldSz cx="12192000" cy="6858000"/>
   <p:notesSz cx="6858000" cy="9144000"/>
@@ -261,7 +263,7 @@
           <a:p>
             <a:fld id="{AE90C118-060D-4190-ABAA-D63ED87EAD51}" type="datetimeFigureOut">
               <a:rPr lang="en-US" smtClean="0"/>
-              <a:t>9/21/2017</a:t>
+              <a:t>9/22/2017</a:t>
             </a:fld>
             <a:endParaRPr lang="en-US"/>
           </a:p>
@@ -431,7 +433,7 @@
           <a:p>
             <a:fld id="{AE90C118-060D-4190-ABAA-D63ED87EAD51}" type="datetimeFigureOut">
               <a:rPr lang="en-US" smtClean="0"/>
-              <a:t>9/21/2017</a:t>
+              <a:t>9/22/2017</a:t>
             </a:fld>
             <a:endParaRPr lang="en-US"/>
           </a:p>
@@ -611,7 +613,7 @@
           <a:p>
             <a:fld id="{AE90C118-060D-4190-ABAA-D63ED87EAD51}" type="datetimeFigureOut">
               <a:rPr lang="en-US" smtClean="0"/>
-              <a:t>9/21/2017</a:t>
+              <a:t>9/22/2017</a:t>
             </a:fld>
             <a:endParaRPr lang="en-US"/>
           </a:p>
@@ -781,7 +783,7 @@
           <a:p>
             <a:fld id="{AE90C118-060D-4190-ABAA-D63ED87EAD51}" type="datetimeFigureOut">
               <a:rPr lang="en-US" smtClean="0"/>
-              <a:t>9/21/2017</a:t>
+              <a:t>9/22/2017</a:t>
             </a:fld>
             <a:endParaRPr lang="en-US"/>
           </a:p>
@@ -1027,7 +1029,7 @@
           <a:p>
             <a:fld id="{AE90C118-060D-4190-ABAA-D63ED87EAD51}" type="datetimeFigureOut">
               <a:rPr lang="en-US" smtClean="0"/>
-              <a:t>9/21/2017</a:t>
+              <a:t>9/22/2017</a:t>
             </a:fld>
             <a:endParaRPr lang="en-US"/>
           </a:p>
@@ -1259,7 +1261,7 @@
           <a:p>
             <a:fld id="{AE90C118-060D-4190-ABAA-D63ED87EAD51}" type="datetimeFigureOut">
               <a:rPr lang="en-US" smtClean="0"/>
-              <a:t>9/21/2017</a:t>
+              <a:t>9/22/2017</a:t>
             </a:fld>
             <a:endParaRPr lang="en-US"/>
           </a:p>
@@ -1626,7 +1628,7 @@
           <a:p>
             <a:fld id="{AE90C118-060D-4190-ABAA-D63ED87EAD51}" type="datetimeFigureOut">
               <a:rPr lang="en-US" smtClean="0"/>
-              <a:t>9/21/2017</a:t>
+              <a:t>9/22/2017</a:t>
             </a:fld>
             <a:endParaRPr lang="en-US"/>
           </a:p>
@@ -1744,7 +1746,7 @@
           <a:p>
             <a:fld id="{AE90C118-060D-4190-ABAA-D63ED87EAD51}" type="datetimeFigureOut">
               <a:rPr lang="en-US" smtClean="0"/>
-              <a:t>9/21/2017</a:t>
+              <a:t>9/22/2017</a:t>
             </a:fld>
             <a:endParaRPr lang="en-US"/>
           </a:p>
@@ -1839,7 +1841,7 @@
           <a:p>
             <a:fld id="{AE90C118-060D-4190-ABAA-D63ED87EAD51}" type="datetimeFigureOut">
               <a:rPr lang="en-US" smtClean="0"/>
-              <a:t>9/21/2017</a:t>
+              <a:t>9/22/2017</a:t>
             </a:fld>
             <a:endParaRPr lang="en-US"/>
           </a:p>
@@ -2116,7 +2118,7 @@
           <a:p>
             <a:fld id="{AE90C118-060D-4190-ABAA-D63ED87EAD51}" type="datetimeFigureOut">
               <a:rPr lang="en-US" smtClean="0"/>
-              <a:t>9/21/2017</a:t>
+              <a:t>9/22/2017</a:t>
             </a:fld>
             <a:endParaRPr lang="en-US"/>
           </a:p>
@@ -2369,7 +2371,7 @@
           <a:p>
             <a:fld id="{AE90C118-060D-4190-ABAA-D63ED87EAD51}" type="datetimeFigureOut">
               <a:rPr lang="en-US" smtClean="0"/>
-              <a:t>9/21/2017</a:t>
+              <a:t>9/22/2017</a:t>
             </a:fld>
             <a:endParaRPr lang="en-US"/>
           </a:p>
@@ -2582,7 +2584,7 @@
           <a:p>
             <a:fld id="{AE90C118-060D-4190-ABAA-D63ED87EAD51}" type="datetimeFigureOut">
               <a:rPr lang="en-US" smtClean="0"/>
-              <a:t>9/21/2017</a:t>
+              <a:t>9/22/2017</a:t>
             </a:fld>
             <a:endParaRPr lang="en-US"/>
           </a:p>
@@ -3074,14 +3076,7 @@
                 <a:latin typeface="Source Sans Pro" panose="020B0503030403020204" pitchFamily="34" charset="0"/>
                 <a:ea typeface="Source Sans Pro" panose="020B0503030403020204" pitchFamily="34" charset="0"/>
               </a:rPr>
-              <a:t>(</a:t>
-            </a:r>
-            <a:r>
-              <a:rPr lang="en-US" dirty="0" smtClean="0">
-                <a:latin typeface="Source Sans Pro" panose="020B0503030403020204" pitchFamily="34" charset="0"/>
-                <a:ea typeface="Source Sans Pro" panose="020B0503030403020204" pitchFamily="34" charset="0"/>
-              </a:rPr>
-              <a:t>Part-2)</a:t>
+              <a:t>(Part-2)</a:t>
             </a:r>
             <a:endParaRPr lang="en-US" dirty="0">
               <a:latin typeface="Source Sans Pro" panose="020B0503030403020204" pitchFamily="34" charset="0"/>
@@ -3228,17 +3223,7 @@
                 <a:latin typeface="Source Sans Pro" panose="020B0503030403020204" pitchFamily="34" charset="0"/>
                 <a:ea typeface="Source Sans Pro" panose="020B0503030403020204" pitchFamily="34" charset="0"/>
               </a:rPr>
-              <a:t>Getting started with </a:t>
-            </a:r>
-            <a:r>
-              <a:rPr lang="en-US" sz="3200" b="1" dirty="0" err="1" smtClean="0">
-                <a:solidFill>
-                  <a:srgbClr val="366E9C"/>
-                </a:solidFill>
-                <a:latin typeface="Source Sans Pro" panose="020B0503030403020204" pitchFamily="34" charset="0"/>
-                <a:ea typeface="Source Sans Pro" panose="020B0503030403020204" pitchFamily="34" charset="0"/>
-              </a:rPr>
-              <a:t>NumPy</a:t>
+              <a:t>Libraries for Data Science</a:t>
             </a:r>
             <a:endParaRPr lang="en-US" sz="3200" b="1" dirty="0">
               <a:latin typeface="Source Sans Pro" panose="020B0503030403020204" pitchFamily="34" charset="0"/>
@@ -3268,104 +3253,6 @@
             <a:normAutofit/>
           </a:bodyPr>
           <a:lstStyle/>
-          <a:p>
-            <a:r>
-              <a:rPr lang="en-US" sz="2400" dirty="0" err="1" smtClean="0">
-                <a:latin typeface="Source Sans Pro" panose="020B0503030403020204" pitchFamily="34" charset="0"/>
-                <a:ea typeface="Source Sans Pro" panose="020B0503030403020204" pitchFamily="34" charset="0"/>
-              </a:rPr>
-              <a:t>NumPy</a:t>
-            </a:r>
-            <a:r>
-              <a:rPr lang="en-US" sz="2400" dirty="0" smtClean="0">
-                <a:latin typeface="Source Sans Pro" panose="020B0503030403020204" pitchFamily="34" charset="0"/>
-                <a:ea typeface="Source Sans Pro" panose="020B0503030403020204" pitchFamily="34" charset="0"/>
-              </a:rPr>
-              <a:t> is imported into python as the identifier np</a:t>
-            </a:r>
-            <a:endParaRPr lang="en-US" sz="2400" dirty="0" smtClean="0">
-              <a:latin typeface="Source Sans Pro" panose="020B0503030403020204" pitchFamily="34" charset="0"/>
-              <a:ea typeface="Source Sans Pro" panose="020B0503030403020204" pitchFamily="34" charset="0"/>
-            </a:endParaRPr>
-          </a:p>
-          <a:p>
-            <a:pPr marL="457200" lvl="1" indent="0">
-              <a:buNone/>
-            </a:pPr>
-            <a:r>
-              <a:rPr lang="en-US" sz="2000" dirty="0" smtClean="0">
-                <a:latin typeface="Source Sans Pro" panose="020B0503030403020204" pitchFamily="34" charset="0"/>
-                <a:ea typeface="Source Sans Pro" panose="020B0503030403020204" pitchFamily="34" charset="0"/>
-              </a:rPr>
-              <a:t>Import </a:t>
-            </a:r>
-            <a:r>
-              <a:rPr lang="en-US" sz="2000" dirty="0" err="1" smtClean="0">
-                <a:latin typeface="Source Sans Pro" panose="020B0503030403020204" pitchFamily="34" charset="0"/>
-                <a:ea typeface="Source Sans Pro" panose="020B0503030403020204" pitchFamily="34" charset="0"/>
-              </a:rPr>
-              <a:t>numpy</a:t>
-            </a:r>
-            <a:r>
-              <a:rPr lang="en-US" sz="2000" dirty="0" smtClean="0">
-                <a:latin typeface="Source Sans Pro" panose="020B0503030403020204" pitchFamily="34" charset="0"/>
-                <a:ea typeface="Source Sans Pro" panose="020B0503030403020204" pitchFamily="34" charset="0"/>
-              </a:rPr>
-              <a:t> as np</a:t>
-            </a:r>
-          </a:p>
-          <a:p>
-            <a:pPr marL="457200" lvl="1" indent="0">
-              <a:buNone/>
-            </a:pPr>
-            <a:endParaRPr lang="en-US" sz="2000" dirty="0" smtClean="0">
-              <a:latin typeface="Source Sans Pro" panose="020B0503030403020204" pitchFamily="34" charset="0"/>
-              <a:ea typeface="Source Sans Pro" panose="020B0503030403020204" pitchFamily="34" charset="0"/>
-            </a:endParaRPr>
-          </a:p>
-          <a:p>
-            <a:pPr marL="457200" lvl="1" indent="0">
-              <a:buNone/>
-            </a:pPr>
-            <a:endParaRPr lang="en-US" sz="2000" dirty="0" smtClean="0">
-              <a:latin typeface="Source Sans Pro" panose="020B0503030403020204" pitchFamily="34" charset="0"/>
-              <a:ea typeface="Source Sans Pro" panose="020B0503030403020204" pitchFamily="34" charset="0"/>
-            </a:endParaRPr>
-          </a:p>
-          <a:p>
-            <a:r>
-              <a:rPr lang="en-US" sz="2400" dirty="0" smtClean="0">
-                <a:latin typeface="Source Sans Pro" panose="020B0503030403020204" pitchFamily="34" charset="0"/>
-                <a:ea typeface="Source Sans Pro" panose="020B0503030403020204" pitchFamily="34" charset="0"/>
-              </a:rPr>
-              <a:t>This is the first package to get familiar with for working with data</a:t>
-            </a:r>
-          </a:p>
-          <a:p>
-            <a:endParaRPr lang="en-US" sz="2400" dirty="0" smtClean="0">
-              <a:latin typeface="Source Sans Pro" panose="020B0503030403020204" pitchFamily="34" charset="0"/>
-              <a:ea typeface="Source Sans Pro" panose="020B0503030403020204" pitchFamily="34" charset="0"/>
-            </a:endParaRPr>
-          </a:p>
-          <a:p>
-            <a:endParaRPr lang="en-US" sz="2400" dirty="0">
-              <a:latin typeface="Source Sans Pro" panose="020B0503030403020204" pitchFamily="34" charset="0"/>
-              <a:ea typeface="Source Sans Pro" panose="020B0503030403020204" pitchFamily="34" charset="0"/>
-            </a:endParaRPr>
-          </a:p>
-          <a:p>
-            <a:r>
-              <a:rPr lang="en-US" sz="2400" dirty="0" smtClean="0">
-                <a:latin typeface="Source Sans Pro" panose="020B0503030403020204" pitchFamily="34" charset="0"/>
-                <a:ea typeface="Source Sans Pro" panose="020B0503030403020204" pitchFamily="34" charset="0"/>
-              </a:rPr>
-              <a:t>Provides data structures for creating arrays and matrices and for manipulating them</a:t>
-            </a:r>
-            <a:endParaRPr lang="en-US" sz="2400" dirty="0" smtClean="0">
-              <a:latin typeface="Source Sans Pro" panose="020B0503030403020204" pitchFamily="34" charset="0"/>
-              <a:ea typeface="Source Sans Pro" panose="020B0503030403020204" pitchFamily="34" charset="0"/>
-            </a:endParaRPr>
-          </a:p>
           <a:p>
             <a:pPr marL="0" indent="0">
               <a:buNone/>
@@ -3488,21 +3375,51 @@
           </a:prstGeom>
         </p:spPr>
       </p:pic>
+      <p:pic>
+        <p:nvPicPr>
+          <p:cNvPr id="4" name="Picture 3"/>
+          <p:cNvPicPr>
+            <a:picLocks noChangeAspect="1"/>
+          </p:cNvPicPr>
+          <p:nvPr/>
+        </p:nvPicPr>
+        <p:blipFill>
+          <a:blip r:embed="rId3">
+            <a:extLst>
+              <a:ext uri="{28A0092B-C50C-407E-A947-70E740481C1C}">
+                <a14:useLocalDpi xmlns:a14="http://schemas.microsoft.com/office/drawing/2010/main" val="0"/>
+              </a:ext>
+            </a:extLst>
+          </a:blip>
+          <a:stretch>
+            <a:fillRect/>
+          </a:stretch>
+        </p:blipFill>
+        <p:spPr>
+          <a:xfrm>
+            <a:off x="894675" y="1482422"/>
+            <a:ext cx="10351849" cy="4870643"/>
+          </a:xfrm>
+          <a:prstGeom prst="rect">
+            <a:avLst/>
+          </a:prstGeom>
+        </p:spPr>
+      </p:pic>
     </p:spTree>
     <p:extLst>
       <p:ext uri="{BB962C8B-B14F-4D97-AF65-F5344CB8AC3E}">
-        <p14:creationId xmlns:p14="http://schemas.microsoft.com/office/powerpoint/2010/main" val="2292343254"/>
+        <p14:creationId xmlns:p14="http://schemas.microsoft.com/office/powerpoint/2010/main" val="3310551563"/>
       </p:ext>
     </p:extLst>
   </p:cSld>
   <p:clrMapOvr>
     <a:masterClrMapping/>
   </p:clrMapOvr>
-  <mc:AlternateContent xmlns:mc="http://schemas.openxmlformats.org/markup-compatibility/2006">
-    <mc:Choice xmlns:p14="http://schemas.microsoft.com/office/powerpoint/2010/main" Requires="p14">
+  <mc:AlternateContent xmlns:mc="http://schemas.openxmlformats.org/markup-compatibility/2006" xmlns:p14="http://schemas.microsoft.com/office/powerpoint/2010/main">
+    <mc:Choice Requires="p14">
       <p:transition spd="slow" p14:dur="2000"/>
     </mc:Choice>
-    <mc:Fallback>
+    <mc:Fallback xmlns="">
       <p:transition spd="slow"/>
     </mc:Fallback>
   </mc:AlternateContent>
@@ -3556,6 +3473,16 @@
           <a:lstStyle/>
           <a:p>
             <a:r>
+              <a:rPr lang="en-US" sz="3200" b="1" dirty="0" smtClean="0">
+                <a:solidFill>
+                  <a:srgbClr val="366E9C"/>
+                </a:solidFill>
+                <a:latin typeface="Source Sans Pro" panose="020B0503030403020204" pitchFamily="34" charset="0"/>
+                <a:ea typeface="Source Sans Pro" panose="020B0503030403020204" pitchFamily="34" charset="0"/>
+              </a:rPr>
+              <a:t>Getting started with </a:t>
+            </a:r>
+            <a:r>
               <a:rPr lang="en-US" sz="3200" b="1" dirty="0" err="1" smtClean="0">
                 <a:solidFill>
                   <a:srgbClr val="366E9C"/>
@@ -3565,16 +3492,6 @@
               </a:rPr>
               <a:t>NumPy</a:t>
             </a:r>
-            <a:r>
-              <a:rPr lang="en-US" sz="3200" b="1" dirty="0" smtClean="0">
-                <a:solidFill>
-                  <a:srgbClr val="366E9C"/>
-                </a:solidFill>
-                <a:latin typeface="Source Sans Pro" panose="020B0503030403020204" pitchFamily="34" charset="0"/>
-                <a:ea typeface="Source Sans Pro" panose="020B0503030403020204" pitchFamily="34" charset="0"/>
-              </a:rPr>
-              <a:t> arrays</a:t>
-            </a:r>
             <a:endParaRPr lang="en-US" sz="3200" b="1" dirty="0">
               <a:latin typeface="Source Sans Pro" panose="020B0503030403020204" pitchFamily="34" charset="0"/>
               <a:ea typeface="Source Sans Pro" panose="020B0503030403020204" pitchFamily="34" charset="0"/>
@@ -3616,69 +3533,69 @@
                 <a:latin typeface="Source Sans Pro" panose="020B0503030403020204" pitchFamily="34" charset="0"/>
                 <a:ea typeface="Source Sans Pro" panose="020B0503030403020204" pitchFamily="34" charset="0"/>
               </a:rPr>
-              <a:t> arrays are one of the reasons for the packages success</a:t>
-            </a:r>
-          </a:p>
-          <a:p>
-            <a:pPr marL="0" indent="0">
-              <a:buNone/>
-            </a:pPr>
-            <a:r>
-              <a:rPr lang="en-US" sz="2400" dirty="0">
-                <a:latin typeface="Source Sans Pro" panose="020B0503030403020204" pitchFamily="34" charset="0"/>
-                <a:ea typeface="Source Sans Pro" panose="020B0503030403020204" pitchFamily="34" charset="0"/>
-              </a:rPr>
-              <a:t> </a:t>
-            </a:r>
-            <a:r>
-              <a:rPr lang="en-US" sz="2400" dirty="0" smtClean="0">
-                <a:latin typeface="Source Sans Pro" panose="020B0503030403020204" pitchFamily="34" charset="0"/>
-                <a:ea typeface="Source Sans Pro" panose="020B0503030403020204" pitchFamily="34" charset="0"/>
-              </a:rPr>
-              <a:t>   </a:t>
-            </a:r>
-            <a:r>
-              <a:rPr lang="en-US" sz="2400" dirty="0" err="1" smtClean="0">
-                <a:latin typeface="Source Sans Pro" panose="020B0503030403020204" pitchFamily="34" charset="0"/>
-                <a:ea typeface="Source Sans Pro" panose="020B0503030403020204" pitchFamily="34" charset="0"/>
-              </a:rPr>
-              <a:t>my_array</a:t>
-            </a:r>
-            <a:r>
-              <a:rPr lang="en-US" sz="2400" dirty="0" smtClean="0">
-                <a:latin typeface="Source Sans Pro" panose="020B0503030403020204" pitchFamily="34" charset="0"/>
-                <a:ea typeface="Source Sans Pro" panose="020B0503030403020204" pitchFamily="34" charset="0"/>
-              </a:rPr>
-              <a:t> = </a:t>
-            </a:r>
-            <a:r>
-              <a:rPr lang="en-US" sz="2400" dirty="0" err="1" smtClean="0">
-                <a:latin typeface="Source Sans Pro" panose="020B0503030403020204" pitchFamily="34" charset="0"/>
-                <a:ea typeface="Source Sans Pro" panose="020B0503030403020204" pitchFamily="34" charset="0"/>
-              </a:rPr>
-              <a:t>np.array</a:t>
-            </a:r>
-            <a:r>
-              <a:rPr lang="en-US" sz="2400" dirty="0" smtClean="0">
-                <a:latin typeface="Source Sans Pro" panose="020B0503030403020204" pitchFamily="34" charset="0"/>
-                <a:ea typeface="Source Sans Pro" panose="020B0503030403020204" pitchFamily="34" charset="0"/>
-              </a:rPr>
-              <a:t>([1, 2, 3.])</a:t>
-            </a:r>
-          </a:p>
-          <a:p>
-            <a:pPr marL="0" indent="0">
-              <a:buNone/>
-            </a:pPr>
+              <a:t> is imported into python as the identifier np</a:t>
+            </a:r>
+          </a:p>
+          <a:p>
+            <a:pPr marL="457200" lvl="1" indent="0">
+              <a:buNone/>
+            </a:pPr>
+            <a:r>
+              <a:rPr lang="en-US" sz="2000" dirty="0" smtClean="0">
+                <a:latin typeface="Source Sans Pro" panose="020B0503030403020204" pitchFamily="34" charset="0"/>
+                <a:ea typeface="Source Sans Pro" panose="020B0503030403020204" pitchFamily="34" charset="0"/>
+              </a:rPr>
+              <a:t>Import </a:t>
+            </a:r>
+            <a:r>
+              <a:rPr lang="en-US" sz="2000" dirty="0" err="1" smtClean="0">
+                <a:latin typeface="Source Sans Pro" panose="020B0503030403020204" pitchFamily="34" charset="0"/>
+                <a:ea typeface="Source Sans Pro" panose="020B0503030403020204" pitchFamily="34" charset="0"/>
+              </a:rPr>
+              <a:t>numpy</a:t>
+            </a:r>
+            <a:r>
+              <a:rPr lang="en-US" sz="2000" dirty="0" smtClean="0">
+                <a:latin typeface="Source Sans Pro" panose="020B0503030403020204" pitchFamily="34" charset="0"/>
+                <a:ea typeface="Source Sans Pro" panose="020B0503030403020204" pitchFamily="34" charset="0"/>
+              </a:rPr>
+              <a:t> as np</a:t>
+            </a:r>
+          </a:p>
+          <a:p>
+            <a:pPr marL="457200" lvl="1" indent="0">
+              <a:buNone/>
+            </a:pPr>
+            <a:endParaRPr lang="en-US" sz="2000" dirty="0" smtClean="0">
+              <a:latin typeface="Source Sans Pro" panose="020B0503030403020204" pitchFamily="34" charset="0"/>
+              <a:ea typeface="Source Sans Pro" panose="020B0503030403020204" pitchFamily="34" charset="0"/>
+            </a:endParaRPr>
+          </a:p>
+          <a:p>
+            <a:pPr marL="457200" lvl="1" indent="0">
+              <a:buNone/>
+            </a:pPr>
+            <a:endParaRPr lang="en-US" sz="2000" dirty="0" smtClean="0">
+              <a:latin typeface="Source Sans Pro" panose="020B0503030403020204" pitchFamily="34" charset="0"/>
+              <a:ea typeface="Source Sans Pro" panose="020B0503030403020204" pitchFamily="34" charset="0"/>
+            </a:endParaRPr>
+          </a:p>
+          <a:p>
+            <a:r>
+              <a:rPr lang="en-US" sz="2400" dirty="0" smtClean="0">
+                <a:latin typeface="Source Sans Pro" panose="020B0503030403020204" pitchFamily="34" charset="0"/>
+                <a:ea typeface="Source Sans Pro" panose="020B0503030403020204" pitchFamily="34" charset="0"/>
+              </a:rPr>
+              <a:t>This is the first package to get familiar with for working with data</a:t>
+            </a:r>
+          </a:p>
+          <a:p>
             <a:endParaRPr lang="en-US" sz="2400" dirty="0" smtClean="0">
               <a:latin typeface="Source Sans Pro" panose="020B0503030403020204" pitchFamily="34" charset="0"/>
               <a:ea typeface="Source Sans Pro" panose="020B0503030403020204" pitchFamily="34" charset="0"/>
             </a:endParaRPr>
           </a:p>
           <a:p>
-            <a:pPr marL="0" indent="0">
-              <a:buNone/>
-            </a:pPr>
             <a:endParaRPr lang="en-US" sz="2400" dirty="0">
               <a:latin typeface="Source Sans Pro" panose="020B0503030403020204" pitchFamily="34" charset="0"/>
               <a:ea typeface="Source Sans Pro" panose="020B0503030403020204" pitchFamily="34" charset="0"/>
@@ -3690,104 +3607,8 @@
                 <a:latin typeface="Source Sans Pro" panose="020B0503030403020204" pitchFamily="34" charset="0"/>
                 <a:ea typeface="Source Sans Pro" panose="020B0503030403020204" pitchFamily="34" charset="0"/>
               </a:rPr>
-              <a:t>They can also be used to create multidimensional arrays</a:t>
-            </a:r>
-          </a:p>
-          <a:p>
-            <a:pPr marL="0" indent="0">
-              <a:buNone/>
-            </a:pPr>
-            <a:r>
-              <a:rPr lang="en-US" sz="2400" dirty="0">
-                <a:latin typeface="Source Sans Pro" panose="020B0503030403020204" pitchFamily="34" charset="0"/>
-                <a:ea typeface="Source Sans Pro" panose="020B0503030403020204" pitchFamily="34" charset="0"/>
-              </a:rPr>
-              <a:t> </a:t>
-            </a:r>
-            <a:r>
-              <a:rPr lang="en-US" sz="2400" dirty="0" smtClean="0">
-                <a:latin typeface="Source Sans Pro" panose="020B0503030403020204" pitchFamily="34" charset="0"/>
-                <a:ea typeface="Source Sans Pro" panose="020B0503030403020204" pitchFamily="34" charset="0"/>
-              </a:rPr>
-              <a:t>    </a:t>
-            </a:r>
-            <a:r>
-              <a:rPr lang="en-US" sz="2400" dirty="0" err="1" smtClean="0">
-                <a:latin typeface="Source Sans Pro" panose="020B0503030403020204" pitchFamily="34" charset="0"/>
-                <a:ea typeface="Source Sans Pro" panose="020B0503030403020204" pitchFamily="34" charset="0"/>
-              </a:rPr>
-              <a:t>matrix_array</a:t>
-            </a:r>
-            <a:r>
-              <a:rPr lang="en-US" sz="2400" dirty="0" smtClean="0">
-                <a:latin typeface="Source Sans Pro" panose="020B0503030403020204" pitchFamily="34" charset="0"/>
-                <a:ea typeface="Source Sans Pro" panose="020B0503030403020204" pitchFamily="34" charset="0"/>
-              </a:rPr>
-              <a:t> = </a:t>
-            </a:r>
-            <a:r>
-              <a:rPr lang="en-US" sz="2400" dirty="0" err="1" smtClean="0">
-                <a:latin typeface="Source Sans Pro" panose="020B0503030403020204" pitchFamily="34" charset="0"/>
-                <a:ea typeface="Source Sans Pro" panose="020B0503030403020204" pitchFamily="34" charset="0"/>
-              </a:rPr>
-              <a:t>np.array</a:t>
-            </a:r>
-            <a:r>
-              <a:rPr lang="en-US" sz="2400" dirty="0" smtClean="0">
-                <a:latin typeface="Source Sans Pro" panose="020B0503030403020204" pitchFamily="34" charset="0"/>
-                <a:ea typeface="Source Sans Pro" panose="020B0503030403020204" pitchFamily="34" charset="0"/>
-              </a:rPr>
-              <a:t>([[1, 2], [3, 4]])</a:t>
-            </a:r>
-          </a:p>
-          <a:p>
-            <a:pPr marL="0" indent="0">
-              <a:buNone/>
-            </a:pPr>
-            <a:endParaRPr lang="en-US" sz="2400" dirty="0" smtClean="0">
-              <a:latin typeface="Source Sans Pro" panose="020B0503030403020204" pitchFamily="34" charset="0"/>
-              <a:ea typeface="Source Sans Pro" panose="020B0503030403020204" pitchFamily="34" charset="0"/>
-            </a:endParaRPr>
-          </a:p>
-          <a:p>
-            <a:pPr marL="0" indent="0">
-              <a:buNone/>
-            </a:pPr>
-            <a:endParaRPr lang="en-US" sz="2400" dirty="0">
-              <a:latin typeface="Source Sans Pro" panose="020B0503030403020204" pitchFamily="34" charset="0"/>
-              <a:ea typeface="Source Sans Pro" panose="020B0503030403020204" pitchFamily="34" charset="0"/>
-            </a:endParaRPr>
-          </a:p>
-          <a:p>
-            <a:r>
-              <a:rPr lang="en-US" sz="2400" dirty="0" smtClean="0">
-                <a:latin typeface="Source Sans Pro" panose="020B0503030403020204" pitchFamily="34" charset="0"/>
-                <a:ea typeface="Source Sans Pro" panose="020B0503030403020204" pitchFamily="34" charset="0"/>
-              </a:rPr>
-              <a:t>They look awfully familiar to lists …</a:t>
-            </a:r>
-            <a:endParaRPr lang="en-US" sz="2000" dirty="0" smtClean="0">
-              <a:latin typeface="Source Sans Pro" panose="020B0503030403020204" pitchFamily="34" charset="0"/>
-              <a:ea typeface="Source Sans Pro" panose="020B0503030403020204" pitchFamily="34" charset="0"/>
-            </a:endParaRPr>
-          </a:p>
-          <a:p>
-            <a:pPr marL="457200" lvl="1" indent="0">
-              <a:buNone/>
-            </a:pPr>
-            <a:endParaRPr lang="en-US" sz="2000" dirty="0" smtClean="0">
-              <a:latin typeface="Source Sans Pro" panose="020B0503030403020204" pitchFamily="34" charset="0"/>
-              <a:ea typeface="Source Sans Pro" panose="020B0503030403020204" pitchFamily="34" charset="0"/>
-            </a:endParaRPr>
-          </a:p>
-          <a:p>
-            <a:pPr marL="457200" lvl="1" indent="0">
-              <a:buNone/>
-            </a:pPr>
-            <a:endParaRPr lang="en-US" sz="2000" dirty="0" smtClean="0">
-              <a:latin typeface="Source Sans Pro" panose="020B0503030403020204" pitchFamily="34" charset="0"/>
-              <a:ea typeface="Source Sans Pro" panose="020B0503030403020204" pitchFamily="34" charset="0"/>
-            </a:endParaRPr>
+              <a:t>Provides data structures for creating arrays and matrices and for manipulating them</a:t>
+            </a:r>
           </a:p>
           <a:p>
             <a:pPr marL="0" indent="0">
@@ -3914,18 +3735,18 @@
     </p:spTree>
     <p:extLst>
       <p:ext uri="{BB962C8B-B14F-4D97-AF65-F5344CB8AC3E}">
-        <p14:creationId xmlns:p14="http://schemas.microsoft.com/office/powerpoint/2010/main" val="2737231053"/>
+        <p14:creationId xmlns:p14="http://schemas.microsoft.com/office/powerpoint/2010/main" val="2292343254"/>
       </p:ext>
     </p:extLst>
   </p:cSld>
   <p:clrMapOvr>
     <a:masterClrMapping/>
   </p:clrMapOvr>
-  <mc:AlternateContent xmlns:mc="http://schemas.openxmlformats.org/markup-compatibility/2006">
-    <mc:Choice xmlns:p14="http://schemas.microsoft.com/office/powerpoint/2010/main" Requires="p14">
+  <mc:AlternateContent xmlns:mc="http://schemas.openxmlformats.org/markup-compatibility/2006" xmlns:p14="http://schemas.microsoft.com/office/powerpoint/2010/main">
+    <mc:Choice Requires="p14">
       <p:transition spd="slow" p14:dur="2000"/>
     </mc:Choice>
-    <mc:Fallback>
+    <mc:Fallback xmlns="">
       <p:transition spd="slow"/>
     </mc:Fallback>
   </mc:AlternateContent>
@@ -3996,7 +3817,7 @@
                 <a:latin typeface="Source Sans Pro" panose="020B0503030403020204" pitchFamily="34" charset="0"/>
                 <a:ea typeface="Source Sans Pro" panose="020B0503030403020204" pitchFamily="34" charset="0"/>
               </a:rPr>
-              <a:t> arrays  VS. Lists</a:t>
+              <a:t> arrays</a:t>
             </a:r>
             <a:endParaRPr lang="en-US" sz="3200" b="1" dirty="0">
               <a:latin typeface="Source Sans Pro" panose="020B0503030403020204" pitchFamily="34" charset="0"/>
@@ -4028,26 +3849,71 @@
           <a:lstStyle/>
           <a:p>
             <a:r>
-              <a:rPr lang="en-US" sz="2400" dirty="0" smtClean="0">
-                <a:latin typeface="Source Sans Pro" panose="020B0503030403020204" pitchFamily="34" charset="0"/>
-                <a:ea typeface="Source Sans Pro" panose="020B0503030403020204" pitchFamily="34" charset="0"/>
-              </a:rPr>
-              <a:t>A simple check of the methods available to the two objects shows the major advantages of lists vs. </a:t>
-            </a:r>
-            <a:r>
               <a:rPr lang="en-US" sz="2400" dirty="0" err="1" smtClean="0">
                 <a:latin typeface="Source Sans Pro" panose="020B0503030403020204" pitchFamily="34" charset="0"/>
                 <a:ea typeface="Source Sans Pro" panose="020B0503030403020204" pitchFamily="34" charset="0"/>
               </a:rPr>
-              <a:t>numpy</a:t>
-            </a:r>
-            <a:r>
-              <a:rPr lang="en-US" sz="2400" dirty="0" smtClean="0">
-                <a:latin typeface="Source Sans Pro" panose="020B0503030403020204" pitchFamily="34" charset="0"/>
-                <a:ea typeface="Source Sans Pro" panose="020B0503030403020204" pitchFamily="34" charset="0"/>
-              </a:rPr>
-              <a:t> arrays</a:t>
-            </a:r>
+              <a:t>NumPy</a:t>
+            </a:r>
+            <a:r>
+              <a:rPr lang="en-US" sz="2400" dirty="0" smtClean="0">
+                <a:latin typeface="Source Sans Pro" panose="020B0503030403020204" pitchFamily="34" charset="0"/>
+                <a:ea typeface="Source Sans Pro" panose="020B0503030403020204" pitchFamily="34" charset="0"/>
+              </a:rPr>
+              <a:t> arrays are one of the reasons for the packages success</a:t>
+            </a:r>
+          </a:p>
+          <a:p>
+            <a:pPr marL="0" indent="0">
+              <a:buNone/>
+            </a:pPr>
+            <a:r>
+              <a:rPr lang="en-US" sz="2400" dirty="0">
+                <a:latin typeface="Source Sans Pro" panose="020B0503030403020204" pitchFamily="34" charset="0"/>
+                <a:ea typeface="Source Sans Pro" panose="020B0503030403020204" pitchFamily="34" charset="0"/>
+              </a:rPr>
+              <a:t> </a:t>
+            </a:r>
+            <a:r>
+              <a:rPr lang="en-US" sz="2400" dirty="0" smtClean="0">
+                <a:latin typeface="Source Sans Pro" panose="020B0503030403020204" pitchFamily="34" charset="0"/>
+                <a:ea typeface="Source Sans Pro" panose="020B0503030403020204" pitchFamily="34" charset="0"/>
+              </a:rPr>
+              <a:t>   </a:t>
+            </a:r>
+            <a:r>
+              <a:rPr lang="en-US" sz="2400" dirty="0" err="1" smtClean="0">
+                <a:latin typeface="Source Sans Pro" panose="020B0503030403020204" pitchFamily="34" charset="0"/>
+                <a:ea typeface="Source Sans Pro" panose="020B0503030403020204" pitchFamily="34" charset="0"/>
+              </a:rPr>
+              <a:t>my_array</a:t>
+            </a:r>
+            <a:r>
+              <a:rPr lang="en-US" sz="2400" dirty="0" smtClean="0">
+                <a:latin typeface="Source Sans Pro" panose="020B0503030403020204" pitchFamily="34" charset="0"/>
+                <a:ea typeface="Source Sans Pro" panose="020B0503030403020204" pitchFamily="34" charset="0"/>
+              </a:rPr>
+              <a:t> = </a:t>
+            </a:r>
+            <a:r>
+              <a:rPr lang="en-US" sz="2400" dirty="0" err="1" smtClean="0">
+                <a:latin typeface="Source Sans Pro" panose="020B0503030403020204" pitchFamily="34" charset="0"/>
+                <a:ea typeface="Source Sans Pro" panose="020B0503030403020204" pitchFamily="34" charset="0"/>
+              </a:rPr>
+              <a:t>np.array</a:t>
+            </a:r>
+            <a:r>
+              <a:rPr lang="en-US" sz="2400" dirty="0" smtClean="0">
+                <a:latin typeface="Source Sans Pro" panose="020B0503030403020204" pitchFamily="34" charset="0"/>
+                <a:ea typeface="Source Sans Pro" panose="020B0503030403020204" pitchFamily="34" charset="0"/>
+              </a:rPr>
+              <a:t>([1, 2, 3.])</a:t>
+            </a:r>
+          </a:p>
+          <a:p>
+            <a:pPr marL="0" indent="0">
+              <a:buNone/>
+            </a:pPr>
             <a:endParaRPr lang="en-US" sz="2400" dirty="0" smtClean="0">
               <a:latin typeface="Source Sans Pro" panose="020B0503030403020204" pitchFamily="34" charset="0"/>
               <a:ea typeface="Source Sans Pro" panose="020B0503030403020204" pitchFamily="34" charset="0"/>
@@ -4057,6 +3923,71 @@
             <a:pPr marL="0" indent="0">
               <a:buNone/>
             </a:pPr>
+            <a:endParaRPr lang="en-US" sz="2400" dirty="0">
+              <a:latin typeface="Source Sans Pro" panose="020B0503030403020204" pitchFamily="34" charset="0"/>
+              <a:ea typeface="Source Sans Pro" panose="020B0503030403020204" pitchFamily="34" charset="0"/>
+            </a:endParaRPr>
+          </a:p>
+          <a:p>
+            <a:r>
+              <a:rPr lang="en-US" sz="2400" dirty="0" smtClean="0">
+                <a:latin typeface="Source Sans Pro" panose="020B0503030403020204" pitchFamily="34" charset="0"/>
+                <a:ea typeface="Source Sans Pro" panose="020B0503030403020204" pitchFamily="34" charset="0"/>
+              </a:rPr>
+              <a:t>They can also be used to create multidimensional arrays</a:t>
+            </a:r>
+          </a:p>
+          <a:p>
+            <a:pPr marL="0" indent="0">
+              <a:buNone/>
+            </a:pPr>
+            <a:r>
+              <a:rPr lang="en-US" sz="2400" dirty="0">
+                <a:latin typeface="Source Sans Pro" panose="020B0503030403020204" pitchFamily="34" charset="0"/>
+                <a:ea typeface="Source Sans Pro" panose="020B0503030403020204" pitchFamily="34" charset="0"/>
+              </a:rPr>
+              <a:t> </a:t>
+            </a:r>
+            <a:r>
+              <a:rPr lang="en-US" sz="2400" dirty="0" smtClean="0">
+                <a:latin typeface="Source Sans Pro" panose="020B0503030403020204" pitchFamily="34" charset="0"/>
+                <a:ea typeface="Source Sans Pro" panose="020B0503030403020204" pitchFamily="34" charset="0"/>
+              </a:rPr>
+              <a:t>    </a:t>
+            </a:r>
+            <a:r>
+              <a:rPr lang="en-US" sz="2400" dirty="0" err="1" smtClean="0">
+                <a:latin typeface="Source Sans Pro" panose="020B0503030403020204" pitchFamily="34" charset="0"/>
+                <a:ea typeface="Source Sans Pro" panose="020B0503030403020204" pitchFamily="34" charset="0"/>
+              </a:rPr>
+              <a:t>matrix_array</a:t>
+            </a:r>
+            <a:r>
+              <a:rPr lang="en-US" sz="2400" dirty="0" smtClean="0">
+                <a:latin typeface="Source Sans Pro" panose="020B0503030403020204" pitchFamily="34" charset="0"/>
+                <a:ea typeface="Source Sans Pro" panose="020B0503030403020204" pitchFamily="34" charset="0"/>
+              </a:rPr>
+              <a:t> = </a:t>
+            </a:r>
+            <a:r>
+              <a:rPr lang="en-US" sz="2400" dirty="0" err="1" smtClean="0">
+                <a:latin typeface="Source Sans Pro" panose="020B0503030403020204" pitchFamily="34" charset="0"/>
+                <a:ea typeface="Source Sans Pro" panose="020B0503030403020204" pitchFamily="34" charset="0"/>
+              </a:rPr>
+              <a:t>np.array</a:t>
+            </a:r>
+            <a:r>
+              <a:rPr lang="en-US" sz="2400" dirty="0" smtClean="0">
+                <a:latin typeface="Source Sans Pro" panose="020B0503030403020204" pitchFamily="34" charset="0"/>
+                <a:ea typeface="Source Sans Pro" panose="020B0503030403020204" pitchFamily="34" charset="0"/>
+              </a:rPr>
+              <a:t>([[1, 2], [3, 4]])</a:t>
+            </a:r>
+          </a:p>
+          <a:p>
+            <a:pPr marL="0" indent="0">
+              <a:buNone/>
+            </a:pPr>
             <a:endParaRPr lang="en-US" sz="2400" dirty="0" smtClean="0">
               <a:latin typeface="Source Sans Pro" panose="020B0503030403020204" pitchFamily="34" charset="0"/>
               <a:ea typeface="Source Sans Pro" panose="020B0503030403020204" pitchFamily="34" charset="0"/>
@@ -4066,135 +3997,46 @@
             <a:pPr marL="0" indent="0">
               <a:buNone/>
             </a:pPr>
-            <a:r>
-              <a:rPr lang="en-US" sz="2400" dirty="0" smtClean="0">
-                <a:latin typeface="Source Sans Pro" panose="020B0503030403020204" pitchFamily="34" charset="0"/>
-                <a:ea typeface="Source Sans Pro" panose="020B0503030403020204" pitchFamily="34" charset="0"/>
-              </a:rPr>
-              <a:t>    a  =  [ [ 1, 2] , [3, 4] ] </a:t>
-            </a:r>
-          </a:p>
-          <a:p>
-            <a:pPr marL="0" indent="0">
-              <a:buNone/>
-            </a:pPr>
-            <a:r>
-              <a:rPr lang="en-US" sz="2400" dirty="0">
-                <a:latin typeface="Source Sans Pro" panose="020B0503030403020204" pitchFamily="34" charset="0"/>
-                <a:ea typeface="Source Sans Pro" panose="020B0503030403020204" pitchFamily="34" charset="0"/>
-              </a:rPr>
-              <a:t> </a:t>
-            </a:r>
-            <a:r>
-              <a:rPr lang="en-US" sz="2400" dirty="0" smtClean="0">
-                <a:latin typeface="Source Sans Pro" panose="020B0503030403020204" pitchFamily="34" charset="0"/>
-                <a:ea typeface="Source Sans Pro" panose="020B0503030403020204" pitchFamily="34" charset="0"/>
-              </a:rPr>
-              <a:t>   b  = </a:t>
-            </a:r>
-            <a:r>
-              <a:rPr lang="en-US" sz="2400" dirty="0" err="1" smtClean="0">
-                <a:latin typeface="Source Sans Pro" panose="020B0503030403020204" pitchFamily="34" charset="0"/>
-                <a:ea typeface="Source Sans Pro" panose="020B0503030403020204" pitchFamily="34" charset="0"/>
-              </a:rPr>
-              <a:t>np.array</a:t>
-            </a:r>
-            <a:r>
-              <a:rPr lang="en-US" sz="2400" dirty="0" smtClean="0">
-                <a:latin typeface="Source Sans Pro" panose="020B0503030403020204" pitchFamily="34" charset="0"/>
-                <a:ea typeface="Source Sans Pro" panose="020B0503030403020204" pitchFamily="34" charset="0"/>
-              </a:rPr>
-              <a:t>( [ [ 1, 2], [3,4] ])</a:t>
-            </a:r>
-          </a:p>
-          <a:p>
-            <a:pPr marL="0" indent="0">
-              <a:buNone/>
-            </a:pPr>
-            <a:r>
-              <a:rPr lang="en-US" sz="2400" dirty="0">
-                <a:latin typeface="Source Sans Pro" panose="020B0503030403020204" pitchFamily="34" charset="0"/>
-                <a:ea typeface="Source Sans Pro" panose="020B0503030403020204" pitchFamily="34" charset="0"/>
-              </a:rPr>
-              <a:t> </a:t>
-            </a:r>
-            <a:r>
-              <a:rPr lang="en-US" sz="2400" dirty="0" smtClean="0">
-                <a:latin typeface="Source Sans Pro" panose="020B0503030403020204" pitchFamily="34" charset="0"/>
-                <a:ea typeface="Source Sans Pro" panose="020B0503030403020204" pitchFamily="34" charset="0"/>
-              </a:rPr>
-              <a:t>   print </a:t>
-            </a:r>
-            <a:r>
-              <a:rPr lang="en-US" sz="2400" dirty="0" err="1" smtClean="0">
-                <a:latin typeface="Source Sans Pro" panose="020B0503030403020204" pitchFamily="34" charset="0"/>
-                <a:ea typeface="Source Sans Pro" panose="020B0503030403020204" pitchFamily="34" charset="0"/>
-              </a:rPr>
-              <a:t>dir</a:t>
-            </a:r>
-            <a:r>
-              <a:rPr lang="en-US" sz="2400" dirty="0" smtClean="0">
-                <a:latin typeface="Source Sans Pro" panose="020B0503030403020204" pitchFamily="34" charset="0"/>
-                <a:ea typeface="Source Sans Pro" panose="020B0503030403020204" pitchFamily="34" charset="0"/>
-              </a:rPr>
-              <a:t>(a)</a:t>
-            </a:r>
-          </a:p>
-          <a:p>
-            <a:pPr marL="0" indent="0">
-              <a:buNone/>
-            </a:pPr>
-            <a:r>
-              <a:rPr lang="en-US" sz="2400" dirty="0">
-                <a:latin typeface="Source Sans Pro" panose="020B0503030403020204" pitchFamily="34" charset="0"/>
-                <a:ea typeface="Source Sans Pro" panose="020B0503030403020204" pitchFamily="34" charset="0"/>
-              </a:rPr>
-              <a:t> </a:t>
-            </a:r>
-            <a:r>
-              <a:rPr lang="en-US" sz="2400" dirty="0" smtClean="0">
-                <a:latin typeface="Source Sans Pro" panose="020B0503030403020204" pitchFamily="34" charset="0"/>
-                <a:ea typeface="Source Sans Pro" panose="020B0503030403020204" pitchFamily="34" charset="0"/>
-              </a:rPr>
-              <a:t>   print </a:t>
-            </a:r>
-            <a:r>
-              <a:rPr lang="en-US" sz="2400" dirty="0" err="1" smtClean="0">
-                <a:latin typeface="Source Sans Pro" panose="020B0503030403020204" pitchFamily="34" charset="0"/>
-                <a:ea typeface="Source Sans Pro" panose="020B0503030403020204" pitchFamily="34" charset="0"/>
-              </a:rPr>
-              <a:t>dir</a:t>
-            </a:r>
-            <a:r>
-              <a:rPr lang="en-US" sz="2400" dirty="0" smtClean="0">
-                <a:latin typeface="Source Sans Pro" panose="020B0503030403020204" pitchFamily="34" charset="0"/>
-                <a:ea typeface="Source Sans Pro" panose="020B0503030403020204" pitchFamily="34" charset="0"/>
-              </a:rPr>
-              <a:t>(b)</a:t>
-            </a:r>
             <a:endParaRPr lang="en-US" sz="2400" dirty="0">
               <a:latin typeface="Source Sans Pro" panose="020B0503030403020204" pitchFamily="34" charset="0"/>
               <a:ea typeface="Source Sans Pro" panose="020B0503030403020204" pitchFamily="34" charset="0"/>
             </a:endParaRPr>
           </a:p>
           <a:p>
-            <a:pPr marL="0" indent="0">
-              <a:buNone/>
-            </a:pPr>
-            <a:r>
-              <a:rPr lang="en-US" sz="2000" dirty="0">
-                <a:latin typeface="Source Sans Pro" panose="020B0503030403020204" pitchFamily="34" charset="0"/>
-                <a:ea typeface="Source Sans Pro" panose="020B0503030403020204" pitchFamily="34" charset="0"/>
-              </a:rPr>
-              <a:t> </a:t>
-            </a:r>
-            <a:r>
-              <a:rPr lang="en-US" sz="2000" dirty="0" smtClean="0">
-                <a:latin typeface="Source Sans Pro" panose="020B0503030403020204" pitchFamily="34" charset="0"/>
-                <a:ea typeface="Source Sans Pro" panose="020B0503030403020204" pitchFamily="34" charset="0"/>
-              </a:rPr>
-              <a:t>   </a:t>
-            </a:r>
+            <a:r>
+              <a:rPr lang="en-US" sz="2400" dirty="0" smtClean="0">
+                <a:latin typeface="Source Sans Pro" panose="020B0503030403020204" pitchFamily="34" charset="0"/>
+                <a:ea typeface="Source Sans Pro" panose="020B0503030403020204" pitchFamily="34" charset="0"/>
+              </a:rPr>
+              <a:t>They look awfully familiar to lists …</a:t>
+            </a:r>
+            <a:endParaRPr lang="en-US" sz="2000" dirty="0" smtClean="0">
+              <a:latin typeface="Source Sans Pro" panose="020B0503030403020204" pitchFamily="34" charset="0"/>
+              <a:ea typeface="Source Sans Pro" panose="020B0503030403020204" pitchFamily="34" charset="0"/>
+            </a:endParaRPr>
+          </a:p>
+          <a:p>
+            <a:pPr marL="457200" lvl="1" indent="0">
+              <a:buNone/>
+            </a:pPr>
+            <a:endParaRPr lang="en-US" sz="2000" dirty="0" smtClean="0">
+              <a:latin typeface="Source Sans Pro" panose="020B0503030403020204" pitchFamily="34" charset="0"/>
+              <a:ea typeface="Source Sans Pro" panose="020B0503030403020204" pitchFamily="34" charset="0"/>
+            </a:endParaRPr>
+          </a:p>
+          <a:p>
+            <a:pPr marL="457200" lvl="1" indent="0">
+              <a:buNone/>
+            </a:pPr>
+            <a:endParaRPr lang="en-US" sz="2000" dirty="0" smtClean="0">
+              <a:latin typeface="Source Sans Pro" panose="020B0503030403020204" pitchFamily="34" charset="0"/>
+              <a:ea typeface="Source Sans Pro" panose="020B0503030403020204" pitchFamily="34" charset="0"/>
+            </a:endParaRPr>
+          </a:p>
+          <a:p>
+            <a:pPr marL="0" indent="0">
+              <a:buNone/>
+            </a:pPr>
             <a:endParaRPr lang="en-US" sz="2400" dirty="0" smtClean="0">
               <a:latin typeface="Source Sans Pro" panose="020B0503030403020204" pitchFamily="34" charset="0"/>
               <a:ea typeface="Source Sans Pro" panose="020B0503030403020204" pitchFamily="34" charset="0"/>
@@ -4316,18 +4158,18 @@
     </p:spTree>
     <p:extLst>
       <p:ext uri="{BB962C8B-B14F-4D97-AF65-F5344CB8AC3E}">
-        <p14:creationId xmlns:p14="http://schemas.microsoft.com/office/powerpoint/2010/main" val="391639248"/>
+        <p14:creationId xmlns:p14="http://schemas.microsoft.com/office/powerpoint/2010/main" val="2737231053"/>
       </p:ext>
     </p:extLst>
   </p:cSld>
   <p:clrMapOvr>
     <a:masterClrMapping/>
   </p:clrMapOvr>
-  <mc:AlternateContent xmlns:mc="http://schemas.openxmlformats.org/markup-compatibility/2006">
-    <mc:Choice xmlns:p14="http://schemas.microsoft.com/office/powerpoint/2010/main" Requires="p14">
+  <mc:AlternateContent xmlns:mc="http://schemas.openxmlformats.org/markup-compatibility/2006" xmlns:p14="http://schemas.microsoft.com/office/powerpoint/2010/main">
+    <mc:Choice Requires="p14">
       <p:transition spd="slow" p14:dur="2000"/>
     </mc:Choice>
-    <mc:Fallback>
+    <mc:Fallback xmlns="">
       <p:transition spd="slow"/>
     </mc:Fallback>
   </mc:AlternateContent>
@@ -4381,6 +4223,16 @@
           <a:lstStyle/>
           <a:p>
             <a:r>
+              <a:rPr lang="en-US" sz="3200" b="1" dirty="0" err="1" smtClean="0">
+                <a:solidFill>
+                  <a:srgbClr val="366E9C"/>
+                </a:solidFill>
+                <a:latin typeface="Source Sans Pro" panose="020B0503030403020204" pitchFamily="34" charset="0"/>
+                <a:ea typeface="Source Sans Pro" panose="020B0503030403020204" pitchFamily="34" charset="0"/>
+              </a:rPr>
+              <a:t>NumPy</a:t>
+            </a:r>
+            <a:r>
               <a:rPr lang="en-US" sz="3200" b="1" dirty="0" smtClean="0">
                 <a:solidFill>
                   <a:srgbClr val="366E9C"/>
@@ -4388,7 +4240,7 @@
                 <a:latin typeface="Source Sans Pro" panose="020B0503030403020204" pitchFamily="34" charset="0"/>
                 <a:ea typeface="Source Sans Pro" panose="020B0503030403020204" pitchFamily="34" charset="0"/>
               </a:rPr>
-              <a:t>Some Methods and Attributes for Arrays</a:t>
+              <a:t> arrays  VS. Lists</a:t>
             </a:r>
             <a:endParaRPr lang="en-US" sz="3200" b="1" dirty="0">
               <a:latin typeface="Source Sans Pro" panose="020B0503030403020204" pitchFamily="34" charset="0"/>
@@ -4424,8 +4276,27 @@
                 <a:latin typeface="Source Sans Pro" panose="020B0503030403020204" pitchFamily="34" charset="0"/>
                 <a:ea typeface="Source Sans Pro" panose="020B0503030403020204" pitchFamily="34" charset="0"/>
               </a:rPr>
-              <a:t>Here are a sample of some useful methods and attributes of arrays</a:t>
-            </a:r>
+              <a:t>A simple check of the methods available to the two objects shows the major advantages of lists vs. </a:t>
+            </a:r>
+            <a:r>
+              <a:rPr lang="en-US" sz="2400" dirty="0" err="1" smtClean="0">
+                <a:latin typeface="Source Sans Pro" panose="020B0503030403020204" pitchFamily="34" charset="0"/>
+                <a:ea typeface="Source Sans Pro" panose="020B0503030403020204" pitchFamily="34" charset="0"/>
+              </a:rPr>
+              <a:t>numpy</a:t>
+            </a:r>
+            <a:r>
+              <a:rPr lang="en-US" sz="2400" dirty="0" smtClean="0">
+                <a:latin typeface="Source Sans Pro" panose="020B0503030403020204" pitchFamily="34" charset="0"/>
+                <a:ea typeface="Source Sans Pro" panose="020B0503030403020204" pitchFamily="34" charset="0"/>
+              </a:rPr>
+              <a:t> arrays</a:t>
+            </a:r>
+          </a:p>
+          <a:p>
+            <a:pPr marL="0" indent="0">
+              <a:buNone/>
+            </a:pPr>
             <a:endParaRPr lang="en-US" sz="2400" dirty="0" smtClean="0">
               <a:latin typeface="Source Sans Pro" panose="020B0503030403020204" pitchFamily="34" charset="0"/>
               <a:ea typeface="Source Sans Pro" panose="020B0503030403020204" pitchFamily="34" charset="0"/>
@@ -4435,22 +4306,141 @@
             <a:pPr marL="0" indent="0">
               <a:buNone/>
             </a:pPr>
+            <a:r>
+              <a:rPr lang="en-US" sz="2400" dirty="0" smtClean="0">
+                <a:latin typeface="Source Sans Pro" panose="020B0503030403020204" pitchFamily="34" charset="0"/>
+                <a:ea typeface="Source Sans Pro" panose="020B0503030403020204" pitchFamily="34" charset="0"/>
+              </a:rPr>
+              <a:t>    a  =  [ [ 1, 2] , [3, 4] ] </a:t>
+            </a:r>
+          </a:p>
+          <a:p>
+            <a:pPr marL="0" indent="0">
+              <a:buNone/>
+            </a:pPr>
+            <a:r>
+              <a:rPr lang="en-US" sz="2400" dirty="0">
+                <a:latin typeface="Source Sans Pro" panose="020B0503030403020204" pitchFamily="34" charset="0"/>
+                <a:ea typeface="Source Sans Pro" panose="020B0503030403020204" pitchFamily="34" charset="0"/>
+              </a:rPr>
+              <a:t> </a:t>
+            </a:r>
+            <a:r>
+              <a:rPr lang="en-US" sz="2400" dirty="0" smtClean="0">
+                <a:latin typeface="Source Sans Pro" panose="020B0503030403020204" pitchFamily="34" charset="0"/>
+                <a:ea typeface="Source Sans Pro" panose="020B0503030403020204" pitchFamily="34" charset="0"/>
+              </a:rPr>
+              <a:t>   b  = </a:t>
+            </a:r>
+            <a:r>
+              <a:rPr lang="en-US" sz="2400" dirty="0" err="1" smtClean="0">
+                <a:latin typeface="Source Sans Pro" panose="020B0503030403020204" pitchFamily="34" charset="0"/>
+                <a:ea typeface="Source Sans Pro" panose="020B0503030403020204" pitchFamily="34" charset="0"/>
+              </a:rPr>
+              <a:t>np.array</a:t>
+            </a:r>
+            <a:r>
+              <a:rPr lang="en-US" sz="2400" dirty="0" smtClean="0">
+                <a:latin typeface="Source Sans Pro" panose="020B0503030403020204" pitchFamily="34" charset="0"/>
+                <a:ea typeface="Source Sans Pro" panose="020B0503030403020204" pitchFamily="34" charset="0"/>
+              </a:rPr>
+              <a:t>( [ [ 1, 2], [3,4] ])</a:t>
+            </a:r>
+          </a:p>
+          <a:p>
+            <a:pPr marL="0" indent="0">
+              <a:buNone/>
+            </a:pPr>
+            <a:r>
+              <a:rPr lang="en-US" sz="2400" dirty="0">
+                <a:latin typeface="Source Sans Pro" panose="020B0503030403020204" pitchFamily="34" charset="0"/>
+                <a:ea typeface="Source Sans Pro" panose="020B0503030403020204" pitchFamily="34" charset="0"/>
+              </a:rPr>
+              <a:t> </a:t>
+            </a:r>
+            <a:r>
+              <a:rPr lang="en-US" sz="2400" dirty="0" smtClean="0">
+                <a:latin typeface="Source Sans Pro" panose="020B0503030403020204" pitchFamily="34" charset="0"/>
+                <a:ea typeface="Source Sans Pro" panose="020B0503030403020204" pitchFamily="34" charset="0"/>
+              </a:rPr>
+              <a:t>   print </a:t>
+            </a:r>
+            <a:r>
+              <a:rPr lang="en-US" sz="2400" dirty="0" err="1" smtClean="0">
+                <a:latin typeface="Source Sans Pro" panose="020B0503030403020204" pitchFamily="34" charset="0"/>
+                <a:ea typeface="Source Sans Pro" panose="020B0503030403020204" pitchFamily="34" charset="0"/>
+              </a:rPr>
+              <a:t>dir</a:t>
+            </a:r>
+            <a:r>
+              <a:rPr lang="en-US" sz="2400" dirty="0" smtClean="0">
+                <a:latin typeface="Source Sans Pro" panose="020B0503030403020204" pitchFamily="34" charset="0"/>
+                <a:ea typeface="Source Sans Pro" panose="020B0503030403020204" pitchFamily="34" charset="0"/>
+              </a:rPr>
+              <a:t>(a)</a:t>
+            </a:r>
+          </a:p>
+          <a:p>
+            <a:pPr marL="0" indent="0">
+              <a:buNone/>
+            </a:pPr>
+            <a:r>
+              <a:rPr lang="en-US" sz="2400" dirty="0">
+                <a:latin typeface="Source Sans Pro" panose="020B0503030403020204" pitchFamily="34" charset="0"/>
+                <a:ea typeface="Source Sans Pro" panose="020B0503030403020204" pitchFamily="34" charset="0"/>
+              </a:rPr>
+              <a:t> </a:t>
+            </a:r>
+            <a:r>
+              <a:rPr lang="en-US" sz="2400" dirty="0" smtClean="0">
+                <a:latin typeface="Source Sans Pro" panose="020B0503030403020204" pitchFamily="34" charset="0"/>
+                <a:ea typeface="Source Sans Pro" panose="020B0503030403020204" pitchFamily="34" charset="0"/>
+              </a:rPr>
+              <a:t>   print </a:t>
+            </a:r>
+            <a:r>
+              <a:rPr lang="en-US" sz="2400" dirty="0" err="1" smtClean="0">
+                <a:latin typeface="Source Sans Pro" panose="020B0503030403020204" pitchFamily="34" charset="0"/>
+                <a:ea typeface="Source Sans Pro" panose="020B0503030403020204" pitchFamily="34" charset="0"/>
+              </a:rPr>
+              <a:t>dir</a:t>
+            </a:r>
+            <a:r>
+              <a:rPr lang="en-US" sz="2400" dirty="0" smtClean="0">
+                <a:latin typeface="Source Sans Pro" panose="020B0503030403020204" pitchFamily="34" charset="0"/>
+                <a:ea typeface="Source Sans Pro" panose="020B0503030403020204" pitchFamily="34" charset="0"/>
+              </a:rPr>
+              <a:t>(b)</a:t>
+            </a:r>
+            <a:endParaRPr lang="en-US" sz="2400" dirty="0">
+              <a:latin typeface="Source Sans Pro" panose="020B0503030403020204" pitchFamily="34" charset="0"/>
+              <a:ea typeface="Source Sans Pro" panose="020B0503030403020204" pitchFamily="34" charset="0"/>
+            </a:endParaRPr>
+          </a:p>
+          <a:p>
+            <a:pPr marL="0" indent="0">
+              <a:buNone/>
+            </a:pPr>
+            <a:r>
+              <a:rPr lang="en-US" sz="2000" dirty="0">
+                <a:latin typeface="Source Sans Pro" panose="020B0503030403020204" pitchFamily="34" charset="0"/>
+                <a:ea typeface="Source Sans Pro" panose="020B0503030403020204" pitchFamily="34" charset="0"/>
+              </a:rPr>
+              <a:t> </a:t>
+            </a:r>
+            <a:r>
+              <a:rPr lang="en-US" sz="2000" dirty="0" smtClean="0">
+                <a:latin typeface="Source Sans Pro" panose="020B0503030403020204" pitchFamily="34" charset="0"/>
+                <a:ea typeface="Source Sans Pro" panose="020B0503030403020204" pitchFamily="34" charset="0"/>
+              </a:rPr>
+              <a:t>   </a:t>
+            </a:r>
             <a:endParaRPr lang="en-US" sz="2400" dirty="0" smtClean="0">
               <a:latin typeface="Source Sans Pro" panose="020B0503030403020204" pitchFamily="34" charset="0"/>
               <a:ea typeface="Source Sans Pro" panose="020B0503030403020204" pitchFamily="34" charset="0"/>
             </a:endParaRPr>
           </a:p>
           <a:p>
-            <a:pPr marL="0" indent="0">
-              <a:buNone/>
-            </a:pPr>
-            <a:r>
-              <a:rPr lang="en-US" sz="2400" dirty="0" smtClean="0">
-                <a:latin typeface="Source Sans Pro" panose="020B0503030403020204" pitchFamily="34" charset="0"/>
-                <a:ea typeface="Source Sans Pro" panose="020B0503030403020204" pitchFamily="34" charset="0"/>
-              </a:rPr>
-              <a:t>    </a:t>
-            </a:r>
             <a:endParaRPr lang="en-US" sz="2400" dirty="0">
               <a:latin typeface="Source Sans Pro" panose="020B0503030403020204" pitchFamily="34" charset="0"/>
               <a:ea typeface="Source Sans Pro" panose="020B0503030403020204" pitchFamily="34" charset="0"/>
@@ -4563,51 +4553,21 @@
           </a:prstGeom>
         </p:spPr>
       </p:pic>
-      <p:pic>
-        <p:nvPicPr>
-          <p:cNvPr id="4" name="Picture 3"/>
-          <p:cNvPicPr>
-            <a:picLocks noChangeAspect="1"/>
-          </p:cNvPicPr>
-          <p:nvPr/>
-        </p:nvPicPr>
-        <p:blipFill>
-          <a:blip r:embed="rId3">
-            <a:extLst>
-              <a:ext uri="{28A0092B-C50C-407E-A947-70E740481C1C}">
-                <a14:useLocalDpi xmlns:a14="http://schemas.microsoft.com/office/drawing/2010/main" val="0"/>
-              </a:ext>
-            </a:extLst>
-          </a:blip>
-          <a:stretch>
-            <a:fillRect/>
-          </a:stretch>
-        </p:blipFill>
-        <p:spPr>
-          <a:xfrm>
-            <a:off x="734711" y="1700654"/>
-            <a:ext cx="10439568" cy="4916046"/>
-          </a:xfrm>
-          <a:prstGeom prst="rect">
-            <a:avLst/>
-          </a:prstGeom>
-        </p:spPr>
-      </p:pic>
     </p:spTree>
     <p:extLst>
       <p:ext uri="{BB962C8B-B14F-4D97-AF65-F5344CB8AC3E}">
-        <p14:creationId xmlns:p14="http://schemas.microsoft.com/office/powerpoint/2010/main" val="3940264042"/>
+        <p14:creationId xmlns:p14="http://schemas.microsoft.com/office/powerpoint/2010/main" val="391639248"/>
       </p:ext>
     </p:extLst>
   </p:cSld>
   <p:clrMapOvr>
     <a:masterClrMapping/>
   </p:clrMapOvr>
-  <mc:AlternateContent xmlns:mc="http://schemas.openxmlformats.org/markup-compatibility/2006">
-    <mc:Choice xmlns:p14="http://schemas.microsoft.com/office/powerpoint/2010/main" Requires="p14">
+  <mc:AlternateContent xmlns:mc="http://schemas.openxmlformats.org/markup-compatibility/2006" xmlns:p14="http://schemas.microsoft.com/office/powerpoint/2010/main">
+    <mc:Choice Requires="p14">
       <p:transition spd="slow" p14:dur="2000"/>
     </mc:Choice>
-    <mc:Fallback>
+    <mc:Fallback xmlns="">
       <p:transition spd="slow"/>
     </mc:Fallback>
   </mc:AlternateContent>
@@ -4668,27 +4628,7 @@
                 <a:latin typeface="Source Sans Pro" panose="020B0503030403020204" pitchFamily="34" charset="0"/>
                 <a:ea typeface="Source Sans Pro" panose="020B0503030403020204" pitchFamily="34" charset="0"/>
               </a:rPr>
-              <a:t>But </a:t>
-            </a:r>
-            <a:r>
-              <a:rPr lang="en-US" sz="3200" b="1" dirty="0" err="1" smtClean="0">
-                <a:solidFill>
-                  <a:srgbClr val="366E9C"/>
-                </a:solidFill>
-                <a:latin typeface="Source Sans Pro" panose="020B0503030403020204" pitchFamily="34" charset="0"/>
-                <a:ea typeface="Source Sans Pro" panose="020B0503030403020204" pitchFamily="34" charset="0"/>
-              </a:rPr>
-              <a:t>numpy</a:t>
-            </a:r>
-            <a:r>
-              <a:rPr lang="en-US" sz="3200" b="1" dirty="0" smtClean="0">
-                <a:solidFill>
-                  <a:srgbClr val="366E9C"/>
-                </a:solidFill>
-                <a:latin typeface="Source Sans Pro" panose="020B0503030403020204" pitchFamily="34" charset="0"/>
-                <a:ea typeface="Source Sans Pro" panose="020B0503030403020204" pitchFamily="34" charset="0"/>
-              </a:rPr>
-              <a:t> has Matrix Object?</a:t>
+              <a:t>Some Methods and Attributes for Arrays</a:t>
             </a:r>
             <a:endParaRPr lang="en-US" sz="3200" b="1" dirty="0">
               <a:latin typeface="Source Sans Pro" panose="020B0503030403020204" pitchFamily="34" charset="0"/>
@@ -4720,191 +4660,33 @@
           <a:lstStyle/>
           <a:p>
             <a:r>
-              <a:rPr lang="en-US" sz="2400" dirty="0" err="1" smtClean="0">
-                <a:latin typeface="Source Sans Pro" panose="020B0503030403020204" pitchFamily="34" charset="0"/>
-                <a:ea typeface="Source Sans Pro" panose="020B0503030403020204" pitchFamily="34" charset="0"/>
-              </a:rPr>
-              <a:t>Numpy</a:t>
-            </a:r>
-            <a:r>
-              <a:rPr lang="en-US" sz="2400" dirty="0" smtClean="0">
-                <a:latin typeface="Source Sans Pro" panose="020B0503030403020204" pitchFamily="34" charset="0"/>
-                <a:ea typeface="Source Sans Pro" panose="020B0503030403020204" pitchFamily="34" charset="0"/>
-              </a:rPr>
-              <a:t> provides, in addition to </a:t>
-            </a:r>
-            <a:r>
-              <a:rPr lang="en-US" sz="2400" dirty="0" err="1" smtClean="0">
-                <a:latin typeface="Source Sans Pro" panose="020B0503030403020204" pitchFamily="34" charset="0"/>
-                <a:ea typeface="Source Sans Pro" panose="020B0503030403020204" pitchFamily="34" charset="0"/>
-              </a:rPr>
-              <a:t>np.array</a:t>
-            </a:r>
-            <a:r>
-              <a:rPr lang="en-US" sz="2400" dirty="0" smtClean="0">
-                <a:latin typeface="Source Sans Pro" panose="020B0503030403020204" pitchFamily="34" charset="0"/>
-                <a:ea typeface="Source Sans Pro" panose="020B0503030403020204" pitchFamily="34" charset="0"/>
-              </a:rPr>
-              <a:t>( ), an additional </a:t>
-            </a:r>
-            <a:r>
-              <a:rPr lang="en-US" sz="2400" dirty="0" err="1" smtClean="0">
-                <a:latin typeface="Source Sans Pro" panose="020B0503030403020204" pitchFamily="34" charset="0"/>
-                <a:ea typeface="Source Sans Pro" panose="020B0503030403020204" pitchFamily="34" charset="0"/>
-              </a:rPr>
-              <a:t>np.matrix</a:t>
-            </a:r>
-            <a:r>
-              <a:rPr lang="en-US" sz="2400" dirty="0" smtClean="0">
-                <a:latin typeface="Source Sans Pro" panose="020B0503030403020204" pitchFamily="34" charset="0"/>
-                <a:ea typeface="Source Sans Pro" panose="020B0503030403020204" pitchFamily="34" charset="0"/>
-              </a:rPr>
-              <a:t>( ) type that you may see </a:t>
-            </a:r>
-            <a:r>
-              <a:rPr lang="en-US" sz="2400" dirty="0" smtClean="0">
-                <a:latin typeface="Source Sans Pro" panose="020B0503030403020204" pitchFamily="34" charset="0"/>
-                <a:ea typeface="Source Sans Pro" panose="020B0503030403020204" pitchFamily="34" charset="0"/>
-              </a:rPr>
-              <a:t>used in some existing code. Which one to use?</a:t>
-            </a:r>
-            <a:r>
-              <a:rPr lang="en-US" sz="2400" dirty="0" smtClean="0">
-                <a:latin typeface="Source Sans Pro" panose="020B0503030403020204" pitchFamily="34" charset="0"/>
-                <a:ea typeface="Source Sans Pro" panose="020B0503030403020204" pitchFamily="34" charset="0"/>
-              </a:rPr>
-              <a:t> </a:t>
-            </a:r>
-          </a:p>
-          <a:p>
+              <a:rPr lang="en-US" sz="2400" dirty="0" smtClean="0">
+                <a:latin typeface="Source Sans Pro" panose="020B0503030403020204" pitchFamily="34" charset="0"/>
+                <a:ea typeface="Source Sans Pro" panose="020B0503030403020204" pitchFamily="34" charset="0"/>
+              </a:rPr>
+              <a:t>Here are a sample of some useful methods and attributes of arrays</a:t>
+            </a:r>
+          </a:p>
+          <a:p>
+            <a:pPr marL="0" indent="0">
+              <a:buNone/>
+            </a:pPr>
             <a:endParaRPr lang="en-US" sz="2400" dirty="0" smtClean="0">
               <a:latin typeface="Source Sans Pro" panose="020B0503030403020204" pitchFamily="34" charset="0"/>
               <a:ea typeface="Source Sans Pro" panose="020B0503030403020204" pitchFamily="34" charset="0"/>
             </a:endParaRPr>
           </a:p>
           <a:p>
-            <a:pPr lvl="1"/>
-            <a:r>
-              <a:rPr lang="en-US" dirty="0" smtClean="0">
-                <a:latin typeface="Source Sans Pro" panose="020B0503030403020204" pitchFamily="34" charset="0"/>
-                <a:ea typeface="Source Sans Pro" panose="020B0503030403020204" pitchFamily="34" charset="0"/>
-              </a:rPr>
-              <a:t>Short answer? Use </a:t>
-            </a:r>
-            <a:r>
-              <a:rPr lang="en-US" dirty="0" err="1" smtClean="0">
-                <a:latin typeface="Source Sans Pro" panose="020B0503030403020204" pitchFamily="34" charset="0"/>
-                <a:ea typeface="Source Sans Pro" panose="020B0503030403020204" pitchFamily="34" charset="0"/>
-              </a:rPr>
-              <a:t>np.array</a:t>
-            </a:r>
-            <a:r>
-              <a:rPr lang="en-US" dirty="0" smtClean="0">
-                <a:latin typeface="Source Sans Pro" panose="020B0503030403020204" pitchFamily="34" charset="0"/>
-                <a:ea typeface="Source Sans Pro" panose="020B0503030403020204" pitchFamily="34" charset="0"/>
-              </a:rPr>
-              <a:t> ( )</a:t>
-            </a:r>
-          </a:p>
-          <a:p>
-            <a:r>
-              <a:rPr lang="en-US" sz="2400" dirty="0" err="1" smtClean="0">
-                <a:latin typeface="Source Sans Pro" panose="020B0503030403020204" pitchFamily="34" charset="0"/>
-                <a:ea typeface="Source Sans Pro" panose="020B0503030403020204" pitchFamily="34" charset="0"/>
-              </a:rPr>
-              <a:t>NumPy</a:t>
-            </a:r>
-            <a:r>
-              <a:rPr lang="en-US" sz="2400" dirty="0" smtClean="0">
-                <a:latin typeface="Source Sans Pro" panose="020B0503030403020204" pitchFamily="34" charset="0"/>
-                <a:ea typeface="Source Sans Pro" panose="020B0503030403020204" pitchFamily="34" charset="0"/>
-              </a:rPr>
-              <a:t> provides the matrix class for matrix algebra, but you can almost consider it a “subclass” in </a:t>
-            </a:r>
-            <a:r>
-              <a:rPr lang="en-US" sz="2400" dirty="0" err="1" smtClean="0">
-                <a:latin typeface="Source Sans Pro" panose="020B0503030403020204" pitchFamily="34" charset="0"/>
-                <a:ea typeface="Source Sans Pro" panose="020B0503030403020204" pitchFamily="34" charset="0"/>
-              </a:rPr>
-              <a:t>numpy</a:t>
-            </a:r>
-            <a:r>
-              <a:rPr lang="en-US" sz="2400" dirty="0" smtClean="0">
-                <a:latin typeface="Source Sans Pro" panose="020B0503030403020204" pitchFamily="34" charset="0"/>
-                <a:ea typeface="Source Sans Pro" panose="020B0503030403020204" pitchFamily="34" charset="0"/>
-              </a:rPr>
-              <a:t>.</a:t>
-            </a:r>
-          </a:p>
-          <a:p>
-            <a:r>
-              <a:rPr lang="en-US" sz="2400" dirty="0" smtClean="0">
-                <a:latin typeface="Source Sans Pro" panose="020B0503030403020204" pitchFamily="34" charset="0"/>
-                <a:ea typeface="Source Sans Pro" panose="020B0503030403020204" pitchFamily="34" charset="0"/>
-              </a:rPr>
-              <a:t>Additionally, array are the standard vector/matrix/tensor type of </a:t>
-            </a:r>
-            <a:r>
-              <a:rPr lang="en-US" sz="2400" dirty="0" err="1" smtClean="0">
-                <a:latin typeface="Source Sans Pro" panose="020B0503030403020204" pitchFamily="34" charset="0"/>
-                <a:ea typeface="Source Sans Pro" panose="020B0503030403020204" pitchFamily="34" charset="0"/>
-              </a:rPr>
-              <a:t>numpy</a:t>
-            </a:r>
-            <a:r>
-              <a:rPr lang="en-US" sz="2400" dirty="0" smtClean="0">
-                <a:latin typeface="Source Sans Pro" panose="020B0503030403020204" pitchFamily="34" charset="0"/>
-                <a:ea typeface="Source Sans Pro" panose="020B0503030403020204" pitchFamily="34" charset="0"/>
-              </a:rPr>
-              <a:t>. Many </a:t>
-            </a:r>
-            <a:r>
-              <a:rPr lang="en-US" sz="2400" dirty="0" err="1" smtClean="0">
-                <a:latin typeface="Source Sans Pro" panose="020B0503030403020204" pitchFamily="34" charset="0"/>
-                <a:ea typeface="Source Sans Pro" panose="020B0503030403020204" pitchFamily="34" charset="0"/>
-              </a:rPr>
-              <a:t>numpy</a:t>
-            </a:r>
-            <a:r>
-              <a:rPr lang="en-US" sz="2400" dirty="0" smtClean="0">
-                <a:latin typeface="Source Sans Pro" panose="020B0503030403020204" pitchFamily="34" charset="0"/>
-                <a:ea typeface="Source Sans Pro" panose="020B0503030403020204" pitchFamily="34" charset="0"/>
-              </a:rPr>
-              <a:t> functions return arrays, not matrices.</a:t>
-            </a:r>
-          </a:p>
-          <a:p>
-            <a:endParaRPr lang="en-US" sz="2400" dirty="0">
-              <a:latin typeface="Source Sans Pro" panose="020B0503030403020204" pitchFamily="34" charset="0"/>
-              <a:ea typeface="Source Sans Pro" panose="020B0503030403020204" pitchFamily="34" charset="0"/>
-            </a:endParaRPr>
-          </a:p>
-          <a:p>
-            <a:r>
-              <a:rPr lang="en-US" sz="2400" dirty="0" smtClean="0">
-                <a:latin typeface="Source Sans Pro" panose="020B0503030403020204" pitchFamily="34" charset="0"/>
-                <a:ea typeface="Source Sans Pro" panose="020B0503030403020204" pitchFamily="34" charset="0"/>
-              </a:rPr>
-              <a:t>Ant algebra you would want to use on matrix object is available to an array object</a:t>
-            </a:r>
-          </a:p>
-          <a:p>
-            <a:pPr marL="0" indent="0">
-              <a:buNone/>
-            </a:pPr>
-            <a:r>
-              <a:rPr lang="en-US" sz="2000" dirty="0" smtClean="0">
+            <a:pPr marL="0" indent="0">
+              <a:buNone/>
+            </a:pPr>
+            <a:r>
+              <a:rPr lang="en-US" sz="2400" dirty="0" smtClean="0">
                 <a:latin typeface="Source Sans Pro" panose="020B0503030403020204" pitchFamily="34" charset="0"/>
                 <a:ea typeface="Source Sans Pro" panose="020B0503030403020204" pitchFamily="34" charset="0"/>
               </a:rPr>
               <a:t>    </a:t>
             </a:r>
-            <a:endParaRPr lang="en-US" sz="2400" dirty="0" smtClean="0">
-              <a:latin typeface="Source Sans Pro" panose="020B0503030403020204" pitchFamily="34" charset="0"/>
-              <a:ea typeface="Source Sans Pro" panose="020B0503030403020204" pitchFamily="34" charset="0"/>
-            </a:endParaRPr>
-          </a:p>
-          <a:p>
             <a:endParaRPr lang="en-US" sz="2400" dirty="0">
               <a:latin typeface="Source Sans Pro" panose="020B0503030403020204" pitchFamily="34" charset="0"/>
               <a:ea typeface="Source Sans Pro" panose="020B0503030403020204" pitchFamily="34" charset="0"/>
@@ -5017,21 +4799,51 @@
           </a:prstGeom>
         </p:spPr>
       </p:pic>
+      <p:pic>
+        <p:nvPicPr>
+          <p:cNvPr id="4" name="Picture 3"/>
+          <p:cNvPicPr>
+            <a:picLocks noChangeAspect="1"/>
+          </p:cNvPicPr>
+          <p:nvPr/>
+        </p:nvPicPr>
+        <p:blipFill>
+          <a:blip r:embed="rId3">
+            <a:extLst>
+              <a:ext uri="{28A0092B-C50C-407E-A947-70E740481C1C}">
+                <a14:useLocalDpi xmlns:a14="http://schemas.microsoft.com/office/drawing/2010/main" val="0"/>
+              </a:ext>
+            </a:extLst>
+          </a:blip>
+          <a:stretch>
+            <a:fillRect/>
+          </a:stretch>
+        </p:blipFill>
+        <p:spPr>
+          <a:xfrm>
+            <a:off x="734711" y="1700654"/>
+            <a:ext cx="10439568" cy="4916046"/>
+          </a:xfrm>
+          <a:prstGeom prst="rect">
+            <a:avLst/>
+          </a:prstGeom>
+        </p:spPr>
+      </p:pic>
     </p:spTree>
     <p:extLst>
       <p:ext uri="{BB962C8B-B14F-4D97-AF65-F5344CB8AC3E}">
-        <p14:creationId xmlns:p14="http://schemas.microsoft.com/office/powerpoint/2010/main" val="3179658215"/>
+        <p14:creationId xmlns:p14="http://schemas.microsoft.com/office/powerpoint/2010/main" val="3940264042"/>
       </p:ext>
     </p:extLst>
   </p:cSld>
   <p:clrMapOvr>
     <a:masterClrMapping/>
   </p:clrMapOvr>
-  <mc:AlternateContent xmlns:mc="http://schemas.openxmlformats.org/markup-compatibility/2006">
-    <mc:Choice xmlns:p14="http://schemas.microsoft.com/office/powerpoint/2010/main" Requires="p14">
+  <mc:AlternateContent xmlns:mc="http://schemas.openxmlformats.org/markup-compatibility/2006" xmlns:p14="http://schemas.microsoft.com/office/powerpoint/2010/main">
+    <mc:Choice Requires="p14">
       <p:transition spd="slow" p14:dur="2000"/>
     </mc:Choice>
-    <mc:Fallback>
+    <mc:Fallback xmlns="">
       <p:transition spd="slow"/>
     </mc:Fallback>
   </mc:AlternateContent>
@@ -5092,7 +4904,7 @@
                 <a:latin typeface="Source Sans Pro" panose="020B0503030403020204" pitchFamily="34" charset="0"/>
                 <a:ea typeface="Source Sans Pro" panose="020B0503030403020204" pitchFamily="34" charset="0"/>
               </a:rPr>
-              <a:t>Matrix Operations in </a:t>
+              <a:t>But </a:t>
             </a:r>
             <a:r>
               <a:rPr lang="en-US" sz="3200" b="1" dirty="0" err="1" smtClean="0">
@@ -5104,6 +4916,16 @@
               </a:rPr>
               <a:t>numpy</a:t>
             </a:r>
+            <a:r>
+              <a:rPr lang="en-US" sz="3200" b="1" dirty="0" smtClean="0">
+                <a:solidFill>
+                  <a:srgbClr val="366E9C"/>
+                </a:solidFill>
+                <a:latin typeface="Source Sans Pro" panose="020B0503030403020204" pitchFamily="34" charset="0"/>
+                <a:ea typeface="Source Sans Pro" panose="020B0503030403020204" pitchFamily="34" charset="0"/>
+              </a:rPr>
+              <a:t> has Matrix Object?</a:t>
+            </a:r>
             <a:endParaRPr lang="en-US" sz="3200" b="1" dirty="0">
               <a:latin typeface="Source Sans Pro" panose="020B0503030403020204" pitchFamily="34" charset="0"/>
               <a:ea typeface="Source Sans Pro" panose="020B0503030403020204" pitchFamily="34" charset="0"/>
@@ -5134,25 +4956,53 @@
           <a:lstStyle/>
           <a:p>
             <a:r>
-              <a:rPr lang="en-US" sz="2400" dirty="0" smtClean="0">
-                <a:latin typeface="Source Sans Pro" panose="020B0503030403020204" pitchFamily="34" charset="0"/>
-                <a:ea typeface="Source Sans Pro" panose="020B0503030403020204" pitchFamily="34" charset="0"/>
-              </a:rPr>
-              <a:t>Matrix multiplication can be done using  the .</a:t>
+              <a:rPr lang="en-US" sz="2400" dirty="0" err="1">
+                <a:latin typeface="Source Sans Pro" panose="020B0503030403020204" pitchFamily="34" charset="0"/>
+                <a:ea typeface="Source Sans Pro" panose="020B0503030403020204" pitchFamily="34" charset="0"/>
+              </a:rPr>
+              <a:t>N</a:t>
             </a:r>
             <a:r>
               <a:rPr lang="en-US" sz="2400" dirty="0" err="1" smtClean="0">
                 <a:latin typeface="Source Sans Pro" panose="020B0503030403020204" pitchFamily="34" charset="0"/>
                 <a:ea typeface="Source Sans Pro" panose="020B0503030403020204" pitchFamily="34" charset="0"/>
               </a:rPr>
-              <a:t>dit</a:t>
-            </a:r>
-            <a:r>
-              <a:rPr lang="en-US" sz="2400" dirty="0" smtClean="0">
-                <a:latin typeface="Source Sans Pro" panose="020B0503030403020204" pitchFamily="34" charset="0"/>
-                <a:ea typeface="Source Sans Pro" panose="020B0503030403020204" pitchFamily="34" charset="0"/>
-              </a:rPr>
-              <a:t>() method</a:t>
+              <a:t>umPy</a:t>
+            </a:r>
+            <a:r>
+              <a:rPr lang="en-US" sz="2400" dirty="0" smtClean="0">
+                <a:latin typeface="Source Sans Pro" panose="020B0503030403020204" pitchFamily="34" charset="0"/>
+                <a:ea typeface="Source Sans Pro" panose="020B0503030403020204" pitchFamily="34" charset="0"/>
+              </a:rPr>
+              <a:t> provides, in addition to </a:t>
+            </a:r>
+            <a:r>
+              <a:rPr lang="en-US" sz="2400" dirty="0" err="1" smtClean="0">
+                <a:latin typeface="Source Sans Pro" panose="020B0503030403020204" pitchFamily="34" charset="0"/>
+                <a:ea typeface="Source Sans Pro" panose="020B0503030403020204" pitchFamily="34" charset="0"/>
+              </a:rPr>
+              <a:t>np.array</a:t>
+            </a:r>
+            <a:r>
+              <a:rPr lang="en-US" sz="2400" dirty="0" smtClean="0">
+                <a:latin typeface="Source Sans Pro" panose="020B0503030403020204" pitchFamily="34" charset="0"/>
+                <a:ea typeface="Source Sans Pro" panose="020B0503030403020204" pitchFamily="34" charset="0"/>
+              </a:rPr>
+              <a:t>( ), an additional </a:t>
+            </a:r>
+            <a:r>
+              <a:rPr lang="en-US" sz="2400" dirty="0" err="1" smtClean="0">
+                <a:latin typeface="Source Sans Pro" panose="020B0503030403020204" pitchFamily="34" charset="0"/>
+                <a:ea typeface="Source Sans Pro" panose="020B0503030403020204" pitchFamily="34" charset="0"/>
+              </a:rPr>
+              <a:t>np.matrix</a:t>
+            </a:r>
+            <a:r>
+              <a:rPr lang="en-US" sz="2400" dirty="0" smtClean="0">
+                <a:latin typeface="Source Sans Pro" panose="020B0503030403020204" pitchFamily="34" charset="0"/>
+                <a:ea typeface="Source Sans Pro" panose="020B0503030403020204" pitchFamily="34" charset="0"/>
+              </a:rPr>
+              <a:t>( ) type that you may see used in some existing code. Which one to use? </a:t>
             </a:r>
           </a:p>
           <a:p>
@@ -5162,7 +5012,113 @@
             </a:endParaRPr>
           </a:p>
           <a:p>
-            <a:pPr marL="457200" lvl="1" indent="0">
+            <a:pPr lvl="1"/>
+            <a:r>
+              <a:rPr lang="en-US" dirty="0" smtClean="0">
+                <a:latin typeface="Source Sans Pro" panose="020B0503030403020204" pitchFamily="34" charset="0"/>
+                <a:ea typeface="Source Sans Pro" panose="020B0503030403020204" pitchFamily="34" charset="0"/>
+              </a:rPr>
+              <a:t>Short answer? Use </a:t>
+            </a:r>
+            <a:r>
+              <a:rPr lang="en-US" dirty="0" err="1" smtClean="0">
+                <a:latin typeface="Source Sans Pro" panose="020B0503030403020204" pitchFamily="34" charset="0"/>
+                <a:ea typeface="Source Sans Pro" panose="020B0503030403020204" pitchFamily="34" charset="0"/>
+              </a:rPr>
+              <a:t>np.array</a:t>
+            </a:r>
+            <a:r>
+              <a:rPr lang="en-US" dirty="0" smtClean="0">
+                <a:latin typeface="Source Sans Pro" panose="020B0503030403020204" pitchFamily="34" charset="0"/>
+                <a:ea typeface="Source Sans Pro" panose="020B0503030403020204" pitchFamily="34" charset="0"/>
+              </a:rPr>
+              <a:t> ( )</a:t>
+            </a:r>
+          </a:p>
+          <a:p>
+            <a:r>
+              <a:rPr lang="en-US" sz="2400" dirty="0" err="1" smtClean="0">
+                <a:latin typeface="Source Sans Pro" panose="020B0503030403020204" pitchFamily="34" charset="0"/>
+                <a:ea typeface="Source Sans Pro" panose="020B0503030403020204" pitchFamily="34" charset="0"/>
+              </a:rPr>
+              <a:t>NumPy</a:t>
+            </a:r>
+            <a:r>
+              <a:rPr lang="en-US" sz="2400" dirty="0" smtClean="0">
+                <a:latin typeface="Source Sans Pro" panose="020B0503030403020204" pitchFamily="34" charset="0"/>
+                <a:ea typeface="Source Sans Pro" panose="020B0503030403020204" pitchFamily="34" charset="0"/>
+              </a:rPr>
+              <a:t> provides the matrix class for matrix algebra, but you can almost consider it a “subclass” in </a:t>
+            </a:r>
+            <a:r>
+              <a:rPr lang="en-US" sz="2400" dirty="0" err="1" smtClean="0">
+                <a:latin typeface="Source Sans Pro" panose="020B0503030403020204" pitchFamily="34" charset="0"/>
+                <a:ea typeface="Source Sans Pro" panose="020B0503030403020204" pitchFamily="34" charset="0"/>
+              </a:rPr>
+              <a:t>numpy</a:t>
+            </a:r>
+            <a:r>
+              <a:rPr lang="en-US" sz="2400" dirty="0" smtClean="0">
+                <a:latin typeface="Source Sans Pro" panose="020B0503030403020204" pitchFamily="34" charset="0"/>
+                <a:ea typeface="Source Sans Pro" panose="020B0503030403020204" pitchFamily="34" charset="0"/>
+              </a:rPr>
+              <a:t>.</a:t>
+            </a:r>
+          </a:p>
+          <a:p>
+            <a:r>
+              <a:rPr lang="en-US" sz="2400" dirty="0" smtClean="0">
+                <a:latin typeface="Source Sans Pro" panose="020B0503030403020204" pitchFamily="34" charset="0"/>
+                <a:ea typeface="Source Sans Pro" panose="020B0503030403020204" pitchFamily="34" charset="0"/>
+              </a:rPr>
+              <a:t>Additionally, array are the standard vector/matrix/tensor type of </a:t>
+            </a:r>
+            <a:r>
+              <a:rPr lang="en-US" sz="2400" dirty="0" err="1" smtClean="0">
+                <a:latin typeface="Source Sans Pro" panose="020B0503030403020204" pitchFamily="34" charset="0"/>
+                <a:ea typeface="Source Sans Pro" panose="020B0503030403020204" pitchFamily="34" charset="0"/>
+              </a:rPr>
+              <a:t>numpy</a:t>
+            </a:r>
+            <a:r>
+              <a:rPr lang="en-US" sz="2400" dirty="0" smtClean="0">
+                <a:latin typeface="Source Sans Pro" panose="020B0503030403020204" pitchFamily="34" charset="0"/>
+                <a:ea typeface="Source Sans Pro" panose="020B0503030403020204" pitchFamily="34" charset="0"/>
+              </a:rPr>
+              <a:t>. Many </a:t>
+            </a:r>
+            <a:r>
+              <a:rPr lang="en-US" sz="2400" dirty="0" err="1" smtClean="0">
+                <a:latin typeface="Source Sans Pro" panose="020B0503030403020204" pitchFamily="34" charset="0"/>
+                <a:ea typeface="Source Sans Pro" panose="020B0503030403020204" pitchFamily="34" charset="0"/>
+              </a:rPr>
+              <a:t>numpy</a:t>
+            </a:r>
+            <a:r>
+              <a:rPr lang="en-US" sz="2400" dirty="0" smtClean="0">
+                <a:latin typeface="Source Sans Pro" panose="020B0503030403020204" pitchFamily="34" charset="0"/>
+                <a:ea typeface="Source Sans Pro" panose="020B0503030403020204" pitchFamily="34" charset="0"/>
+              </a:rPr>
+              <a:t> functions return arrays, not matrices.</a:t>
+            </a:r>
+          </a:p>
+          <a:p>
+            <a:endParaRPr lang="en-US" sz="2400" dirty="0">
+              <a:latin typeface="Source Sans Pro" panose="020B0503030403020204" pitchFamily="34" charset="0"/>
+              <a:ea typeface="Source Sans Pro" panose="020B0503030403020204" pitchFamily="34" charset="0"/>
+            </a:endParaRPr>
+          </a:p>
+          <a:p>
+            <a:r>
+              <a:rPr lang="en-US" sz="2400" dirty="0" smtClean="0">
+                <a:latin typeface="Source Sans Pro" panose="020B0503030403020204" pitchFamily="34" charset="0"/>
+                <a:ea typeface="Source Sans Pro" panose="020B0503030403020204" pitchFamily="34" charset="0"/>
+              </a:rPr>
+              <a:t>Any algebra you would want to use on matrix object is available to an array object</a:t>
+            </a:r>
+          </a:p>
+          <a:p>
+            <a:pPr marL="0" indent="0">
               <a:buNone/>
             </a:pPr>
             <a:r>
@@ -5170,22 +5126,18 @@
                 <a:latin typeface="Source Sans Pro" panose="020B0503030403020204" pitchFamily="34" charset="0"/>
                 <a:ea typeface="Source Sans Pro" panose="020B0503030403020204" pitchFamily="34" charset="0"/>
               </a:rPr>
-              <a:t>A = </a:t>
-            </a:r>
-            <a:r>
-              <a:rPr lang="en-US" sz="2000" dirty="0" err="1" smtClean="0">
-                <a:latin typeface="Source Sans Pro" panose="020B0503030403020204" pitchFamily="34" charset="0"/>
-                <a:ea typeface="Source Sans Pro" panose="020B0503030403020204" pitchFamily="34" charset="0"/>
-              </a:rPr>
-              <a:t>np.array</a:t>
-            </a:r>
-            <a:r>
-              <a:rPr lang="en-US" sz="2000" dirty="0" smtClean="0">
-                <a:latin typeface="Source Sans Pro" panose="020B0503030403020204" pitchFamily="34" charset="0"/>
-                <a:ea typeface="Source Sans Pro" panose="020B0503030403020204" pitchFamily="34" charset="0"/>
-              </a:rPr>
-              <a:t>([ [ 1, 2], [3, 4] ] )</a:t>
-            </a:r>
+              <a:t>    </a:t>
+            </a:r>
+            <a:endParaRPr lang="en-US" sz="2400" dirty="0" smtClean="0">
+              <a:latin typeface="Source Sans Pro" panose="020B0503030403020204" pitchFamily="34" charset="0"/>
+              <a:ea typeface="Source Sans Pro" panose="020B0503030403020204" pitchFamily="34" charset="0"/>
+            </a:endParaRPr>
+          </a:p>
+          <a:p>
+            <a:endParaRPr lang="en-US" sz="2400" dirty="0">
+              <a:latin typeface="Source Sans Pro" panose="020B0503030403020204" pitchFamily="34" charset="0"/>
+              <a:ea typeface="Source Sans Pro" panose="020B0503030403020204" pitchFamily="34" charset="0"/>
+            </a:endParaRPr>
           </a:p>
           <a:p>
             <a:pPr marL="0" indent="0">
@@ -5194,150 +5146,12 @@
               </a:spcBef>
               <a:buNone/>
             </a:pPr>
-            <a:r>
-              <a:rPr lang="en-US" sz="2400" dirty="0" smtClean="0">
-                <a:latin typeface="Source Sans Pro" panose="020B0503030403020204" pitchFamily="34" charset="0"/>
-                <a:ea typeface="Source Sans Pro" panose="020B0503030403020204" pitchFamily="34" charset="0"/>
-              </a:rPr>
-              <a:t>       b = </a:t>
-            </a:r>
-            <a:r>
-              <a:rPr lang="en-US" sz="2400" dirty="0" err="1" smtClean="0">
-                <a:latin typeface="Source Sans Pro" panose="020B0503030403020204" pitchFamily="34" charset="0"/>
-                <a:ea typeface="Source Sans Pro" panose="020B0503030403020204" pitchFamily="34" charset="0"/>
-              </a:rPr>
-              <a:t>np.array</a:t>
-            </a:r>
-            <a:r>
-              <a:rPr lang="en-US" sz="2400" dirty="0" smtClean="0">
-                <a:latin typeface="Source Sans Pro" panose="020B0503030403020204" pitchFamily="34" charset="0"/>
-                <a:ea typeface="Source Sans Pro" panose="020B0503030403020204" pitchFamily="34" charset="0"/>
-              </a:rPr>
-              <a:t>( [1, 2])</a:t>
-            </a:r>
-          </a:p>
-          <a:p>
-            <a:pPr marL="0" indent="0">
-              <a:spcBef>
-                <a:spcPts val="0"/>
-              </a:spcBef>
-              <a:buNone/>
-            </a:pPr>
-            <a:endParaRPr lang="en-US" sz="2400" dirty="0">
-              <a:latin typeface="Source Sans Pro" panose="020B0503030403020204" pitchFamily="34" charset="0"/>
-              <a:ea typeface="Source Sans Pro" panose="020B0503030403020204" pitchFamily="34" charset="0"/>
-            </a:endParaRPr>
-          </a:p>
-          <a:p>
-            <a:pPr marL="0" indent="0">
-              <a:spcBef>
-                <a:spcPts val="0"/>
-              </a:spcBef>
-              <a:buNone/>
-            </a:pPr>
-            <a:r>
-              <a:rPr lang="en-US" sz="2400" dirty="0" smtClean="0">
-                <a:latin typeface="Source Sans Pro" panose="020B0503030403020204" pitchFamily="34" charset="0"/>
-                <a:ea typeface="Source Sans Pro" panose="020B0503030403020204" pitchFamily="34" charset="0"/>
-              </a:rPr>
-              <a:t>       print  np.dot (A, </a:t>
-            </a:r>
-            <a:r>
-              <a:rPr lang="en-US" sz="2400" dirty="0" err="1" smtClean="0">
-                <a:latin typeface="Source Sans Pro" panose="020B0503030403020204" pitchFamily="34" charset="0"/>
-                <a:ea typeface="Source Sans Pro" panose="020B0503030403020204" pitchFamily="34" charset="0"/>
-              </a:rPr>
-              <a:t>b.T</a:t>
-            </a:r>
-            <a:r>
-              <a:rPr lang="en-US" sz="2400" dirty="0" smtClean="0">
-                <a:latin typeface="Source Sans Pro" panose="020B0503030403020204" pitchFamily="34" charset="0"/>
-                <a:ea typeface="Source Sans Pro" panose="020B0503030403020204" pitchFamily="34" charset="0"/>
-              </a:rPr>
-              <a:t>)      # Matrix </a:t>
-            </a:r>
-            <a:r>
-              <a:rPr lang="en-US" sz="2400" dirty="0" err="1" smtClean="0">
-                <a:latin typeface="Source Sans Pro" panose="020B0503030403020204" pitchFamily="34" charset="0"/>
-                <a:ea typeface="Source Sans Pro" panose="020B0503030403020204" pitchFamily="34" charset="0"/>
-              </a:rPr>
-              <a:t>Mult</a:t>
-            </a:r>
             <a:endParaRPr lang="en-US" sz="2400" dirty="0" smtClean="0">
               <a:latin typeface="Source Sans Pro" panose="020B0503030403020204" pitchFamily="34" charset="0"/>
               <a:ea typeface="Source Sans Pro" panose="020B0503030403020204" pitchFamily="34" charset="0"/>
             </a:endParaRPr>
           </a:p>
           <a:p>
-            <a:pPr marL="0" indent="0">
-              <a:buNone/>
-            </a:pPr>
-            <a:r>
-              <a:rPr lang="en-US" sz="2400" dirty="0">
-                <a:latin typeface="Source Sans Pro" panose="020B0503030403020204" pitchFamily="34" charset="0"/>
-                <a:ea typeface="Source Sans Pro" panose="020B0503030403020204" pitchFamily="34" charset="0"/>
-              </a:rPr>
-              <a:t> </a:t>
-            </a:r>
-            <a:r>
-              <a:rPr lang="en-US" sz="2400" dirty="0" smtClean="0">
-                <a:latin typeface="Source Sans Pro" panose="020B0503030403020204" pitchFamily="34" charset="0"/>
-                <a:ea typeface="Source Sans Pro" panose="020B0503030403020204" pitchFamily="34" charset="0"/>
-              </a:rPr>
-              <a:t>      print np.dot (A, b)           # </a:t>
-            </a:r>
-            <a:r>
-              <a:rPr lang="en-US" sz="2400" dirty="0" err="1" smtClean="0">
-                <a:latin typeface="Source Sans Pro" panose="020B0503030403020204" pitchFamily="34" charset="0"/>
-                <a:ea typeface="Source Sans Pro" panose="020B0503030403020204" pitchFamily="34" charset="0"/>
-              </a:rPr>
-              <a:t>numpy</a:t>
-            </a:r>
-            <a:r>
-              <a:rPr lang="en-US" sz="2400" dirty="0" smtClean="0">
-                <a:latin typeface="Source Sans Pro" panose="020B0503030403020204" pitchFamily="34" charset="0"/>
-                <a:ea typeface="Source Sans Pro" panose="020B0503030403020204" pitchFamily="34" charset="0"/>
-              </a:rPr>
-              <a:t> fixes dim</a:t>
-            </a:r>
-          </a:p>
-          <a:p>
-            <a:pPr marL="0" indent="0">
-              <a:buNone/>
-            </a:pPr>
-            <a:r>
-              <a:rPr lang="en-US" sz="2400" dirty="0">
-                <a:latin typeface="Source Sans Pro" panose="020B0503030403020204" pitchFamily="34" charset="0"/>
-                <a:ea typeface="Source Sans Pro" panose="020B0503030403020204" pitchFamily="34" charset="0"/>
-              </a:rPr>
-              <a:t> </a:t>
-            </a:r>
-            <a:r>
-              <a:rPr lang="en-US" sz="2400" dirty="0" smtClean="0">
-                <a:latin typeface="Source Sans Pro" panose="020B0503030403020204" pitchFamily="34" charset="0"/>
-                <a:ea typeface="Source Sans Pro" panose="020B0503030403020204" pitchFamily="34" charset="0"/>
-              </a:rPr>
-              <a:t>      print A.dot (b)                   # Chained method</a:t>
-            </a:r>
-          </a:p>
-          <a:p>
-            <a:pPr marL="0" indent="0">
-              <a:buNone/>
-            </a:pPr>
-            <a:r>
-              <a:rPr lang="en-US" sz="2400" dirty="0">
-                <a:latin typeface="Source Sans Pro" panose="020B0503030403020204" pitchFamily="34" charset="0"/>
-                <a:ea typeface="Source Sans Pro" panose="020B0503030403020204" pitchFamily="34" charset="0"/>
-              </a:rPr>
-              <a:t> </a:t>
-            </a:r>
-            <a:r>
-              <a:rPr lang="en-US" sz="2400" dirty="0" smtClean="0">
-                <a:latin typeface="Source Sans Pro" panose="020B0503030403020204" pitchFamily="34" charset="0"/>
-                <a:ea typeface="Source Sans Pro" panose="020B0503030403020204" pitchFamily="34" charset="0"/>
-              </a:rPr>
-              <a:t>      print A * b                            # Element-wise</a:t>
-            </a:r>
             <a:endParaRPr lang="en-US" sz="2400" dirty="0">
               <a:latin typeface="Source Sans Pro" panose="020B0503030403020204" pitchFamily="34" charset="0"/>
               <a:ea typeface="Source Sans Pro" panose="020B0503030403020204" pitchFamily="34" charset="0"/>
@@ -5435,18 +5249,18 @@
     </p:spTree>
     <p:extLst>
       <p:ext uri="{BB962C8B-B14F-4D97-AF65-F5344CB8AC3E}">
-        <p14:creationId xmlns:p14="http://schemas.microsoft.com/office/powerpoint/2010/main" val="1413206745"/>
+        <p14:creationId xmlns:p14="http://schemas.microsoft.com/office/powerpoint/2010/main" val="3179658215"/>
       </p:ext>
     </p:extLst>
   </p:cSld>
   <p:clrMapOvr>
     <a:masterClrMapping/>
   </p:clrMapOvr>
-  <mc:AlternateContent xmlns:mc="http://schemas.openxmlformats.org/markup-compatibility/2006">
-    <mc:Choice xmlns:p14="http://schemas.microsoft.com/office/powerpoint/2010/main" Requires="p14">
+  <mc:AlternateContent xmlns:mc="http://schemas.openxmlformats.org/markup-compatibility/2006" xmlns:p14="http://schemas.microsoft.com/office/powerpoint/2010/main">
+    <mc:Choice Requires="p14">
       <p:transition spd="slow" p14:dur="2000"/>
     </mc:Choice>
-    <mc:Fallback>
+    <mc:Fallback xmlns="">
       <p:transition spd="slow"/>
     </mc:Fallback>
   </mc:AlternateContent>
@@ -5507,7 +5321,7 @@
                 <a:latin typeface="Source Sans Pro" panose="020B0503030403020204" pitchFamily="34" charset="0"/>
                 <a:ea typeface="Source Sans Pro" panose="020B0503030403020204" pitchFamily="34" charset="0"/>
               </a:rPr>
-              <a:t>Linear Algebra Operation – </a:t>
+              <a:t>Matrix Operations in </a:t>
             </a:r>
             <a:r>
               <a:rPr lang="en-US" sz="3200" b="1" dirty="0" err="1" smtClean="0">
@@ -5517,7 +5331,7 @@
                 <a:latin typeface="Source Sans Pro" panose="020B0503030403020204" pitchFamily="34" charset="0"/>
                 <a:ea typeface="Source Sans Pro" panose="020B0503030403020204" pitchFamily="34" charset="0"/>
               </a:rPr>
-              <a:t>numpy.lialg</a:t>
+              <a:t>numpy</a:t>
             </a:r>
             <a:endParaRPr lang="en-US" sz="3200" b="1" dirty="0">
               <a:latin typeface="Source Sans Pro" panose="020B0503030403020204" pitchFamily="34" charset="0"/>
@@ -5553,43 +5367,10 @@
                 <a:latin typeface="Source Sans Pro" panose="020B0503030403020204" pitchFamily="34" charset="0"/>
                 <a:ea typeface="Source Sans Pro" panose="020B0503030403020204" pitchFamily="34" charset="0"/>
               </a:rPr>
-              <a:t>There are other linear algebra functions within</a:t>
-            </a:r>
-          </a:p>
-          <a:p>
-            <a:pPr marL="0" indent="0">
-              <a:buNone/>
-            </a:pPr>
-            <a:r>
-              <a:rPr lang="en-US" sz="2400" dirty="0">
-                <a:latin typeface="Source Sans Pro" panose="020B0503030403020204" pitchFamily="34" charset="0"/>
-                <a:ea typeface="Source Sans Pro" panose="020B0503030403020204" pitchFamily="34" charset="0"/>
-              </a:rPr>
-              <a:t> </a:t>
-            </a:r>
-            <a:r>
-              <a:rPr lang="en-US" sz="2400" dirty="0" smtClean="0">
-                <a:latin typeface="Source Sans Pro" panose="020B0503030403020204" pitchFamily="34" charset="0"/>
-                <a:ea typeface="Source Sans Pro" panose="020B0503030403020204" pitchFamily="34" charset="0"/>
-              </a:rPr>
-              <a:t>   </a:t>
-            </a:r>
-            <a:r>
-              <a:rPr lang="en-US" sz="2400" dirty="0" err="1" smtClean="0">
-                <a:latin typeface="Source Sans Pro" panose="020B0503030403020204" pitchFamily="34" charset="0"/>
-                <a:ea typeface="Source Sans Pro" panose="020B0503030403020204" pitchFamily="34" charset="0"/>
-              </a:rPr>
-              <a:t>numpy.linalg</a:t>
-            </a:r>
-            <a:endParaRPr lang="en-US" sz="2400" dirty="0" smtClean="0">
-              <a:latin typeface="Source Sans Pro" panose="020B0503030403020204" pitchFamily="34" charset="0"/>
-              <a:ea typeface="Source Sans Pro" panose="020B0503030403020204" pitchFamily="34" charset="0"/>
-            </a:endParaRPr>
-          </a:p>
-          <a:p>
-            <a:pPr marL="0" indent="0">
-              <a:buNone/>
-            </a:pPr>
+              <a:t>Matrix multiplication can be done using  the .dot() method</a:t>
+            </a:r>
+          </a:p>
+          <a:p>
             <a:endParaRPr lang="en-US" sz="2400" dirty="0" smtClean="0">
               <a:latin typeface="Source Sans Pro" panose="020B0503030403020204" pitchFamily="34" charset="0"/>
               <a:ea typeface="Source Sans Pro" panose="020B0503030403020204" pitchFamily="34" charset="0"/>
@@ -5664,43 +5445,48 @@
           </a:p>
           <a:p>
             <a:pPr marL="0" indent="0">
-              <a:buNone/>
-            </a:pPr>
-            <a:r>
-              <a:rPr lang="en-US" sz="2400" dirty="0" smtClean="0">
-                <a:latin typeface="Source Sans Pro" panose="020B0503030403020204" pitchFamily="34" charset="0"/>
-                <a:ea typeface="Source Sans Pro" panose="020B0503030403020204" pitchFamily="34" charset="0"/>
-              </a:rPr>
-              <a:t>       </a:t>
+              <a:spcBef>
+                <a:spcPts val="0"/>
+              </a:spcBef>
+              <a:buNone/>
+            </a:pPr>
+            <a:r>
+              <a:rPr lang="en-US" sz="2400" dirty="0" smtClean="0">
+                <a:latin typeface="Source Sans Pro" panose="020B0503030403020204" pitchFamily="34" charset="0"/>
+                <a:ea typeface="Source Sans Pro" panose="020B0503030403020204" pitchFamily="34" charset="0"/>
+              </a:rPr>
+              <a:t>       print  np.dot (A, </a:t>
             </a:r>
             <a:r>
               <a:rPr lang="en-US" sz="2400" dirty="0" err="1" smtClean="0">
                 <a:latin typeface="Source Sans Pro" panose="020B0503030403020204" pitchFamily="34" charset="0"/>
                 <a:ea typeface="Source Sans Pro" panose="020B0503030403020204" pitchFamily="34" charset="0"/>
               </a:rPr>
-              <a:t>A_inv</a:t>
-            </a:r>
-            <a:r>
-              <a:rPr lang="en-US" sz="2400" dirty="0" smtClean="0">
-                <a:latin typeface="Source Sans Pro" panose="020B0503030403020204" pitchFamily="34" charset="0"/>
-                <a:ea typeface="Source Sans Pro" panose="020B0503030403020204" pitchFamily="34" charset="0"/>
-              </a:rPr>
-              <a:t> = </a:t>
+              <a:t>b.T</a:t>
+            </a:r>
+            <a:r>
+              <a:rPr lang="en-US" sz="2400" dirty="0" smtClean="0">
+                <a:latin typeface="Source Sans Pro" panose="020B0503030403020204" pitchFamily="34" charset="0"/>
+                <a:ea typeface="Source Sans Pro" panose="020B0503030403020204" pitchFamily="34" charset="0"/>
+              </a:rPr>
+              <a:t>)      # Matrix </a:t>
             </a:r>
             <a:r>
               <a:rPr lang="en-US" sz="2400" dirty="0" err="1" smtClean="0">
                 <a:latin typeface="Source Sans Pro" panose="020B0503030403020204" pitchFamily="34" charset="0"/>
                 <a:ea typeface="Source Sans Pro" panose="020B0503030403020204" pitchFamily="34" charset="0"/>
               </a:rPr>
-              <a:t>np.linalg.inv</a:t>
-            </a:r>
-            <a:r>
-              <a:rPr lang="en-US" sz="2400" dirty="0" smtClean="0">
-                <a:latin typeface="Source Sans Pro" panose="020B0503030403020204" pitchFamily="34" charset="0"/>
-                <a:ea typeface="Source Sans Pro" panose="020B0503030403020204" pitchFamily="34" charset="0"/>
-              </a:rPr>
-              <a:t>(A)     # inverse</a:t>
-            </a:r>
+              <a:t>Mult</a:t>
+            </a:r>
+            <a:endParaRPr lang="en-US" sz="2400" dirty="0" smtClean="0">
+              <a:latin typeface="Source Sans Pro" panose="020B0503030403020204" pitchFamily="34" charset="0"/>
+              <a:ea typeface="Source Sans Pro" panose="020B0503030403020204" pitchFamily="34" charset="0"/>
+            </a:endParaRPr>
+          </a:p>
+          <a:p>
+            <a:pPr marL="0" indent="0">
+              <a:buNone/>
+            </a:pPr>
             <a:r>
               <a:rPr lang="en-US" sz="2400" dirty="0">
                 <a:latin typeface="Source Sans Pro" panose="020B0503030403020204" pitchFamily="34" charset="0"/>
@@ -5708,6 +5494,83 @@
               </a:rPr>
               <a:t> </a:t>
             </a:r>
+            <a:r>
+              <a:rPr lang="en-US" sz="2400" dirty="0" smtClean="0">
+                <a:latin typeface="Source Sans Pro" panose="020B0503030403020204" pitchFamily="34" charset="0"/>
+                <a:ea typeface="Source Sans Pro" panose="020B0503030403020204" pitchFamily="34" charset="0"/>
+              </a:rPr>
+              <a:t>      print np.dot (A, b)           # </a:t>
+            </a:r>
+            <a:r>
+              <a:rPr lang="en-US" sz="2400" dirty="0" err="1" smtClean="0">
+                <a:latin typeface="Source Sans Pro" panose="020B0503030403020204" pitchFamily="34" charset="0"/>
+                <a:ea typeface="Source Sans Pro" panose="020B0503030403020204" pitchFamily="34" charset="0"/>
+              </a:rPr>
+              <a:t>numpy</a:t>
+            </a:r>
+            <a:r>
+              <a:rPr lang="en-US" sz="2400" dirty="0" smtClean="0">
+                <a:latin typeface="Source Sans Pro" panose="020B0503030403020204" pitchFamily="34" charset="0"/>
+                <a:ea typeface="Source Sans Pro" panose="020B0503030403020204" pitchFamily="34" charset="0"/>
+              </a:rPr>
+              <a:t> fixes dim</a:t>
+            </a:r>
+          </a:p>
+          <a:p>
+            <a:pPr marL="0" indent="0">
+              <a:buNone/>
+            </a:pPr>
+            <a:r>
+              <a:rPr lang="en-US" sz="2400" dirty="0">
+                <a:latin typeface="Source Sans Pro" panose="020B0503030403020204" pitchFamily="34" charset="0"/>
+                <a:ea typeface="Source Sans Pro" panose="020B0503030403020204" pitchFamily="34" charset="0"/>
+              </a:rPr>
+              <a:t> </a:t>
+            </a:r>
+            <a:r>
+              <a:rPr lang="en-US" sz="2400" dirty="0" smtClean="0">
+                <a:latin typeface="Source Sans Pro" panose="020B0503030403020204" pitchFamily="34" charset="0"/>
+                <a:ea typeface="Source Sans Pro" panose="020B0503030403020204" pitchFamily="34" charset="0"/>
+              </a:rPr>
+              <a:t>      print A.dot (b)                   # Chained method</a:t>
+            </a:r>
+          </a:p>
+          <a:p>
+            <a:pPr marL="0" indent="0">
+              <a:buNone/>
+            </a:pPr>
+            <a:r>
+              <a:rPr lang="en-US" sz="2400" dirty="0">
+                <a:latin typeface="Source Sans Pro" panose="020B0503030403020204" pitchFamily="34" charset="0"/>
+                <a:ea typeface="Source Sans Pro" panose="020B0503030403020204" pitchFamily="34" charset="0"/>
+              </a:rPr>
+              <a:t> </a:t>
+            </a:r>
+            <a:r>
+              <a:rPr lang="en-US" sz="2400" dirty="0" smtClean="0">
+                <a:latin typeface="Source Sans Pro" panose="020B0503030403020204" pitchFamily="34" charset="0"/>
+                <a:ea typeface="Source Sans Pro" panose="020B0503030403020204" pitchFamily="34" charset="0"/>
+              </a:rPr>
+              <a:t>      print A * b                            # Element-wise</a:t>
+            </a:r>
+            <a:endParaRPr lang="en-US" sz="2400" dirty="0">
+              <a:latin typeface="Source Sans Pro" panose="020B0503030403020204" pitchFamily="34" charset="0"/>
+              <a:ea typeface="Source Sans Pro" panose="020B0503030403020204" pitchFamily="34" charset="0"/>
+            </a:endParaRPr>
+          </a:p>
+          <a:p>
+            <a:pPr marL="0" indent="0">
+              <a:buNone/>
+            </a:pPr>
+            <a:endParaRPr lang="en-US" sz="2400" dirty="0" smtClean="0">
+              <a:latin typeface="Source Sans Pro" panose="020B0503030403020204" pitchFamily="34" charset="0"/>
+              <a:ea typeface="Source Sans Pro" panose="020B0503030403020204" pitchFamily="34" charset="0"/>
+            </a:endParaRPr>
+          </a:p>
+          <a:p>
+            <a:pPr marL="457200" lvl="1" indent="0">
+              <a:buNone/>
+            </a:pPr>
             <a:endParaRPr lang="en-US" sz="2000" dirty="0" smtClean="0">
               <a:latin typeface="Source Sans Pro" panose="020B0503030403020204" pitchFamily="34" charset="0"/>
               <a:ea typeface="Source Sans Pro" panose="020B0503030403020204" pitchFamily="34" charset="0"/>
@@ -5717,95 +5580,6 @@
             <a:pPr marL="0" indent="0">
               <a:buNone/>
             </a:pPr>
-            <a:r>
-              <a:rPr lang="en-US" sz="2400" dirty="0" smtClean="0">
-                <a:latin typeface="Source Sans Pro" panose="020B0503030403020204" pitchFamily="34" charset="0"/>
-                <a:ea typeface="Source Sans Pro" panose="020B0503030403020204" pitchFamily="34" charset="0"/>
-              </a:rPr>
-              <a:t>       </a:t>
-            </a:r>
-            <a:r>
-              <a:rPr lang="en-US" sz="2400" dirty="0" err="1" smtClean="0">
-                <a:latin typeface="Source Sans Pro" panose="020B0503030403020204" pitchFamily="34" charset="0"/>
-                <a:ea typeface="Source Sans Pro" panose="020B0503030403020204" pitchFamily="34" charset="0"/>
-              </a:rPr>
-              <a:t>A_det</a:t>
-            </a:r>
-            <a:r>
-              <a:rPr lang="en-US" sz="2400" dirty="0" smtClean="0">
-                <a:latin typeface="Source Sans Pro" panose="020B0503030403020204" pitchFamily="34" charset="0"/>
-                <a:ea typeface="Source Sans Pro" panose="020B0503030403020204" pitchFamily="34" charset="0"/>
-              </a:rPr>
-              <a:t> = </a:t>
-            </a:r>
-            <a:r>
-              <a:rPr lang="en-US" sz="2400" dirty="0" err="1" smtClean="0">
-                <a:latin typeface="Source Sans Pro" panose="020B0503030403020204" pitchFamily="34" charset="0"/>
-                <a:ea typeface="Source Sans Pro" panose="020B0503030403020204" pitchFamily="34" charset="0"/>
-              </a:rPr>
-              <a:t>np.linalg.det</a:t>
-            </a:r>
-            <a:r>
-              <a:rPr lang="en-US" sz="2400" dirty="0" smtClean="0">
-                <a:latin typeface="Source Sans Pro" panose="020B0503030403020204" pitchFamily="34" charset="0"/>
-                <a:ea typeface="Source Sans Pro" panose="020B0503030403020204" pitchFamily="34" charset="0"/>
-              </a:rPr>
-              <a:t>(A)    # determinant</a:t>
-            </a:r>
-          </a:p>
-          <a:p>
-            <a:pPr marL="0" indent="0">
-              <a:buNone/>
-            </a:pPr>
-            <a:r>
-              <a:rPr lang="en-US" sz="2400" dirty="0">
-                <a:latin typeface="Source Sans Pro" panose="020B0503030403020204" pitchFamily="34" charset="0"/>
-                <a:ea typeface="Source Sans Pro" panose="020B0503030403020204" pitchFamily="34" charset="0"/>
-              </a:rPr>
-              <a:t> </a:t>
-            </a:r>
-            <a:r>
-              <a:rPr lang="en-US" sz="2400" dirty="0" smtClean="0">
-                <a:latin typeface="Source Sans Pro" panose="020B0503030403020204" pitchFamily="34" charset="0"/>
-                <a:ea typeface="Source Sans Pro" panose="020B0503030403020204" pitchFamily="34" charset="0"/>
-              </a:rPr>
-              <a:t>      </a:t>
-            </a:r>
-            <a:r>
-              <a:rPr lang="en-US" sz="2400" dirty="0" err="1" smtClean="0">
-                <a:latin typeface="Source Sans Pro" panose="020B0503030403020204" pitchFamily="34" charset="0"/>
-                <a:ea typeface="Source Sans Pro" panose="020B0503030403020204" pitchFamily="34" charset="0"/>
-              </a:rPr>
-              <a:t>A_svd</a:t>
-            </a:r>
-            <a:r>
-              <a:rPr lang="en-US" sz="2400" dirty="0" smtClean="0">
-                <a:latin typeface="Source Sans Pro" panose="020B0503030403020204" pitchFamily="34" charset="0"/>
-                <a:ea typeface="Source Sans Pro" panose="020B0503030403020204" pitchFamily="34" charset="0"/>
-              </a:rPr>
-              <a:t> =</a:t>
-            </a:r>
-            <a:r>
-              <a:rPr lang="en-US" sz="2400" dirty="0" err="1" smtClean="0">
-                <a:latin typeface="Source Sans Pro" panose="020B0503030403020204" pitchFamily="34" charset="0"/>
-                <a:ea typeface="Source Sans Pro" panose="020B0503030403020204" pitchFamily="34" charset="0"/>
-              </a:rPr>
-              <a:t>np.linalg.svd</a:t>
-            </a:r>
-            <a:r>
-              <a:rPr lang="en-US" sz="2400" dirty="0" smtClean="0">
-                <a:latin typeface="Source Sans Pro" panose="020B0503030403020204" pitchFamily="34" charset="0"/>
-                <a:ea typeface="Source Sans Pro" panose="020B0503030403020204" pitchFamily="34" charset="0"/>
-              </a:rPr>
-              <a:t>(A)     #sing. </a:t>
-            </a:r>
-            <a:r>
-              <a:rPr lang="en-US" sz="2400" dirty="0" err="1" smtClean="0">
-                <a:latin typeface="Source Sans Pro" panose="020B0503030403020204" pitchFamily="34" charset="0"/>
-                <a:ea typeface="Source Sans Pro" panose="020B0503030403020204" pitchFamily="34" charset="0"/>
-              </a:rPr>
-              <a:t>Val.decomp</a:t>
-            </a:r>
             <a:endParaRPr lang="en-US" sz="2400" dirty="0" smtClean="0">
               <a:latin typeface="Source Sans Pro" panose="020B0503030403020204" pitchFamily="34" charset="0"/>
               <a:ea typeface="Source Sans Pro" panose="020B0503030403020204" pitchFamily="34" charset="0"/>
@@ -5876,18 +5650,18 @@
     </p:spTree>
     <p:extLst>
       <p:ext uri="{BB962C8B-B14F-4D97-AF65-F5344CB8AC3E}">
-        <p14:creationId xmlns:p14="http://schemas.microsoft.com/office/powerpoint/2010/main" val="727050226"/>
+        <p14:creationId xmlns:p14="http://schemas.microsoft.com/office/powerpoint/2010/main" val="1413206745"/>
       </p:ext>
     </p:extLst>
   </p:cSld>
   <p:clrMapOvr>
     <a:masterClrMapping/>
   </p:clrMapOvr>
-  <mc:AlternateContent xmlns:mc="http://schemas.openxmlformats.org/markup-compatibility/2006">
-    <mc:Choice xmlns:p14="http://schemas.microsoft.com/office/powerpoint/2010/main" Requires="p14">
+  <mc:AlternateContent xmlns:mc="http://schemas.openxmlformats.org/markup-compatibility/2006" xmlns:p14="http://schemas.microsoft.com/office/powerpoint/2010/main">
+    <mc:Choice Requires="p14">
       <p:transition spd="slow" p14:dur="2000"/>
     </mc:Choice>
-    <mc:Fallback>
+    <mc:Fallback xmlns="">
       <p:transition spd="slow"/>
     </mc:Fallback>
   </mc:AlternateContent>
@@ -5948,7 +5722,17 @@
                 <a:latin typeface="Source Sans Pro" panose="020B0503030403020204" pitchFamily="34" charset="0"/>
                 <a:ea typeface="Source Sans Pro" panose="020B0503030403020204" pitchFamily="34" charset="0"/>
               </a:rPr>
-              <a:t>Getting started with Pandas</a:t>
+              <a:t>Linear Algebra Operation – </a:t>
+            </a:r>
+            <a:r>
+              <a:rPr lang="en-US" sz="3200" b="1" dirty="0" err="1" smtClean="0">
+                <a:solidFill>
+                  <a:srgbClr val="366E9C"/>
+                </a:solidFill>
+                <a:latin typeface="Source Sans Pro" panose="020B0503030403020204" pitchFamily="34" charset="0"/>
+                <a:ea typeface="Source Sans Pro" panose="020B0503030403020204" pitchFamily="34" charset="0"/>
+              </a:rPr>
+              <a:t>numpy.lialg</a:t>
             </a:r>
             <a:endParaRPr lang="en-US" sz="3200" b="1" dirty="0">
               <a:latin typeface="Source Sans Pro" panose="020B0503030403020204" pitchFamily="34" charset="0"/>
@@ -5984,47 +5768,33 @@
                 <a:latin typeface="Source Sans Pro" panose="020B0503030403020204" pitchFamily="34" charset="0"/>
                 <a:ea typeface="Source Sans Pro" panose="020B0503030403020204" pitchFamily="34" charset="0"/>
               </a:rPr>
-              <a:t>Pandas builds </a:t>
-            </a:r>
-            <a:r>
-              <a:rPr lang="en-US" sz="2400" dirty="0" smtClean="0">
-                <a:latin typeface="Source Sans Pro" panose="020B0503030403020204" pitchFamily="34" charset="0"/>
-                <a:ea typeface="Source Sans Pro" panose="020B0503030403020204" pitchFamily="34" charset="0"/>
-              </a:rPr>
-              <a:t>on the functionality of </a:t>
+              <a:t>There are other linear algebra functions within</a:t>
+            </a:r>
+          </a:p>
+          <a:p>
+            <a:pPr marL="0" indent="0">
+              <a:buNone/>
+            </a:pPr>
+            <a:r>
+              <a:rPr lang="en-US" sz="2400" dirty="0">
+                <a:latin typeface="Source Sans Pro" panose="020B0503030403020204" pitchFamily="34" charset="0"/>
+                <a:ea typeface="Source Sans Pro" panose="020B0503030403020204" pitchFamily="34" charset="0"/>
+              </a:rPr>
+              <a:t> </a:t>
+            </a:r>
+            <a:r>
+              <a:rPr lang="en-US" sz="2400" dirty="0" smtClean="0">
+                <a:latin typeface="Source Sans Pro" panose="020B0503030403020204" pitchFamily="34" charset="0"/>
+                <a:ea typeface="Source Sans Pro" panose="020B0503030403020204" pitchFamily="34" charset="0"/>
+              </a:rPr>
+              <a:t>   </a:t>
             </a:r>
             <a:r>
               <a:rPr lang="en-US" sz="2400" dirty="0" err="1" smtClean="0">
                 <a:latin typeface="Source Sans Pro" panose="020B0503030403020204" pitchFamily="34" charset="0"/>
                 <a:ea typeface="Source Sans Pro" panose="020B0503030403020204" pitchFamily="34" charset="0"/>
               </a:rPr>
-              <a:t>numpy</a:t>
-            </a:r>
-            <a:r>
-              <a:rPr lang="en-US" sz="2400" dirty="0" smtClean="0">
-                <a:latin typeface="Source Sans Pro" panose="020B0503030403020204" pitchFamily="34" charset="0"/>
-                <a:ea typeface="Source Sans Pro" panose="020B0503030403020204" pitchFamily="34" charset="0"/>
-              </a:rPr>
-              <a:t>, but introduces data frames </a:t>
-            </a:r>
-          </a:p>
-          <a:p>
-            <a:pPr marL="0" indent="0">
-              <a:buNone/>
-            </a:pPr>
-            <a:r>
-              <a:rPr lang="en-US" sz="2400" dirty="0" smtClean="0">
-                <a:latin typeface="Source Sans Pro" panose="020B0503030403020204" pitchFamily="34" charset="0"/>
-                <a:ea typeface="Source Sans Pro" panose="020B0503030403020204" pitchFamily="34" charset="0"/>
-              </a:rPr>
-              <a:t>    import pandas as </a:t>
-            </a:r>
-            <a:r>
-              <a:rPr lang="en-US" sz="2400" dirty="0" err="1" smtClean="0">
-                <a:latin typeface="Source Sans Pro" panose="020B0503030403020204" pitchFamily="34" charset="0"/>
-                <a:ea typeface="Source Sans Pro" panose="020B0503030403020204" pitchFamily="34" charset="0"/>
-              </a:rPr>
-              <a:t>pd</a:t>
+              <a:t>numpy.linalg</a:t>
             </a:r>
             <a:endParaRPr lang="en-US" sz="2400" dirty="0" smtClean="0">
               <a:latin typeface="Source Sans Pro" panose="020B0503030403020204" pitchFamily="34" charset="0"/>
@@ -6035,100 +5805,7 @@
             <a:pPr marL="0" indent="0">
               <a:buNone/>
             </a:pPr>
-            <a:endParaRPr lang="en-US" sz="2400" dirty="0">
-              <a:latin typeface="Source Sans Pro" panose="020B0503030403020204" pitchFamily="34" charset="0"/>
-              <a:ea typeface="Source Sans Pro" panose="020B0503030403020204" pitchFamily="34" charset="0"/>
-            </a:endParaRPr>
-          </a:p>
-          <a:p>
-            <a:r>
-              <a:rPr lang="en-US" sz="2400" dirty="0" err="1" smtClean="0">
-                <a:latin typeface="Source Sans Pro" panose="020B0503030403020204" pitchFamily="34" charset="0"/>
-                <a:ea typeface="Source Sans Pro" panose="020B0503030403020204" pitchFamily="34" charset="0"/>
-              </a:rPr>
-              <a:t>DataFrames</a:t>
-            </a:r>
-            <a:r>
-              <a:rPr lang="en-US" sz="2400" dirty="0" smtClean="0">
-                <a:latin typeface="Source Sans Pro" panose="020B0503030403020204" pitchFamily="34" charset="0"/>
-                <a:ea typeface="Source Sans Pro" panose="020B0503030403020204" pitchFamily="34" charset="0"/>
-              </a:rPr>
-              <a:t> are two-dimensional tabular data structure ( very similar to data frames in R)</a:t>
-            </a:r>
-          </a:p>
-          <a:p>
-            <a:endParaRPr lang="en-US" sz="2400" dirty="0">
-              <a:latin typeface="Source Sans Pro" panose="020B0503030403020204" pitchFamily="34" charset="0"/>
-              <a:ea typeface="Source Sans Pro" panose="020B0503030403020204" pitchFamily="34" charset="0"/>
-            </a:endParaRPr>
-          </a:p>
-          <a:p>
-            <a:r>
-              <a:rPr lang="en-US" sz="2400" dirty="0" smtClean="0">
-                <a:latin typeface="Source Sans Pro" panose="020B0503030403020204" pitchFamily="34" charset="0"/>
-                <a:ea typeface="Source Sans Pro" panose="020B0503030403020204" pitchFamily="34" charset="0"/>
-              </a:rPr>
-              <a:t>Here the data is actually composed of </a:t>
-            </a:r>
-            <a:r>
-              <a:rPr lang="en-US" sz="2400" dirty="0" err="1" smtClean="0">
-                <a:latin typeface="Source Sans Pro" panose="020B0503030403020204" pitchFamily="34" charset="0"/>
-                <a:ea typeface="Source Sans Pro" panose="020B0503030403020204" pitchFamily="34" charset="0"/>
-              </a:rPr>
-              <a:t>numpy</a:t>
-            </a:r>
-            <a:r>
-              <a:rPr lang="en-US" sz="2400" dirty="0" smtClean="0">
-                <a:latin typeface="Source Sans Pro" panose="020B0503030403020204" pitchFamily="34" charset="0"/>
-                <a:ea typeface="Source Sans Pro" panose="020B0503030403020204" pitchFamily="34" charset="0"/>
-              </a:rPr>
-              <a:t> array! Therefore much of what we just learned is still useful</a:t>
-            </a:r>
-          </a:p>
-          <a:p>
-            <a:endParaRPr lang="en-US" sz="2400" dirty="0">
-              <a:latin typeface="Source Sans Pro" panose="020B0503030403020204" pitchFamily="34" charset="0"/>
-              <a:ea typeface="Source Sans Pro" panose="020B0503030403020204" pitchFamily="34" charset="0"/>
-            </a:endParaRPr>
-          </a:p>
-          <a:p>
-            <a:r>
-              <a:rPr lang="en-US" sz="2400" dirty="0" smtClean="0">
-                <a:latin typeface="Source Sans Pro" panose="020B0503030403020204" pitchFamily="34" charset="0"/>
-                <a:ea typeface="Source Sans Pro" panose="020B0503030403020204" pitchFamily="34" charset="0"/>
-              </a:rPr>
-              <a:t>Named columns for easy access</a:t>
-            </a:r>
-          </a:p>
-          <a:p>
-            <a:endParaRPr lang="en-US" sz="2400" dirty="0">
-              <a:latin typeface="Source Sans Pro" panose="020B0503030403020204" pitchFamily="34" charset="0"/>
-              <a:ea typeface="Source Sans Pro" panose="020B0503030403020204" pitchFamily="34" charset="0"/>
-            </a:endParaRPr>
-          </a:p>
-          <a:p>
-            <a:r>
-              <a:rPr lang="en-US" sz="2400" dirty="0" smtClean="0">
-                <a:latin typeface="Source Sans Pro" panose="020B0503030403020204" pitchFamily="34" charset="0"/>
-                <a:ea typeface="Source Sans Pro" panose="020B0503030403020204" pitchFamily="34" charset="0"/>
-              </a:rPr>
-              <a:t>We now have almost everything we had with </a:t>
-            </a:r>
-            <a:r>
-              <a:rPr lang="en-US" sz="2400" dirty="0" err="1" smtClean="0">
-                <a:latin typeface="Source Sans Pro" panose="020B0503030403020204" pitchFamily="34" charset="0"/>
-                <a:ea typeface="Source Sans Pro" panose="020B0503030403020204" pitchFamily="34" charset="0"/>
-              </a:rPr>
-              <a:t>numpy</a:t>
-            </a:r>
-            <a:r>
-              <a:rPr lang="en-US" sz="2400" dirty="0" smtClean="0">
-                <a:latin typeface="Source Sans Pro" panose="020B0503030403020204" pitchFamily="34" charset="0"/>
-                <a:ea typeface="Source Sans Pro" panose="020B0503030403020204" pitchFamily="34" charset="0"/>
-              </a:rPr>
-              <a:t> array, but with more functionality</a:t>
-            </a:r>
-            <a:endParaRPr lang="en-US" sz="2000" dirty="0" smtClean="0">
+            <a:endParaRPr lang="en-US" sz="2400" dirty="0" smtClean="0">
               <a:latin typeface="Source Sans Pro" panose="020B0503030403020204" pitchFamily="34" charset="0"/>
               <a:ea typeface="Source Sans Pro" panose="020B0503030403020204" pitchFamily="34" charset="0"/>
             </a:endParaRPr>
@@ -6137,25 +5814,27 @@
             <a:pPr marL="457200" lvl="1" indent="0">
               <a:buNone/>
             </a:pPr>
-            <a:endParaRPr lang="en-US" sz="2000" dirty="0" smtClean="0">
-              <a:latin typeface="Source Sans Pro" panose="020B0503030403020204" pitchFamily="34" charset="0"/>
-              <a:ea typeface="Source Sans Pro" panose="020B0503030403020204" pitchFamily="34" charset="0"/>
-            </a:endParaRPr>
-          </a:p>
-          <a:p>
-            <a:pPr marL="457200" lvl="1" indent="0">
-              <a:buNone/>
-            </a:pPr>
-            <a:endParaRPr lang="en-US" sz="2000" dirty="0" smtClean="0">
-              <a:latin typeface="Source Sans Pro" panose="020B0503030403020204" pitchFamily="34" charset="0"/>
-              <a:ea typeface="Source Sans Pro" panose="020B0503030403020204" pitchFamily="34" charset="0"/>
-            </a:endParaRPr>
-          </a:p>
-          <a:p>
-            <a:endParaRPr lang="en-US" sz="2400" dirty="0">
-              <a:latin typeface="Source Sans Pro" panose="020B0503030403020204" pitchFamily="34" charset="0"/>
-              <a:ea typeface="Source Sans Pro" panose="020B0503030403020204" pitchFamily="34" charset="0"/>
-            </a:endParaRPr>
+            <a:r>
+              <a:rPr lang="en-US" sz="2000" dirty="0" smtClean="0">
+                <a:latin typeface="Source Sans Pro" panose="020B0503030403020204" pitchFamily="34" charset="0"/>
+                <a:ea typeface="Source Sans Pro" panose="020B0503030403020204" pitchFamily="34" charset="0"/>
+              </a:rPr>
+              <a:t>A = </a:t>
+            </a:r>
+            <a:r>
+              <a:rPr lang="en-US" sz="2000" dirty="0" err="1" smtClean="0">
+                <a:latin typeface="Source Sans Pro" panose="020B0503030403020204" pitchFamily="34" charset="0"/>
+                <a:ea typeface="Source Sans Pro" panose="020B0503030403020204" pitchFamily="34" charset="0"/>
+              </a:rPr>
+              <a:t>np.array</a:t>
+            </a:r>
+            <a:r>
+              <a:rPr lang="en-US" sz="2000" dirty="0" smtClean="0">
+                <a:latin typeface="Source Sans Pro" panose="020B0503030403020204" pitchFamily="34" charset="0"/>
+                <a:ea typeface="Source Sans Pro" panose="020B0503030403020204" pitchFamily="34" charset="0"/>
+              </a:rPr>
+              <a:t>([ [ 1, 2], [3, 4] ] )</a:t>
+            </a:r>
           </a:p>
           <a:p>
             <a:pPr marL="0" indent="0">
@@ -6164,12 +5843,35 @@
               </a:spcBef>
               <a:buNone/>
             </a:pPr>
-            <a:endParaRPr lang="en-US" sz="2400" dirty="0" smtClean="0">
-              <a:latin typeface="Source Sans Pro" panose="020B0503030403020204" pitchFamily="34" charset="0"/>
-              <a:ea typeface="Source Sans Pro" panose="020B0503030403020204" pitchFamily="34" charset="0"/>
-            </a:endParaRPr>
-          </a:p>
-          <a:p>
+            <a:r>
+              <a:rPr lang="en-US" sz="2400" dirty="0" smtClean="0">
+                <a:latin typeface="Source Sans Pro" panose="020B0503030403020204" pitchFamily="34" charset="0"/>
+                <a:ea typeface="Source Sans Pro" panose="020B0503030403020204" pitchFamily="34" charset="0"/>
+              </a:rPr>
+              <a:t>       b = </a:t>
+            </a:r>
+            <a:r>
+              <a:rPr lang="en-US" sz="2400" dirty="0" err="1" smtClean="0">
+                <a:latin typeface="Source Sans Pro" panose="020B0503030403020204" pitchFamily="34" charset="0"/>
+                <a:ea typeface="Source Sans Pro" panose="020B0503030403020204" pitchFamily="34" charset="0"/>
+              </a:rPr>
+              <a:t>np.array</a:t>
+            </a:r>
+            <a:r>
+              <a:rPr lang="en-US" sz="2400" dirty="0" smtClean="0">
+                <a:latin typeface="Source Sans Pro" panose="020B0503030403020204" pitchFamily="34" charset="0"/>
+                <a:ea typeface="Source Sans Pro" panose="020B0503030403020204" pitchFamily="34" charset="0"/>
+              </a:rPr>
+              <a:t>( [1, 2])</a:t>
+            </a:r>
+          </a:p>
+          <a:p>
+            <a:pPr marL="0" indent="0">
+              <a:spcBef>
+                <a:spcPts val="0"/>
+              </a:spcBef>
+              <a:buNone/>
+            </a:pPr>
             <a:endParaRPr lang="en-US" sz="2400" dirty="0">
               <a:latin typeface="Source Sans Pro" panose="020B0503030403020204" pitchFamily="34" charset="0"/>
               <a:ea typeface="Source Sans Pro" panose="020B0503030403020204" pitchFamily="34" charset="0"/>
@@ -6179,15 +5881,48 @@
             <a:pPr marL="0" indent="0">
               <a:buNone/>
             </a:pPr>
-            <a:endParaRPr lang="en-US" sz="2400" dirty="0" smtClean="0">
-              <a:latin typeface="Source Sans Pro" panose="020B0503030403020204" pitchFamily="34" charset="0"/>
-              <a:ea typeface="Source Sans Pro" panose="020B0503030403020204" pitchFamily="34" charset="0"/>
-            </a:endParaRPr>
-          </a:p>
-          <a:p>
-            <a:pPr marL="457200" lvl="1" indent="0">
-              <a:buNone/>
-            </a:pPr>
+            <a:r>
+              <a:rPr lang="en-US" sz="2400" dirty="0" smtClean="0">
+                <a:latin typeface="Source Sans Pro" panose="020B0503030403020204" pitchFamily="34" charset="0"/>
+                <a:ea typeface="Source Sans Pro" panose="020B0503030403020204" pitchFamily="34" charset="0"/>
+              </a:rPr>
+              <a:t>       </a:t>
+            </a:r>
+            <a:r>
+              <a:rPr lang="en-US" sz="2400" dirty="0" err="1" smtClean="0">
+                <a:latin typeface="Source Sans Pro" panose="020B0503030403020204" pitchFamily="34" charset="0"/>
+                <a:ea typeface="Source Sans Pro" panose="020B0503030403020204" pitchFamily="34" charset="0"/>
+              </a:rPr>
+              <a:t>A_inv</a:t>
+            </a:r>
+            <a:r>
+              <a:rPr lang="en-US" sz="2400" dirty="0" smtClean="0">
+                <a:latin typeface="Source Sans Pro" panose="020B0503030403020204" pitchFamily="34" charset="0"/>
+                <a:ea typeface="Source Sans Pro" panose="020B0503030403020204" pitchFamily="34" charset="0"/>
+              </a:rPr>
+              <a:t> = </a:t>
+            </a:r>
+            <a:r>
+              <a:rPr lang="en-US" sz="2400" dirty="0" err="1" smtClean="0">
+                <a:latin typeface="Source Sans Pro" panose="020B0503030403020204" pitchFamily="34" charset="0"/>
+                <a:ea typeface="Source Sans Pro" panose="020B0503030403020204" pitchFamily="34" charset="0"/>
+              </a:rPr>
+              <a:t>np.linalg.inv</a:t>
+            </a:r>
+            <a:r>
+              <a:rPr lang="en-US" sz="2400" dirty="0" smtClean="0">
+                <a:latin typeface="Source Sans Pro" panose="020B0503030403020204" pitchFamily="34" charset="0"/>
+                <a:ea typeface="Source Sans Pro" panose="020B0503030403020204" pitchFamily="34" charset="0"/>
+              </a:rPr>
+              <a:t>(A)     # inverse</a:t>
+            </a:r>
+            <a:r>
+              <a:rPr lang="en-US" sz="2400" dirty="0">
+                <a:latin typeface="Source Sans Pro" panose="020B0503030403020204" pitchFamily="34" charset="0"/>
+                <a:ea typeface="Source Sans Pro" panose="020B0503030403020204" pitchFamily="34" charset="0"/>
+              </a:rPr>
+              <a:t> </a:t>
+            </a:r>
             <a:endParaRPr lang="en-US" sz="2000" dirty="0" smtClean="0">
               <a:latin typeface="Source Sans Pro" panose="020B0503030403020204" pitchFamily="34" charset="0"/>
               <a:ea typeface="Source Sans Pro" panose="020B0503030403020204" pitchFamily="34" charset="0"/>
@@ -6197,6 +5932,95 @@
             <a:pPr marL="0" indent="0">
               <a:buNone/>
             </a:pPr>
+            <a:r>
+              <a:rPr lang="en-US" sz="2400" dirty="0" smtClean="0">
+                <a:latin typeface="Source Sans Pro" panose="020B0503030403020204" pitchFamily="34" charset="0"/>
+                <a:ea typeface="Source Sans Pro" panose="020B0503030403020204" pitchFamily="34" charset="0"/>
+              </a:rPr>
+              <a:t>       </a:t>
+            </a:r>
+            <a:r>
+              <a:rPr lang="en-US" sz="2400" dirty="0" err="1" smtClean="0">
+                <a:latin typeface="Source Sans Pro" panose="020B0503030403020204" pitchFamily="34" charset="0"/>
+                <a:ea typeface="Source Sans Pro" panose="020B0503030403020204" pitchFamily="34" charset="0"/>
+              </a:rPr>
+              <a:t>A_det</a:t>
+            </a:r>
+            <a:r>
+              <a:rPr lang="en-US" sz="2400" dirty="0" smtClean="0">
+                <a:latin typeface="Source Sans Pro" panose="020B0503030403020204" pitchFamily="34" charset="0"/>
+                <a:ea typeface="Source Sans Pro" panose="020B0503030403020204" pitchFamily="34" charset="0"/>
+              </a:rPr>
+              <a:t> = </a:t>
+            </a:r>
+            <a:r>
+              <a:rPr lang="en-US" sz="2400" dirty="0" err="1" smtClean="0">
+                <a:latin typeface="Source Sans Pro" panose="020B0503030403020204" pitchFamily="34" charset="0"/>
+                <a:ea typeface="Source Sans Pro" panose="020B0503030403020204" pitchFamily="34" charset="0"/>
+              </a:rPr>
+              <a:t>np.linalg.det</a:t>
+            </a:r>
+            <a:r>
+              <a:rPr lang="en-US" sz="2400" dirty="0" smtClean="0">
+                <a:latin typeface="Source Sans Pro" panose="020B0503030403020204" pitchFamily="34" charset="0"/>
+                <a:ea typeface="Source Sans Pro" panose="020B0503030403020204" pitchFamily="34" charset="0"/>
+              </a:rPr>
+              <a:t>(A)    # determinant</a:t>
+            </a:r>
+          </a:p>
+          <a:p>
+            <a:pPr marL="0" indent="0">
+              <a:buNone/>
+            </a:pPr>
+            <a:r>
+              <a:rPr lang="en-US" sz="2400" dirty="0">
+                <a:latin typeface="Source Sans Pro" panose="020B0503030403020204" pitchFamily="34" charset="0"/>
+                <a:ea typeface="Source Sans Pro" panose="020B0503030403020204" pitchFamily="34" charset="0"/>
+              </a:rPr>
+              <a:t> </a:t>
+            </a:r>
+            <a:r>
+              <a:rPr lang="en-US" sz="2400" dirty="0" smtClean="0">
+                <a:latin typeface="Source Sans Pro" panose="020B0503030403020204" pitchFamily="34" charset="0"/>
+                <a:ea typeface="Source Sans Pro" panose="020B0503030403020204" pitchFamily="34" charset="0"/>
+              </a:rPr>
+              <a:t>      </a:t>
+            </a:r>
+            <a:r>
+              <a:rPr lang="en-US" sz="2400" dirty="0" err="1" smtClean="0">
+                <a:latin typeface="Source Sans Pro" panose="020B0503030403020204" pitchFamily="34" charset="0"/>
+                <a:ea typeface="Source Sans Pro" panose="020B0503030403020204" pitchFamily="34" charset="0"/>
+              </a:rPr>
+              <a:t>A_svd</a:t>
+            </a:r>
+            <a:r>
+              <a:rPr lang="en-US" sz="2400" dirty="0" smtClean="0">
+                <a:latin typeface="Source Sans Pro" panose="020B0503030403020204" pitchFamily="34" charset="0"/>
+                <a:ea typeface="Source Sans Pro" panose="020B0503030403020204" pitchFamily="34" charset="0"/>
+              </a:rPr>
+              <a:t> =</a:t>
+            </a:r>
+            <a:r>
+              <a:rPr lang="en-US" sz="2400" dirty="0" err="1" smtClean="0">
+                <a:latin typeface="Source Sans Pro" panose="020B0503030403020204" pitchFamily="34" charset="0"/>
+                <a:ea typeface="Source Sans Pro" panose="020B0503030403020204" pitchFamily="34" charset="0"/>
+              </a:rPr>
+              <a:t>np.linalg.svd</a:t>
+            </a:r>
+            <a:r>
+              <a:rPr lang="en-US" sz="2400" dirty="0" smtClean="0">
+                <a:latin typeface="Source Sans Pro" panose="020B0503030403020204" pitchFamily="34" charset="0"/>
+                <a:ea typeface="Source Sans Pro" panose="020B0503030403020204" pitchFamily="34" charset="0"/>
+              </a:rPr>
+              <a:t>(A)     #sing. </a:t>
+            </a:r>
+            <a:r>
+              <a:rPr lang="en-US" sz="2400" dirty="0" err="1" smtClean="0">
+                <a:latin typeface="Source Sans Pro" panose="020B0503030403020204" pitchFamily="34" charset="0"/>
+                <a:ea typeface="Source Sans Pro" panose="020B0503030403020204" pitchFamily="34" charset="0"/>
+              </a:rPr>
+              <a:t>Val.decomp</a:t>
+            </a:r>
             <a:endParaRPr lang="en-US" sz="2400" dirty="0" smtClean="0">
               <a:latin typeface="Source Sans Pro" panose="020B0503030403020204" pitchFamily="34" charset="0"/>
               <a:ea typeface="Source Sans Pro" panose="020B0503030403020204" pitchFamily="34" charset="0"/>
@@ -6267,18 +6091,18 @@
     </p:spTree>
     <p:extLst>
       <p:ext uri="{BB962C8B-B14F-4D97-AF65-F5344CB8AC3E}">
-        <p14:creationId xmlns:p14="http://schemas.microsoft.com/office/powerpoint/2010/main" val="3360431958"/>
+        <p14:creationId xmlns:p14="http://schemas.microsoft.com/office/powerpoint/2010/main" val="727050226"/>
       </p:ext>
     </p:extLst>
   </p:cSld>
   <p:clrMapOvr>
     <a:masterClrMapping/>
   </p:clrMapOvr>
-  <mc:AlternateContent xmlns:mc="http://schemas.openxmlformats.org/markup-compatibility/2006">
-    <mc:Choice xmlns:p14="http://schemas.microsoft.com/office/powerpoint/2010/main" Requires="p14">
+  <mc:AlternateContent xmlns:mc="http://schemas.openxmlformats.org/markup-compatibility/2006" xmlns:p14="http://schemas.microsoft.com/office/powerpoint/2010/main">
+    <mc:Choice Requires="p14">
       <p:transition spd="slow" p14:dur="2000"/>
     </mc:Choice>
-    <mc:Fallback>
+    <mc:Fallback xmlns="">
       <p:transition spd="slow"/>
     </mc:Fallback>
   </mc:AlternateContent>
@@ -6321,6 +6145,121 @@
         </p:nvSpPr>
         <p:spPr>
           <a:xfrm>
+            <a:off x="901700" y="2282825"/>
+            <a:ext cx="10515600" cy="638175"/>
+          </a:xfrm>
+        </p:spPr>
+        <p:txBody>
+          <a:bodyPr>
+            <a:noAutofit/>
+          </a:bodyPr>
+          <a:lstStyle/>
+          <a:p>
+            <a:pPr algn="ctr"/>
+            <a:r>
+              <a:rPr lang="en-US" sz="3600" b="1" dirty="0" smtClean="0">
+                <a:solidFill>
+                  <a:srgbClr val="366E9C"/>
+                </a:solidFill>
+                <a:latin typeface="Source Sans Pro" panose="020B0503030403020204" pitchFamily="34" charset="0"/>
+                <a:ea typeface="Source Sans Pro" panose="020B0503030403020204" pitchFamily="34" charset="0"/>
+              </a:rPr>
+              <a:t>Examples numpy1.py, numpy2.py</a:t>
+            </a:r>
+            <a:endParaRPr lang="en-US" sz="3600" b="1" dirty="0">
+              <a:latin typeface="Source Sans Pro" panose="020B0503030403020204" pitchFamily="34" charset="0"/>
+              <a:ea typeface="Source Sans Pro" panose="020B0503030403020204" pitchFamily="34" charset="0"/>
+            </a:endParaRPr>
+          </a:p>
+        </p:txBody>
+      </p:sp>
+      <p:pic>
+        <p:nvPicPr>
+          <p:cNvPr id="6" name="Picture 5"/>
+          <p:cNvPicPr>
+            <a:picLocks noChangeAspect="1"/>
+          </p:cNvPicPr>
+          <p:nvPr/>
+        </p:nvPicPr>
+        <p:blipFill>
+          <a:blip r:embed="rId2">
+            <a:extLst>
+              <a:ext uri="{28A0092B-C50C-407E-A947-70E740481C1C}">
+                <a14:useLocalDpi xmlns:a14="http://schemas.microsoft.com/office/drawing/2010/main" val="0"/>
+              </a:ext>
+            </a:extLst>
+          </a:blip>
+          <a:stretch>
+            <a:fillRect/>
+          </a:stretch>
+        </p:blipFill>
+        <p:spPr>
+          <a:xfrm>
+            <a:off x="9117017" y="5859463"/>
+            <a:ext cx="2884483" cy="974293"/>
+          </a:xfrm>
+          <a:prstGeom prst="rect">
+            <a:avLst/>
+          </a:prstGeom>
+        </p:spPr>
+      </p:pic>
+    </p:spTree>
+    <p:extLst>
+      <p:ext uri="{BB962C8B-B14F-4D97-AF65-F5344CB8AC3E}">
+        <p14:creationId xmlns:p14="http://schemas.microsoft.com/office/powerpoint/2010/main" val="1655744924"/>
+      </p:ext>
+    </p:extLst>
+  </p:cSld>
+  <p:clrMapOvr>
+    <a:masterClrMapping/>
+  </p:clrMapOvr>
+  <mc:AlternateContent xmlns:mc="http://schemas.openxmlformats.org/markup-compatibility/2006" xmlns:p14="http://schemas.microsoft.com/office/powerpoint/2010/main">
+    <mc:Choice Requires="p14">
+      <p:transition spd="slow" p14:dur="2000"/>
+    </mc:Choice>
+    <mc:Fallback xmlns="">
+      <p:transition spd="slow"/>
+    </mc:Fallback>
+  </mc:AlternateContent>
+  <p:timing>
+    <p:tnLst>
+      <p:par>
+        <p:cTn id="1" dur="indefinite" restart="never" nodeType="tmRoot"/>
+      </p:par>
+    </p:tnLst>
+  </p:timing>
+</p:sld>
+</file>
+
+<file path=ppt/slides/slide19.xml><?xml version="1.0" encoding="utf-8"?>
+<p:sld xmlns:a="http://schemas.openxmlformats.org/drawingml/2006/main" xmlns:r="http://schemas.openxmlformats.org/officeDocument/2006/relationships" xmlns:p="http://schemas.openxmlformats.org/presentationml/2006/main">
+  <p:cSld>
+    <p:spTree>
+      <p:nvGrpSpPr>
+        <p:cNvPr id="1" name=""/>
+        <p:cNvGrpSpPr/>
+        <p:nvPr/>
+      </p:nvGrpSpPr>
+      <p:grpSpPr>
+        <a:xfrm>
+          <a:off x="0" y="0"/>
+          <a:ext cx="0" cy="0"/>
+          <a:chOff x="0" y="0"/>
+          <a:chExt cx="0" cy="0"/>
+        </a:xfrm>
+      </p:grpSpPr>
+      <p:sp>
+        <p:nvSpPr>
+          <p:cNvPr id="2" name="Title 1"/>
+          <p:cNvSpPr>
+            <a:spLocks noGrp="1"/>
+          </p:cNvSpPr>
+          <p:nvPr>
+            <p:ph type="title"/>
+          </p:nvPr>
+        </p:nvSpPr>
+        <p:spPr>
+          <a:xfrm>
             <a:off x="203200" y="276225"/>
             <a:ext cx="9252527" cy="638175"/>
           </a:xfrm>
@@ -6339,17 +6278,7 @@
                 <a:latin typeface="Source Sans Pro" panose="020B0503030403020204" pitchFamily="34" charset="0"/>
                 <a:ea typeface="Source Sans Pro" panose="020B0503030403020204" pitchFamily="34" charset="0"/>
               </a:rPr>
-              <a:t>A few ways to create a </a:t>
-            </a:r>
-            <a:r>
-              <a:rPr lang="en-US" sz="3200" b="1" dirty="0" err="1" smtClean="0">
-                <a:solidFill>
-                  <a:srgbClr val="366E9C"/>
-                </a:solidFill>
-                <a:latin typeface="Source Sans Pro" panose="020B0503030403020204" pitchFamily="34" charset="0"/>
-                <a:ea typeface="Source Sans Pro" panose="020B0503030403020204" pitchFamily="34" charset="0"/>
-              </a:rPr>
-              <a:t>DataFrame</a:t>
+              <a:t>Getting started with Pandas</a:t>
             </a:r>
             <a:endParaRPr lang="en-US" sz="3200" b="1" dirty="0">
               <a:latin typeface="Source Sans Pro" panose="020B0503030403020204" pitchFamily="34" charset="0"/>
@@ -6380,6 +6309,46 @@
           </a:bodyPr>
           <a:lstStyle/>
           <a:p>
+            <a:r>
+              <a:rPr lang="en-US" sz="2400" dirty="0" smtClean="0">
+                <a:latin typeface="Source Sans Pro" panose="020B0503030403020204" pitchFamily="34" charset="0"/>
+                <a:ea typeface="Source Sans Pro" panose="020B0503030403020204" pitchFamily="34" charset="0"/>
+              </a:rPr>
+              <a:t>Pandas builds on the functionality of </a:t>
+            </a:r>
+            <a:r>
+              <a:rPr lang="en-US" sz="2400" dirty="0" err="1" smtClean="0">
+                <a:latin typeface="Source Sans Pro" panose="020B0503030403020204" pitchFamily="34" charset="0"/>
+                <a:ea typeface="Source Sans Pro" panose="020B0503030403020204" pitchFamily="34" charset="0"/>
+              </a:rPr>
+              <a:t>numpy</a:t>
+            </a:r>
+            <a:r>
+              <a:rPr lang="en-US" sz="2400" dirty="0" smtClean="0">
+                <a:latin typeface="Source Sans Pro" panose="020B0503030403020204" pitchFamily="34" charset="0"/>
+                <a:ea typeface="Source Sans Pro" panose="020B0503030403020204" pitchFamily="34" charset="0"/>
+              </a:rPr>
+              <a:t>, but introduces data frames </a:t>
+            </a:r>
+          </a:p>
+          <a:p>
+            <a:pPr marL="0" indent="0">
+              <a:buNone/>
+            </a:pPr>
+            <a:r>
+              <a:rPr lang="en-US" sz="2400" dirty="0" smtClean="0">
+                <a:latin typeface="Source Sans Pro" panose="020B0503030403020204" pitchFamily="34" charset="0"/>
+                <a:ea typeface="Source Sans Pro" panose="020B0503030403020204" pitchFamily="34" charset="0"/>
+              </a:rPr>
+              <a:t>    import pandas as </a:t>
+            </a:r>
+            <a:r>
+              <a:rPr lang="en-US" sz="2400" dirty="0" err="1" smtClean="0">
+                <a:latin typeface="Source Sans Pro" panose="020B0503030403020204" pitchFamily="34" charset="0"/>
+                <a:ea typeface="Source Sans Pro" panose="020B0503030403020204" pitchFamily="34" charset="0"/>
+              </a:rPr>
+              <a:t>pd</a:t>
+            </a:r>
             <a:endParaRPr lang="en-US" sz="2400" dirty="0" smtClean="0">
               <a:latin typeface="Source Sans Pro" panose="020B0503030403020204" pitchFamily="34" charset="0"/>
               <a:ea typeface="Source Sans Pro" panose="020B0503030403020204" pitchFamily="34" charset="0"/>
@@ -6389,112 +6358,98 @@
             <a:pPr marL="0" indent="0">
               <a:buNone/>
             </a:pPr>
-            <a:r>
-              <a:rPr lang="en-US" sz="2400" dirty="0">
-                <a:latin typeface="Source Sans Pro" panose="020B0503030403020204" pitchFamily="34" charset="0"/>
-                <a:ea typeface="Source Sans Pro" panose="020B0503030403020204" pitchFamily="34" charset="0"/>
-              </a:rPr>
-              <a:t> </a:t>
-            </a:r>
-            <a:r>
-              <a:rPr lang="en-US" sz="2400" dirty="0" smtClean="0">
-                <a:latin typeface="Source Sans Pro" panose="020B0503030403020204" pitchFamily="34" charset="0"/>
-                <a:ea typeface="Source Sans Pro" panose="020B0503030403020204" pitchFamily="34" charset="0"/>
-              </a:rPr>
-              <a:t> </a:t>
-            </a:r>
+            <a:endParaRPr lang="en-US" sz="2400" dirty="0">
+              <a:latin typeface="Source Sans Pro" panose="020B0503030403020204" pitchFamily="34" charset="0"/>
+              <a:ea typeface="Source Sans Pro" panose="020B0503030403020204" pitchFamily="34" charset="0"/>
+            </a:endParaRPr>
+          </a:p>
+          <a:p>
             <a:r>
               <a:rPr lang="en-US" sz="2400" dirty="0" err="1" smtClean="0">
                 <a:latin typeface="Source Sans Pro" panose="020B0503030403020204" pitchFamily="34" charset="0"/>
                 <a:ea typeface="Source Sans Pro" panose="020B0503030403020204" pitchFamily="34" charset="0"/>
               </a:rPr>
-              <a:t>fake_data</a:t>
-            </a:r>
-            <a:r>
-              <a:rPr lang="en-US" sz="2400" dirty="0" smtClean="0">
-                <a:latin typeface="Source Sans Pro" panose="020B0503030403020204" pitchFamily="34" charset="0"/>
-                <a:ea typeface="Source Sans Pro" panose="020B0503030403020204" pitchFamily="34" charset="0"/>
-              </a:rPr>
-              <a:t> = </a:t>
+              <a:t>DataFrames</a:t>
+            </a:r>
+            <a:r>
+              <a:rPr lang="en-US" sz="2400" dirty="0" smtClean="0">
+                <a:latin typeface="Source Sans Pro" panose="020B0503030403020204" pitchFamily="34" charset="0"/>
+                <a:ea typeface="Source Sans Pro" panose="020B0503030403020204" pitchFamily="34" charset="0"/>
+              </a:rPr>
+              <a:t> are two-dimensional tabular data structure ( very similar to data frames in R)</a:t>
+            </a:r>
+          </a:p>
+          <a:p>
+            <a:endParaRPr lang="en-US" sz="2400" dirty="0">
+              <a:latin typeface="Source Sans Pro" panose="020B0503030403020204" pitchFamily="34" charset="0"/>
+              <a:ea typeface="Source Sans Pro" panose="020B0503030403020204" pitchFamily="34" charset="0"/>
+            </a:endParaRPr>
+          </a:p>
+          <a:p>
+            <a:r>
+              <a:rPr lang="en-US" sz="2400" dirty="0" smtClean="0">
+                <a:latin typeface="Source Sans Pro" panose="020B0503030403020204" pitchFamily="34" charset="0"/>
+                <a:ea typeface="Source Sans Pro" panose="020B0503030403020204" pitchFamily="34" charset="0"/>
+              </a:rPr>
+              <a:t>Here the data is actually composed of </a:t>
             </a:r>
             <a:r>
               <a:rPr lang="en-US" sz="2400" dirty="0" err="1" smtClean="0">
                 <a:latin typeface="Source Sans Pro" panose="020B0503030403020204" pitchFamily="34" charset="0"/>
                 <a:ea typeface="Source Sans Pro" panose="020B0503030403020204" pitchFamily="34" charset="0"/>
               </a:rPr>
-              <a:t>np.array</a:t>
-            </a:r>
-            <a:r>
-              <a:rPr lang="en-US" sz="2400" dirty="0" smtClean="0">
-                <a:latin typeface="Source Sans Pro" panose="020B0503030403020204" pitchFamily="34" charset="0"/>
-                <a:ea typeface="Source Sans Pro" panose="020B0503030403020204" pitchFamily="34" charset="0"/>
-              </a:rPr>
-              <a:t> ( [ [ ‘AJ’,  36], [‘Brett’, 29], [‘Jake’, 26], [‘Bob’, 57 ] ] )</a:t>
-            </a:r>
-            <a:endParaRPr lang="en-US" sz="2400" dirty="0" smtClean="0">
-              <a:latin typeface="Source Sans Pro" panose="020B0503030403020204" pitchFamily="34" charset="0"/>
-              <a:ea typeface="Source Sans Pro" panose="020B0503030403020204" pitchFamily="34" charset="0"/>
-            </a:endParaRPr>
-          </a:p>
-          <a:p>
-            <a:pPr marL="0" indent="0">
-              <a:buNone/>
-            </a:pPr>
-            <a:r>
-              <a:rPr lang="en-US" sz="2400" dirty="0">
-                <a:latin typeface="Source Sans Pro" panose="020B0503030403020204" pitchFamily="34" charset="0"/>
-                <a:ea typeface="Source Sans Pro" panose="020B0503030403020204" pitchFamily="34" charset="0"/>
-              </a:rPr>
-              <a:t> </a:t>
-            </a:r>
-            <a:r>
-              <a:rPr lang="en-US" sz="2400" dirty="0" smtClean="0">
-                <a:latin typeface="Source Sans Pro" panose="020B0503030403020204" pitchFamily="34" charset="0"/>
-                <a:ea typeface="Source Sans Pro" panose="020B0503030403020204" pitchFamily="34" charset="0"/>
-              </a:rPr>
-              <a:t> </a:t>
+              <a:t>numpy</a:t>
+            </a:r>
+            <a:r>
+              <a:rPr lang="en-US" sz="2400" dirty="0" smtClean="0">
+                <a:latin typeface="Source Sans Pro" panose="020B0503030403020204" pitchFamily="34" charset="0"/>
+                <a:ea typeface="Source Sans Pro" panose="020B0503030403020204" pitchFamily="34" charset="0"/>
+              </a:rPr>
+              <a:t> array! Therefore much of what we just learned is still useful</a:t>
+            </a:r>
+          </a:p>
+          <a:p>
+            <a:endParaRPr lang="en-US" sz="2400" dirty="0">
+              <a:latin typeface="Source Sans Pro" panose="020B0503030403020204" pitchFamily="34" charset="0"/>
+              <a:ea typeface="Source Sans Pro" panose="020B0503030403020204" pitchFamily="34" charset="0"/>
+            </a:endParaRPr>
+          </a:p>
+          <a:p>
+            <a:r>
+              <a:rPr lang="en-US" sz="2400" dirty="0" smtClean="0">
+                <a:latin typeface="Source Sans Pro" panose="020B0503030403020204" pitchFamily="34" charset="0"/>
+                <a:ea typeface="Source Sans Pro" panose="020B0503030403020204" pitchFamily="34" charset="0"/>
+              </a:rPr>
+              <a:t>Named columns for easy access</a:t>
+            </a:r>
+          </a:p>
+          <a:p>
+            <a:endParaRPr lang="en-US" sz="2400" dirty="0">
+              <a:latin typeface="Source Sans Pro" panose="020B0503030403020204" pitchFamily="34" charset="0"/>
+              <a:ea typeface="Source Sans Pro" panose="020B0503030403020204" pitchFamily="34" charset="0"/>
+            </a:endParaRPr>
+          </a:p>
+          <a:p>
+            <a:r>
+              <a:rPr lang="en-US" sz="2400" dirty="0" smtClean="0">
+                <a:latin typeface="Source Sans Pro" panose="020B0503030403020204" pitchFamily="34" charset="0"/>
+                <a:ea typeface="Source Sans Pro" panose="020B0503030403020204" pitchFamily="34" charset="0"/>
+              </a:rPr>
+              <a:t>We now have almost everything we had with </a:t>
             </a:r>
             <a:r>
               <a:rPr lang="en-US" sz="2400" dirty="0" err="1" smtClean="0">
                 <a:latin typeface="Source Sans Pro" panose="020B0503030403020204" pitchFamily="34" charset="0"/>
                 <a:ea typeface="Source Sans Pro" panose="020B0503030403020204" pitchFamily="34" charset="0"/>
               </a:rPr>
-              <a:t>data_set</a:t>
-            </a:r>
-            <a:r>
-              <a:rPr lang="en-US" sz="2400" dirty="0" smtClean="0">
-                <a:latin typeface="Source Sans Pro" panose="020B0503030403020204" pitchFamily="34" charset="0"/>
-                <a:ea typeface="Source Sans Pro" panose="020B0503030403020204" pitchFamily="34" charset="0"/>
-              </a:rPr>
-              <a:t> = </a:t>
-            </a:r>
-            <a:r>
-              <a:rPr lang="en-US" sz="2400" dirty="0" err="1" smtClean="0">
-                <a:latin typeface="Source Sans Pro" panose="020B0503030403020204" pitchFamily="34" charset="0"/>
-                <a:ea typeface="Source Sans Pro" panose="020B0503030403020204" pitchFamily="34" charset="0"/>
-              </a:rPr>
-              <a:t>pd.DataFrame</a:t>
-            </a:r>
-            <a:r>
-              <a:rPr lang="en-US" sz="2400" dirty="0" smtClean="0">
-                <a:latin typeface="Source Sans Pro" panose="020B0503030403020204" pitchFamily="34" charset="0"/>
-                <a:ea typeface="Source Sans Pro" panose="020B0503030403020204" pitchFamily="34" charset="0"/>
-              </a:rPr>
-              <a:t> ( </a:t>
-            </a:r>
-            <a:r>
-              <a:rPr lang="en-US" sz="2400" dirty="0" err="1" smtClean="0">
-                <a:latin typeface="Source Sans Pro" panose="020B0503030403020204" pitchFamily="34" charset="0"/>
-                <a:ea typeface="Source Sans Pro" panose="020B0503030403020204" pitchFamily="34" charset="0"/>
-              </a:rPr>
-              <a:t>fake_data</a:t>
-            </a:r>
-            <a:r>
-              <a:rPr lang="en-US" sz="2400" dirty="0" smtClean="0">
-                <a:latin typeface="Source Sans Pro" panose="020B0503030403020204" pitchFamily="34" charset="0"/>
-                <a:ea typeface="Source Sans Pro" panose="020B0503030403020204" pitchFamily="34" charset="0"/>
-              </a:rPr>
-              <a:t>, columns = [‘Name’, ‘Age’]) </a:t>
+              <a:t>numpy</a:t>
+            </a:r>
+            <a:r>
+              <a:rPr lang="en-US" sz="2400" dirty="0" smtClean="0">
+                <a:latin typeface="Source Sans Pro" panose="020B0503030403020204" pitchFamily="34" charset="0"/>
+                <a:ea typeface="Source Sans Pro" panose="020B0503030403020204" pitchFamily="34" charset="0"/>
+              </a:rPr>
+              <a:t> array, but with more functionality</a:t>
             </a:r>
             <a:endParaRPr lang="en-US" sz="2000" dirty="0" smtClean="0">
               <a:latin typeface="Source Sans Pro" panose="020B0503030403020204" pitchFamily="34" charset="0"/>
@@ -6502,146 +6457,24 @@
             </a:endParaRPr>
           </a:p>
           <a:p>
-            <a:pPr marL="0" indent="0">
-              <a:buNone/>
-            </a:pPr>
-            <a:r>
-              <a:rPr lang="en-US" sz="2400" dirty="0">
-                <a:latin typeface="Source Sans Pro" panose="020B0503030403020204" pitchFamily="34" charset="0"/>
-                <a:ea typeface="Source Sans Pro" panose="020B0503030403020204" pitchFamily="34" charset="0"/>
-              </a:rPr>
-              <a:t> </a:t>
-            </a:r>
-            <a:r>
-              <a:rPr lang="en-US" sz="2400" dirty="0" smtClean="0">
-                <a:latin typeface="Source Sans Pro" panose="020B0503030403020204" pitchFamily="34" charset="0"/>
-                <a:ea typeface="Source Sans Pro" panose="020B0503030403020204" pitchFamily="34" charset="0"/>
-              </a:rPr>
-              <a:t> print </a:t>
-            </a:r>
-            <a:r>
-              <a:rPr lang="en-US" sz="2400" dirty="0" err="1" smtClean="0">
-                <a:latin typeface="Source Sans Pro" panose="020B0503030403020204" pitchFamily="34" charset="0"/>
-                <a:ea typeface="Source Sans Pro" panose="020B0503030403020204" pitchFamily="34" charset="0"/>
-              </a:rPr>
-              <a:t>data_set.Name</a:t>
-            </a:r>
-            <a:endParaRPr lang="en-US" sz="2400" dirty="0" smtClean="0">
-              <a:latin typeface="Source Sans Pro" panose="020B0503030403020204" pitchFamily="34" charset="0"/>
-              <a:ea typeface="Source Sans Pro" panose="020B0503030403020204" pitchFamily="34" charset="0"/>
-            </a:endParaRPr>
-          </a:p>
-          <a:p>
-            <a:pPr marL="0" indent="0">
-              <a:buNone/>
-            </a:pPr>
-            <a:r>
-              <a:rPr lang="en-US" sz="2400" dirty="0">
-                <a:latin typeface="Source Sans Pro" panose="020B0503030403020204" pitchFamily="34" charset="0"/>
-                <a:ea typeface="Source Sans Pro" panose="020B0503030403020204" pitchFamily="34" charset="0"/>
-              </a:rPr>
-              <a:t> </a:t>
-            </a:r>
-            <a:r>
-              <a:rPr lang="en-US" sz="2400" dirty="0" smtClean="0">
-                <a:latin typeface="Source Sans Pro" panose="020B0503030403020204" pitchFamily="34" charset="0"/>
-                <a:ea typeface="Source Sans Pro" panose="020B0503030403020204" pitchFamily="34" charset="0"/>
-              </a:rPr>
-              <a:t> print </a:t>
-            </a:r>
-            <a:r>
-              <a:rPr lang="en-US" sz="2400" dirty="0" err="1" smtClean="0">
-                <a:latin typeface="Source Sans Pro" panose="020B0503030403020204" pitchFamily="34" charset="0"/>
-                <a:ea typeface="Source Sans Pro" panose="020B0503030403020204" pitchFamily="34" charset="0"/>
-              </a:rPr>
-              <a:t>data_set</a:t>
-            </a:r>
-            <a:r>
-              <a:rPr lang="en-US" sz="2400" dirty="0" err="1" smtClean="0">
-                <a:latin typeface="Source Sans Pro" panose="020B0503030403020204" pitchFamily="34" charset="0"/>
-                <a:ea typeface="Source Sans Pro" panose="020B0503030403020204" pitchFamily="34" charset="0"/>
-              </a:rPr>
-              <a:t>.Age</a:t>
-            </a:r>
-            <a:endParaRPr lang="en-US" sz="2400" dirty="0">
-              <a:latin typeface="Source Sans Pro" panose="020B0503030403020204" pitchFamily="34" charset="0"/>
-              <a:ea typeface="Source Sans Pro" panose="020B0503030403020204" pitchFamily="34" charset="0"/>
-            </a:endParaRPr>
-          </a:p>
-          <a:p>
-            <a:pPr marL="0" indent="0">
-              <a:buNone/>
-            </a:pPr>
-            <a:r>
-              <a:rPr lang="en-US" sz="2400" dirty="0" smtClean="0">
-                <a:latin typeface="Source Sans Pro" panose="020B0503030403020204" pitchFamily="34" charset="0"/>
-                <a:ea typeface="Source Sans Pro" panose="020B0503030403020204" pitchFamily="34" charset="0"/>
-              </a:rPr>
-              <a:t>  </a:t>
-            </a:r>
-            <a:r>
-              <a:rPr lang="en-US" sz="2400" b="1" dirty="0" smtClean="0">
-                <a:latin typeface="Source Sans Pro" panose="020B0503030403020204" pitchFamily="34" charset="0"/>
-                <a:ea typeface="Source Sans Pro" panose="020B0503030403020204" pitchFamily="34" charset="0"/>
-              </a:rPr>
-              <a:t>Or</a:t>
-            </a:r>
-          </a:p>
-          <a:p>
-            <a:pPr marL="0" indent="0">
-              <a:buNone/>
-            </a:pPr>
-            <a:r>
-              <a:rPr lang="en-US" sz="2400" dirty="0">
-                <a:latin typeface="Source Sans Pro" panose="020B0503030403020204" pitchFamily="34" charset="0"/>
-                <a:ea typeface="Source Sans Pro" panose="020B0503030403020204" pitchFamily="34" charset="0"/>
-              </a:rPr>
-              <a:t> </a:t>
-            </a:r>
-            <a:r>
-              <a:rPr lang="en-US" sz="2400" dirty="0" smtClean="0">
-                <a:latin typeface="Source Sans Pro" panose="020B0503030403020204" pitchFamily="34" charset="0"/>
-                <a:ea typeface="Source Sans Pro" panose="020B0503030403020204" pitchFamily="34" charset="0"/>
-              </a:rPr>
-              <a:t> </a:t>
-            </a:r>
-            <a:r>
-              <a:rPr lang="en-US" sz="2400" dirty="0" err="1" smtClean="0">
-                <a:latin typeface="Source Sans Pro" panose="020B0503030403020204" pitchFamily="34" charset="0"/>
-                <a:ea typeface="Source Sans Pro" panose="020B0503030403020204" pitchFamily="34" charset="0"/>
-              </a:rPr>
-              <a:t>fake_data</a:t>
-            </a:r>
-            <a:r>
-              <a:rPr lang="en-US" sz="2400" dirty="0" smtClean="0">
-                <a:latin typeface="Source Sans Pro" panose="020B0503030403020204" pitchFamily="34" charset="0"/>
-                <a:ea typeface="Source Sans Pro" panose="020B0503030403020204" pitchFamily="34" charset="0"/>
-              </a:rPr>
-              <a:t> = {‘Names’ : [‘AJ’, ‘Brett’, ‘Jake’, ‘Bob’], ‘Age’ : [36, 29, 26, 57] }</a:t>
-            </a:r>
+            <a:pPr marL="457200" lvl="1" indent="0">
+              <a:buNone/>
+            </a:pPr>
             <a:endParaRPr lang="en-US" sz="2000" dirty="0" smtClean="0">
               <a:latin typeface="Source Sans Pro" panose="020B0503030403020204" pitchFamily="34" charset="0"/>
               <a:ea typeface="Source Sans Pro" panose="020B0503030403020204" pitchFamily="34" charset="0"/>
             </a:endParaRPr>
           </a:p>
           <a:p>
-            <a:pPr marL="0" indent="0">
-              <a:buNone/>
-            </a:pPr>
-            <a:r>
-              <a:rPr lang="en-US" sz="2400" dirty="0" smtClean="0">
-                <a:latin typeface="Source Sans Pro" panose="020B0503030403020204" pitchFamily="34" charset="0"/>
-                <a:ea typeface="Source Sans Pro" panose="020B0503030403020204" pitchFamily="34" charset="0"/>
-              </a:rPr>
-              <a:t>  print </a:t>
-            </a:r>
-            <a:r>
-              <a:rPr lang="en-US" sz="2400" dirty="0" err="1" smtClean="0">
-                <a:latin typeface="Source Sans Pro" panose="020B0503030403020204" pitchFamily="34" charset="0"/>
-                <a:ea typeface="Source Sans Pro" panose="020B0503030403020204" pitchFamily="34" charset="0"/>
-              </a:rPr>
-              <a:t>data_set.Names</a:t>
-            </a:r>
+            <a:pPr marL="457200" lvl="1" indent="0">
+              <a:buNone/>
+            </a:pPr>
+            <a:endParaRPr lang="en-US" sz="2000" dirty="0" smtClean="0">
+              <a:latin typeface="Source Sans Pro" panose="020B0503030403020204" pitchFamily="34" charset="0"/>
+              <a:ea typeface="Source Sans Pro" panose="020B0503030403020204" pitchFamily="34" charset="0"/>
+            </a:endParaRPr>
+          </a:p>
+          <a:p>
             <a:endParaRPr lang="en-US" sz="2400" dirty="0">
               <a:latin typeface="Source Sans Pro" panose="020B0503030403020204" pitchFamily="34" charset="0"/>
               <a:ea typeface="Source Sans Pro" panose="020B0503030403020204" pitchFamily="34" charset="0"/>
@@ -6654,20 +6487,6 @@
               </a:spcBef>
               <a:buNone/>
             </a:pPr>
-            <a:r>
-              <a:rPr lang="en-US" sz="2400" dirty="0" smtClean="0">
-                <a:latin typeface="Source Sans Pro" panose="020B0503030403020204" pitchFamily="34" charset="0"/>
-                <a:ea typeface="Source Sans Pro" panose="020B0503030403020204" pitchFamily="34" charset="0"/>
-              </a:rPr>
-              <a:t>  print </a:t>
-            </a:r>
-            <a:r>
-              <a:rPr lang="en-US" sz="2400" dirty="0" err="1" smtClean="0">
-                <a:latin typeface="Source Sans Pro" panose="020B0503030403020204" pitchFamily="34" charset="0"/>
-                <a:ea typeface="Source Sans Pro" panose="020B0503030403020204" pitchFamily="34" charset="0"/>
-              </a:rPr>
-              <a:t>data_set.Age</a:t>
-            </a:r>
             <a:endParaRPr lang="en-US" sz="2400" dirty="0" smtClean="0">
               <a:latin typeface="Source Sans Pro" panose="020B0503030403020204" pitchFamily="34" charset="0"/>
               <a:ea typeface="Source Sans Pro" panose="020B0503030403020204" pitchFamily="34" charset="0"/>
@@ -6771,18 +6590,18 @@
     </p:spTree>
     <p:extLst>
       <p:ext uri="{BB962C8B-B14F-4D97-AF65-F5344CB8AC3E}">
-        <p14:creationId xmlns:p14="http://schemas.microsoft.com/office/powerpoint/2010/main" val="2661890598"/>
+        <p14:creationId xmlns:p14="http://schemas.microsoft.com/office/powerpoint/2010/main" val="3360431958"/>
       </p:ext>
     </p:extLst>
   </p:cSld>
   <p:clrMapOvr>
     <a:masterClrMapping/>
   </p:clrMapOvr>
-  <mc:AlternateContent xmlns:mc="http://schemas.openxmlformats.org/markup-compatibility/2006">
-    <mc:Choice xmlns:p14="http://schemas.microsoft.com/office/powerpoint/2010/main" Requires="p14">
+  <mc:AlternateContent xmlns:mc="http://schemas.openxmlformats.org/markup-compatibility/2006" xmlns:p14="http://schemas.microsoft.com/office/powerpoint/2010/main">
+    <mc:Choice Requires="p14">
       <p:transition spd="slow" p14:dur="2000"/>
     </mc:Choice>
-    <mc:Fallback>
+    <mc:Fallback xmlns="">
       <p:transition spd="slow"/>
     </mc:Fallback>
   </mc:AlternateContent>
@@ -6796,7 +6615,7 @@
 </p:sld>
 </file>
 
-<file path=ppt/slides/slide19.xml><?xml version="1.0" encoding="utf-8"?>
+<file path=ppt/slides/slide2.xml><?xml version="1.0" encoding="utf-8"?>
 <p:sld xmlns:a="http://schemas.openxmlformats.org/drawingml/2006/main" xmlns:r="http://schemas.openxmlformats.org/officeDocument/2006/relationships" xmlns:p="http://schemas.openxmlformats.org/presentationml/2006/main">
   <p:cSld>
     <p:spTree>
@@ -6825,6 +6644,170 @@
         </p:nvSpPr>
         <p:spPr>
           <a:xfrm>
+            <a:off x="901700" y="2282825"/>
+            <a:ext cx="10515600" cy="638175"/>
+          </a:xfrm>
+        </p:spPr>
+        <p:txBody>
+          <a:bodyPr>
+            <a:noAutofit/>
+          </a:bodyPr>
+          <a:lstStyle/>
+          <a:p>
+            <a:pPr algn="ctr"/>
+            <a:r>
+              <a:rPr lang="en-US" sz="3600" b="1" dirty="0" smtClean="0">
+                <a:solidFill>
+                  <a:srgbClr val="366E9C"/>
+                </a:solidFill>
+                <a:latin typeface="Source Sans Pro" panose="020B0503030403020204" pitchFamily="34" charset="0"/>
+                <a:ea typeface="Source Sans Pro" panose="020B0503030403020204" pitchFamily="34" charset="0"/>
+              </a:rPr>
+              <a:t>Libraries in Python</a:t>
+            </a:r>
+            <a:br>
+              <a:rPr lang="en-US" sz="3600" b="1" dirty="0" smtClean="0">
+                <a:solidFill>
+                  <a:srgbClr val="366E9C"/>
+                </a:solidFill>
+                <a:latin typeface="Source Sans Pro" panose="020B0503030403020204" pitchFamily="34" charset="0"/>
+                <a:ea typeface="Source Sans Pro" panose="020B0503030403020204" pitchFamily="34" charset="0"/>
+              </a:rPr>
+            </a:br>
+            <a:r>
+              <a:rPr lang="en-US" sz="3600" b="1" dirty="0" smtClean="0">
+                <a:solidFill>
+                  <a:srgbClr val="366E9C"/>
+                </a:solidFill>
+                <a:latin typeface="Source Sans Pro" panose="020B0503030403020204" pitchFamily="34" charset="0"/>
+                <a:ea typeface="Source Sans Pro" panose="020B0503030403020204" pitchFamily="34" charset="0"/>
+              </a:rPr>
+              <a:t>Introducing </a:t>
+            </a:r>
+            <a:r>
+              <a:rPr lang="en-US" sz="3600" b="1" dirty="0" err="1" smtClean="0">
+                <a:solidFill>
+                  <a:srgbClr val="366E9C"/>
+                </a:solidFill>
+                <a:latin typeface="Source Sans Pro" panose="020B0503030403020204" pitchFamily="34" charset="0"/>
+                <a:ea typeface="Source Sans Pro" panose="020B0503030403020204" pitchFamily="34" charset="0"/>
+              </a:rPr>
+              <a:t>numpy</a:t>
+            </a:r>
+            <a:r>
+              <a:rPr lang="en-US" sz="3600" b="1" dirty="0" smtClean="0">
+                <a:solidFill>
+                  <a:srgbClr val="366E9C"/>
+                </a:solidFill>
+                <a:latin typeface="Source Sans Pro" panose="020B0503030403020204" pitchFamily="34" charset="0"/>
+                <a:ea typeface="Source Sans Pro" panose="020B0503030403020204" pitchFamily="34" charset="0"/>
+              </a:rPr>
+              <a:t>, pandas, </a:t>
+            </a:r>
+            <a:r>
+              <a:rPr lang="en-US" sz="3600" b="1" dirty="0" err="1" smtClean="0">
+                <a:solidFill>
+                  <a:srgbClr val="366E9C"/>
+                </a:solidFill>
+                <a:latin typeface="Source Sans Pro" panose="020B0503030403020204" pitchFamily="34" charset="0"/>
+                <a:ea typeface="Source Sans Pro" panose="020B0503030403020204" pitchFamily="34" charset="0"/>
+              </a:rPr>
+              <a:t>matplotlib</a:t>
+            </a:r>
+            <a:endParaRPr lang="en-US" sz="3600" b="1" dirty="0">
+              <a:latin typeface="Source Sans Pro" panose="020B0503030403020204" pitchFamily="34" charset="0"/>
+              <a:ea typeface="Source Sans Pro" panose="020B0503030403020204" pitchFamily="34" charset="0"/>
+            </a:endParaRPr>
+          </a:p>
+        </p:txBody>
+      </p:sp>
+      <p:pic>
+        <p:nvPicPr>
+          <p:cNvPr id="6" name="Picture 5"/>
+          <p:cNvPicPr>
+            <a:picLocks noChangeAspect="1"/>
+          </p:cNvPicPr>
+          <p:nvPr/>
+        </p:nvPicPr>
+        <p:blipFill>
+          <a:blip r:embed="rId2">
+            <a:extLst>
+              <a:ext uri="{28A0092B-C50C-407E-A947-70E740481C1C}">
+                <a14:useLocalDpi xmlns:a14="http://schemas.microsoft.com/office/drawing/2010/main" val="0"/>
+              </a:ext>
+            </a:extLst>
+          </a:blip>
+          <a:stretch>
+            <a:fillRect/>
+          </a:stretch>
+        </p:blipFill>
+        <p:spPr>
+          <a:xfrm>
+            <a:off x="9117017" y="5859463"/>
+            <a:ext cx="2884483" cy="974293"/>
+          </a:xfrm>
+          <a:prstGeom prst="rect">
+            <a:avLst/>
+          </a:prstGeom>
+        </p:spPr>
+      </p:pic>
+    </p:spTree>
+    <p:extLst>
+      <p:ext uri="{BB962C8B-B14F-4D97-AF65-F5344CB8AC3E}">
+        <p14:creationId xmlns:p14="http://schemas.microsoft.com/office/powerpoint/2010/main" val="523071390"/>
+      </p:ext>
+    </p:extLst>
+  </p:cSld>
+  <p:clrMapOvr>
+    <a:masterClrMapping/>
+  </p:clrMapOvr>
+  <mc:AlternateContent xmlns:mc="http://schemas.openxmlformats.org/markup-compatibility/2006" xmlns:p14="http://schemas.microsoft.com/office/powerpoint/2010/main">
+    <mc:Choice Requires="p14">
+      <p:transition spd="slow" p14:dur="2000"/>
+    </mc:Choice>
+    <mc:Fallback xmlns="">
+      <p:transition spd="slow"/>
+    </mc:Fallback>
+  </mc:AlternateContent>
+  <p:timing>
+    <p:tnLst>
+      <p:par>
+        <p:cTn id="1" dur="indefinite" restart="never" nodeType="tmRoot"/>
+      </p:par>
+    </p:tnLst>
+  </p:timing>
+</p:sld>
+</file>
+
+<file path=ppt/slides/slide20.xml><?xml version="1.0" encoding="utf-8"?>
+<p:sld xmlns:a="http://schemas.openxmlformats.org/drawingml/2006/main" xmlns:r="http://schemas.openxmlformats.org/officeDocument/2006/relationships" xmlns:p="http://schemas.openxmlformats.org/presentationml/2006/main">
+  <p:cSld>
+    <p:spTree>
+      <p:nvGrpSpPr>
+        <p:cNvPr id="1" name=""/>
+        <p:cNvGrpSpPr/>
+        <p:nvPr/>
+      </p:nvGrpSpPr>
+      <p:grpSpPr>
+        <a:xfrm>
+          <a:off x="0" y="0"/>
+          <a:ext cx="0" cy="0"/>
+          <a:chOff x="0" y="0"/>
+          <a:chExt cx="0" cy="0"/>
+        </a:xfrm>
+      </p:grpSpPr>
+      <p:sp>
+        <p:nvSpPr>
+          <p:cNvPr id="2" name="Title 1"/>
+          <p:cNvSpPr>
+            <a:spLocks noGrp="1"/>
+          </p:cNvSpPr>
+          <p:nvPr>
+            <p:ph type="title"/>
+          </p:nvPr>
+        </p:nvSpPr>
+        <p:spPr>
+          <a:xfrm>
             <a:off x="203200" y="276225"/>
             <a:ext cx="9252527" cy="638175"/>
           </a:xfrm>
@@ -6843,7 +6826,17 @@
                 <a:latin typeface="Source Sans Pro" panose="020B0503030403020204" pitchFamily="34" charset="0"/>
                 <a:ea typeface="Source Sans Pro" panose="020B0503030403020204" pitchFamily="34" charset="0"/>
               </a:rPr>
-              <a:t>Reading Files with Pandas is Easy</a:t>
+              <a:t>A few ways to create a </a:t>
+            </a:r>
+            <a:r>
+              <a:rPr lang="en-US" sz="3200" b="1" dirty="0" err="1" smtClean="0">
+                <a:solidFill>
+                  <a:srgbClr val="366E9C"/>
+                </a:solidFill>
+                <a:latin typeface="Source Sans Pro" panose="020B0503030403020204" pitchFamily="34" charset="0"/>
+                <a:ea typeface="Source Sans Pro" panose="020B0503030403020204" pitchFamily="34" charset="0"/>
+              </a:rPr>
+              <a:t>DataFrame</a:t>
             </a:r>
             <a:endParaRPr lang="en-US" sz="3200" b="1" dirty="0">
               <a:latin typeface="Source Sans Pro" panose="020B0503030403020204" pitchFamily="34" charset="0"/>
@@ -6874,15 +6867,178 @@
           </a:bodyPr>
           <a:lstStyle/>
           <a:p>
-            <a:r>
-              <a:rPr lang="en-US" sz="2400" dirty="0" smtClean="0">
-                <a:latin typeface="Source Sans Pro" panose="020B0503030403020204" pitchFamily="34" charset="0"/>
-                <a:ea typeface="Source Sans Pro" panose="020B0503030403020204" pitchFamily="34" charset="0"/>
-              </a:rPr>
-              <a:t>Another reason for using pandas is the ease with which it brings data into python</a:t>
-            </a:r>
-          </a:p>
-          <a:p>
+            <a:endParaRPr lang="en-US" sz="2400" dirty="0" smtClean="0">
+              <a:latin typeface="Source Sans Pro" panose="020B0503030403020204" pitchFamily="34" charset="0"/>
+              <a:ea typeface="Source Sans Pro" panose="020B0503030403020204" pitchFamily="34" charset="0"/>
+            </a:endParaRPr>
+          </a:p>
+          <a:p>
+            <a:pPr marL="0" indent="0">
+              <a:buNone/>
+            </a:pPr>
+            <a:r>
+              <a:rPr lang="en-US" sz="2400" dirty="0">
+                <a:latin typeface="Source Sans Pro" panose="020B0503030403020204" pitchFamily="34" charset="0"/>
+                <a:ea typeface="Source Sans Pro" panose="020B0503030403020204" pitchFamily="34" charset="0"/>
+              </a:rPr>
+              <a:t> </a:t>
+            </a:r>
+            <a:r>
+              <a:rPr lang="en-US" sz="2400" dirty="0" smtClean="0">
+                <a:latin typeface="Source Sans Pro" panose="020B0503030403020204" pitchFamily="34" charset="0"/>
+                <a:ea typeface="Source Sans Pro" panose="020B0503030403020204" pitchFamily="34" charset="0"/>
+              </a:rPr>
+              <a:t> </a:t>
+            </a:r>
+            <a:r>
+              <a:rPr lang="en-US" sz="2400" dirty="0" err="1" smtClean="0">
+                <a:latin typeface="Source Sans Pro" panose="020B0503030403020204" pitchFamily="34" charset="0"/>
+                <a:ea typeface="Source Sans Pro" panose="020B0503030403020204" pitchFamily="34" charset="0"/>
+              </a:rPr>
+              <a:t>fake_data</a:t>
+            </a:r>
+            <a:r>
+              <a:rPr lang="en-US" sz="2400" dirty="0" smtClean="0">
+                <a:latin typeface="Source Sans Pro" panose="020B0503030403020204" pitchFamily="34" charset="0"/>
+                <a:ea typeface="Source Sans Pro" panose="020B0503030403020204" pitchFamily="34" charset="0"/>
+              </a:rPr>
+              <a:t> = </a:t>
+            </a:r>
+            <a:r>
+              <a:rPr lang="en-US" sz="2400" dirty="0" err="1" smtClean="0">
+                <a:latin typeface="Source Sans Pro" panose="020B0503030403020204" pitchFamily="34" charset="0"/>
+                <a:ea typeface="Source Sans Pro" panose="020B0503030403020204" pitchFamily="34" charset="0"/>
+              </a:rPr>
+              <a:t>np.array</a:t>
+            </a:r>
+            <a:r>
+              <a:rPr lang="en-US" sz="2400" dirty="0" smtClean="0">
+                <a:latin typeface="Source Sans Pro" panose="020B0503030403020204" pitchFamily="34" charset="0"/>
+                <a:ea typeface="Source Sans Pro" panose="020B0503030403020204" pitchFamily="34" charset="0"/>
+              </a:rPr>
+              <a:t> ( [ [ ‘AJ’,  36], [‘Brett’, 29], [‘Jake’, 26], [‘Bob’, 57 ] ] )</a:t>
+            </a:r>
+          </a:p>
+          <a:p>
+            <a:pPr marL="0" indent="0">
+              <a:buNone/>
+            </a:pPr>
+            <a:r>
+              <a:rPr lang="en-US" sz="2400" dirty="0">
+                <a:latin typeface="Source Sans Pro" panose="020B0503030403020204" pitchFamily="34" charset="0"/>
+                <a:ea typeface="Source Sans Pro" panose="020B0503030403020204" pitchFamily="34" charset="0"/>
+              </a:rPr>
+              <a:t> </a:t>
+            </a:r>
+            <a:r>
+              <a:rPr lang="en-US" sz="2400" dirty="0" smtClean="0">
+                <a:latin typeface="Source Sans Pro" panose="020B0503030403020204" pitchFamily="34" charset="0"/>
+                <a:ea typeface="Source Sans Pro" panose="020B0503030403020204" pitchFamily="34" charset="0"/>
+              </a:rPr>
+              <a:t> </a:t>
+            </a:r>
+            <a:r>
+              <a:rPr lang="en-US" sz="2400" dirty="0" err="1" smtClean="0">
+                <a:latin typeface="Source Sans Pro" panose="020B0503030403020204" pitchFamily="34" charset="0"/>
+                <a:ea typeface="Source Sans Pro" panose="020B0503030403020204" pitchFamily="34" charset="0"/>
+              </a:rPr>
+              <a:t>data_set</a:t>
+            </a:r>
+            <a:r>
+              <a:rPr lang="en-US" sz="2400" dirty="0" smtClean="0">
+                <a:latin typeface="Source Sans Pro" panose="020B0503030403020204" pitchFamily="34" charset="0"/>
+                <a:ea typeface="Source Sans Pro" panose="020B0503030403020204" pitchFamily="34" charset="0"/>
+              </a:rPr>
+              <a:t> = </a:t>
+            </a:r>
+            <a:r>
+              <a:rPr lang="en-US" sz="2400" dirty="0" err="1" smtClean="0">
+                <a:latin typeface="Source Sans Pro" panose="020B0503030403020204" pitchFamily="34" charset="0"/>
+                <a:ea typeface="Source Sans Pro" panose="020B0503030403020204" pitchFamily="34" charset="0"/>
+              </a:rPr>
+              <a:t>pd.DataFrame</a:t>
+            </a:r>
+            <a:r>
+              <a:rPr lang="en-US" sz="2400" dirty="0" smtClean="0">
+                <a:latin typeface="Source Sans Pro" panose="020B0503030403020204" pitchFamily="34" charset="0"/>
+                <a:ea typeface="Source Sans Pro" panose="020B0503030403020204" pitchFamily="34" charset="0"/>
+              </a:rPr>
+              <a:t> ( </a:t>
+            </a:r>
+            <a:r>
+              <a:rPr lang="en-US" sz="2400" dirty="0" err="1" smtClean="0">
+                <a:latin typeface="Source Sans Pro" panose="020B0503030403020204" pitchFamily="34" charset="0"/>
+                <a:ea typeface="Source Sans Pro" panose="020B0503030403020204" pitchFamily="34" charset="0"/>
+              </a:rPr>
+              <a:t>fake_data</a:t>
+            </a:r>
+            <a:r>
+              <a:rPr lang="en-US" sz="2400" dirty="0" smtClean="0">
+                <a:latin typeface="Source Sans Pro" panose="020B0503030403020204" pitchFamily="34" charset="0"/>
+                <a:ea typeface="Source Sans Pro" panose="020B0503030403020204" pitchFamily="34" charset="0"/>
+              </a:rPr>
+              <a:t>, columns = [‘Name’, ‘Age’]) </a:t>
+            </a:r>
+            <a:endParaRPr lang="en-US" sz="2000" dirty="0" smtClean="0">
+              <a:latin typeface="Source Sans Pro" panose="020B0503030403020204" pitchFamily="34" charset="0"/>
+              <a:ea typeface="Source Sans Pro" panose="020B0503030403020204" pitchFamily="34" charset="0"/>
+            </a:endParaRPr>
+          </a:p>
+          <a:p>
+            <a:pPr marL="0" indent="0">
+              <a:buNone/>
+            </a:pPr>
+            <a:r>
+              <a:rPr lang="en-US" sz="2400" dirty="0">
+                <a:latin typeface="Source Sans Pro" panose="020B0503030403020204" pitchFamily="34" charset="0"/>
+                <a:ea typeface="Source Sans Pro" panose="020B0503030403020204" pitchFamily="34" charset="0"/>
+              </a:rPr>
+              <a:t> </a:t>
+            </a:r>
+            <a:r>
+              <a:rPr lang="en-US" sz="2400" dirty="0" smtClean="0">
+                <a:latin typeface="Source Sans Pro" panose="020B0503030403020204" pitchFamily="34" charset="0"/>
+                <a:ea typeface="Source Sans Pro" panose="020B0503030403020204" pitchFamily="34" charset="0"/>
+              </a:rPr>
+              <a:t> print </a:t>
+            </a:r>
+            <a:r>
+              <a:rPr lang="en-US" sz="2400" dirty="0" err="1" smtClean="0">
+                <a:latin typeface="Source Sans Pro" panose="020B0503030403020204" pitchFamily="34" charset="0"/>
+                <a:ea typeface="Source Sans Pro" panose="020B0503030403020204" pitchFamily="34" charset="0"/>
+              </a:rPr>
+              <a:t>data_set.Name</a:t>
+            </a:r>
+            <a:endParaRPr lang="en-US" sz="2400" dirty="0" smtClean="0">
+              <a:latin typeface="Source Sans Pro" panose="020B0503030403020204" pitchFamily="34" charset="0"/>
+              <a:ea typeface="Source Sans Pro" panose="020B0503030403020204" pitchFamily="34" charset="0"/>
+            </a:endParaRPr>
+          </a:p>
+          <a:p>
+            <a:pPr marL="0" indent="0">
+              <a:buNone/>
+            </a:pPr>
+            <a:r>
+              <a:rPr lang="en-US" sz="2400" dirty="0">
+                <a:latin typeface="Source Sans Pro" panose="020B0503030403020204" pitchFamily="34" charset="0"/>
+                <a:ea typeface="Source Sans Pro" panose="020B0503030403020204" pitchFamily="34" charset="0"/>
+              </a:rPr>
+              <a:t> </a:t>
+            </a:r>
+            <a:r>
+              <a:rPr lang="en-US" sz="2400" dirty="0" smtClean="0">
+                <a:latin typeface="Source Sans Pro" panose="020B0503030403020204" pitchFamily="34" charset="0"/>
+                <a:ea typeface="Source Sans Pro" panose="020B0503030403020204" pitchFamily="34" charset="0"/>
+              </a:rPr>
+              <a:t> print </a:t>
+            </a:r>
+            <a:r>
+              <a:rPr lang="en-US" sz="2400" dirty="0" err="1" smtClean="0">
+                <a:latin typeface="Source Sans Pro" panose="020B0503030403020204" pitchFamily="34" charset="0"/>
+                <a:ea typeface="Source Sans Pro" panose="020B0503030403020204" pitchFamily="34" charset="0"/>
+              </a:rPr>
+              <a:t>data_set.Age</a:t>
+            </a:r>
             <a:endParaRPr lang="en-US" sz="2400" dirty="0">
               <a:latin typeface="Source Sans Pro" panose="020B0503030403020204" pitchFamily="34" charset="0"/>
               <a:ea typeface="Source Sans Pro" panose="020B0503030403020204" pitchFamily="34" charset="0"/>
@@ -6893,6 +7049,25 @@
               <a:buNone/>
             </a:pPr>
             <a:r>
+              <a:rPr lang="en-US" sz="2400" dirty="0" smtClean="0">
+                <a:latin typeface="Source Sans Pro" panose="020B0503030403020204" pitchFamily="34" charset="0"/>
+                <a:ea typeface="Source Sans Pro" panose="020B0503030403020204" pitchFamily="34" charset="0"/>
+              </a:rPr>
+              <a:t>  </a:t>
+            </a:r>
+            <a:r>
+              <a:rPr lang="en-US" sz="2400" b="1" dirty="0" smtClean="0">
+                <a:latin typeface="Source Sans Pro" panose="020B0503030403020204" pitchFamily="34" charset="0"/>
+                <a:ea typeface="Source Sans Pro" panose="020B0503030403020204" pitchFamily="34" charset="0"/>
+              </a:rPr>
+              <a:t>Or</a:t>
+            </a:r>
+          </a:p>
+          <a:p>
+            <a:pPr marL="0" indent="0">
+              <a:buNone/>
+            </a:pPr>
+            <a:r>
               <a:rPr lang="en-US" sz="2400" dirty="0">
                 <a:latin typeface="Source Sans Pro" panose="020B0503030403020204" pitchFamily="34" charset="0"/>
                 <a:ea typeface="Source Sans Pro" panose="020B0503030403020204" pitchFamily="34" charset="0"/>
@@ -6904,71 +7079,45 @@
                 <a:latin typeface="Source Sans Pro" panose="020B0503030403020204" pitchFamily="34" charset="0"/>
                 <a:ea typeface="Source Sans Pro" panose="020B0503030403020204" pitchFamily="34" charset="0"/>
               </a:rPr>
-              <a:t>  </a:t>
+              <a:t> </a:t>
             </a:r>
             <a:r>
               <a:rPr lang="en-US" sz="2400" dirty="0" err="1" smtClean="0">
                 <a:latin typeface="Source Sans Pro" panose="020B0503030403020204" pitchFamily="34" charset="0"/>
                 <a:ea typeface="Source Sans Pro" panose="020B0503030403020204" pitchFamily="34" charset="0"/>
               </a:rPr>
-              <a:t>pd.read_csv</a:t>
-            </a:r>
-            <a:r>
-              <a:rPr lang="en-US" sz="2400" dirty="0" smtClean="0">
-                <a:latin typeface="Source Sans Pro" panose="020B0503030403020204" pitchFamily="34" charset="0"/>
-                <a:ea typeface="Source Sans Pro" panose="020B0503030403020204" pitchFamily="34" charset="0"/>
-              </a:rPr>
-              <a:t> (</a:t>
+              <a:t>fake_data</a:t>
+            </a:r>
+            <a:r>
+              <a:rPr lang="en-US" sz="2400" dirty="0" smtClean="0">
+                <a:latin typeface="Source Sans Pro" panose="020B0503030403020204" pitchFamily="34" charset="0"/>
+                <a:ea typeface="Source Sans Pro" panose="020B0503030403020204" pitchFamily="34" charset="0"/>
+              </a:rPr>
+              <a:t> = {‘Names’ : [‘AJ’, ‘Brett’, ‘Jake’, ‘Bob’], ‘Age’ : [36, 29, 26, 57] }</a:t>
+            </a:r>
+            <a:endParaRPr lang="en-US" sz="2000" dirty="0" smtClean="0">
+              <a:latin typeface="Source Sans Pro" panose="020B0503030403020204" pitchFamily="34" charset="0"/>
+              <a:ea typeface="Source Sans Pro" panose="020B0503030403020204" pitchFamily="34" charset="0"/>
+            </a:endParaRPr>
+          </a:p>
+          <a:p>
+            <a:pPr marL="0" indent="0">
+              <a:buNone/>
+            </a:pPr>
+            <a:r>
+              <a:rPr lang="en-US" sz="2400" dirty="0" smtClean="0">
+                <a:latin typeface="Source Sans Pro" panose="020B0503030403020204" pitchFamily="34" charset="0"/>
+                <a:ea typeface="Source Sans Pro" panose="020B0503030403020204" pitchFamily="34" charset="0"/>
+              </a:rPr>
+              <a:t>  print </a:t>
             </a:r>
             <a:r>
               <a:rPr lang="en-US" sz="2400" dirty="0" err="1" smtClean="0">
                 <a:latin typeface="Source Sans Pro" panose="020B0503030403020204" pitchFamily="34" charset="0"/>
                 <a:ea typeface="Source Sans Pro" panose="020B0503030403020204" pitchFamily="34" charset="0"/>
               </a:rPr>
-              <a:t>some_file</a:t>
-            </a:r>
-            <a:r>
-              <a:rPr lang="en-US" sz="2400" dirty="0" smtClean="0">
-                <a:latin typeface="Source Sans Pro" panose="020B0503030403020204" pitchFamily="34" charset="0"/>
-                <a:ea typeface="Source Sans Pro" panose="020B0503030403020204" pitchFamily="34" charset="0"/>
-              </a:rPr>
-              <a:t>)</a:t>
-            </a:r>
-          </a:p>
-          <a:p>
-            <a:pPr marL="0" indent="0">
-              <a:buNone/>
-            </a:pPr>
-            <a:endParaRPr lang="en-US" sz="2400" dirty="0">
-              <a:latin typeface="Source Sans Pro" panose="020B0503030403020204" pitchFamily="34" charset="0"/>
-              <a:ea typeface="Source Sans Pro" panose="020B0503030403020204" pitchFamily="34" charset="0"/>
-            </a:endParaRPr>
-          </a:p>
-          <a:p>
-            <a:pPr marL="0" indent="0">
-              <a:buNone/>
-            </a:pPr>
-            <a:endParaRPr lang="en-US" sz="2400" dirty="0" smtClean="0">
-              <a:latin typeface="Source Sans Pro" panose="020B0503030403020204" pitchFamily="34" charset="0"/>
-              <a:ea typeface="Source Sans Pro" panose="020B0503030403020204" pitchFamily="34" charset="0"/>
-            </a:endParaRPr>
-          </a:p>
-          <a:p>
-            <a:r>
-              <a:rPr lang="en-US" sz="2400" dirty="0" smtClean="0">
-                <a:latin typeface="Source Sans Pro" panose="020B0503030403020204" pitchFamily="34" charset="0"/>
-                <a:ea typeface="Source Sans Pro" panose="020B0503030403020204" pitchFamily="34" charset="0"/>
-              </a:rPr>
-              <a:t>This function can take in many arguments to customize its behavior, but it generally works well without any modifications</a:t>
-            </a:r>
-          </a:p>
-          <a:p>
-            <a:endParaRPr lang="en-US" sz="2400" dirty="0" smtClean="0">
-              <a:latin typeface="Source Sans Pro" panose="020B0503030403020204" pitchFamily="34" charset="0"/>
-              <a:ea typeface="Source Sans Pro" panose="020B0503030403020204" pitchFamily="34" charset="0"/>
-            </a:endParaRPr>
-          </a:p>
-          <a:p>
+              <a:t>data_set.Names</a:t>
+            </a:r>
             <a:endParaRPr lang="en-US" sz="2400" dirty="0">
               <a:latin typeface="Source Sans Pro" panose="020B0503030403020204" pitchFamily="34" charset="0"/>
               <a:ea typeface="Source Sans Pro" panose="020B0503030403020204" pitchFamily="34" charset="0"/>
@@ -6981,6 +7130,20 @@
               </a:spcBef>
               <a:buNone/>
             </a:pPr>
+            <a:r>
+              <a:rPr lang="en-US" sz="2400" dirty="0" smtClean="0">
+                <a:latin typeface="Source Sans Pro" panose="020B0503030403020204" pitchFamily="34" charset="0"/>
+                <a:ea typeface="Source Sans Pro" panose="020B0503030403020204" pitchFamily="34" charset="0"/>
+              </a:rPr>
+              <a:t>  print </a:t>
+            </a:r>
+            <a:r>
+              <a:rPr lang="en-US" sz="2400" dirty="0" err="1" smtClean="0">
+                <a:latin typeface="Source Sans Pro" panose="020B0503030403020204" pitchFamily="34" charset="0"/>
+                <a:ea typeface="Source Sans Pro" panose="020B0503030403020204" pitchFamily="34" charset="0"/>
+              </a:rPr>
+              <a:t>data_set.Age</a:t>
+            </a:r>
             <a:endParaRPr lang="en-US" sz="2400" dirty="0" smtClean="0">
               <a:latin typeface="Source Sans Pro" panose="020B0503030403020204" pitchFamily="34" charset="0"/>
               <a:ea typeface="Source Sans Pro" panose="020B0503030403020204" pitchFamily="34" charset="0"/>
@@ -7084,18 +7247,18 @@
     </p:spTree>
     <p:extLst>
       <p:ext uri="{BB962C8B-B14F-4D97-AF65-F5344CB8AC3E}">
-        <p14:creationId xmlns:p14="http://schemas.microsoft.com/office/powerpoint/2010/main" val="358328744"/>
+        <p14:creationId xmlns:p14="http://schemas.microsoft.com/office/powerpoint/2010/main" val="2661890598"/>
       </p:ext>
     </p:extLst>
   </p:cSld>
   <p:clrMapOvr>
     <a:masterClrMapping/>
   </p:clrMapOvr>
-  <mc:AlternateContent xmlns:mc="http://schemas.openxmlformats.org/markup-compatibility/2006">
-    <mc:Choice xmlns:p14="http://schemas.microsoft.com/office/powerpoint/2010/main" Requires="p14">
+  <mc:AlternateContent xmlns:mc="http://schemas.openxmlformats.org/markup-compatibility/2006" xmlns:p14="http://schemas.microsoft.com/office/powerpoint/2010/main">
+    <mc:Choice Requires="p14">
       <p:transition spd="slow" p14:dur="2000"/>
     </mc:Choice>
-    <mc:Fallback>
+    <mc:Fallback xmlns="">
       <p:transition spd="slow"/>
     </mc:Fallback>
   </mc:AlternateContent>
@@ -7109,7 +7272,7 @@
 </p:sld>
 </file>
 
-<file path=ppt/slides/slide2.xml><?xml version="1.0" encoding="utf-8"?>
+<file path=ppt/slides/slide21.xml><?xml version="1.0" encoding="utf-8"?>
 <p:sld xmlns:a="http://schemas.openxmlformats.org/drawingml/2006/main" xmlns:r="http://schemas.openxmlformats.org/officeDocument/2006/relationships" xmlns:p="http://schemas.openxmlformats.org/presentationml/2006/main">
   <p:cSld>
     <p:spTree>
@@ -7138,170 +7301,6 @@
         </p:nvSpPr>
         <p:spPr>
           <a:xfrm>
-            <a:off x="901700" y="2282825"/>
-            <a:ext cx="10515600" cy="638175"/>
-          </a:xfrm>
-        </p:spPr>
-        <p:txBody>
-          <a:bodyPr>
-            <a:noAutofit/>
-          </a:bodyPr>
-          <a:lstStyle/>
-          <a:p>
-            <a:pPr algn="ctr"/>
-            <a:r>
-              <a:rPr lang="en-US" sz="3600" b="1" dirty="0" smtClean="0">
-                <a:solidFill>
-                  <a:srgbClr val="366E9C"/>
-                </a:solidFill>
-                <a:latin typeface="Source Sans Pro" panose="020B0503030403020204" pitchFamily="34" charset="0"/>
-                <a:ea typeface="Source Sans Pro" panose="020B0503030403020204" pitchFamily="34" charset="0"/>
-              </a:rPr>
-              <a:t>Libraries in Python</a:t>
-            </a:r>
-            <a:br>
-              <a:rPr lang="en-US" sz="3600" b="1" dirty="0" smtClean="0">
-                <a:solidFill>
-                  <a:srgbClr val="366E9C"/>
-                </a:solidFill>
-                <a:latin typeface="Source Sans Pro" panose="020B0503030403020204" pitchFamily="34" charset="0"/>
-                <a:ea typeface="Source Sans Pro" panose="020B0503030403020204" pitchFamily="34" charset="0"/>
-              </a:rPr>
-            </a:br>
-            <a:r>
-              <a:rPr lang="en-US" sz="3600" b="1" dirty="0" smtClean="0">
-                <a:solidFill>
-                  <a:srgbClr val="366E9C"/>
-                </a:solidFill>
-                <a:latin typeface="Source Sans Pro" panose="020B0503030403020204" pitchFamily="34" charset="0"/>
-                <a:ea typeface="Source Sans Pro" panose="020B0503030403020204" pitchFamily="34" charset="0"/>
-              </a:rPr>
-              <a:t>Introducing </a:t>
-            </a:r>
-            <a:r>
-              <a:rPr lang="en-US" sz="3600" b="1" dirty="0" err="1" smtClean="0">
-                <a:solidFill>
-                  <a:srgbClr val="366E9C"/>
-                </a:solidFill>
-                <a:latin typeface="Source Sans Pro" panose="020B0503030403020204" pitchFamily="34" charset="0"/>
-                <a:ea typeface="Source Sans Pro" panose="020B0503030403020204" pitchFamily="34" charset="0"/>
-              </a:rPr>
-              <a:t>numpy</a:t>
-            </a:r>
-            <a:r>
-              <a:rPr lang="en-US" sz="3600" b="1" dirty="0" smtClean="0">
-                <a:solidFill>
-                  <a:srgbClr val="366E9C"/>
-                </a:solidFill>
-                <a:latin typeface="Source Sans Pro" panose="020B0503030403020204" pitchFamily="34" charset="0"/>
-                <a:ea typeface="Source Sans Pro" panose="020B0503030403020204" pitchFamily="34" charset="0"/>
-              </a:rPr>
-              <a:t>, pandas, </a:t>
-            </a:r>
-            <a:r>
-              <a:rPr lang="en-US" sz="3600" b="1" dirty="0" err="1" smtClean="0">
-                <a:solidFill>
-                  <a:srgbClr val="366E9C"/>
-                </a:solidFill>
-                <a:latin typeface="Source Sans Pro" panose="020B0503030403020204" pitchFamily="34" charset="0"/>
-                <a:ea typeface="Source Sans Pro" panose="020B0503030403020204" pitchFamily="34" charset="0"/>
-              </a:rPr>
-              <a:t>matplotlib</a:t>
-            </a:r>
-            <a:endParaRPr lang="en-US" sz="3600" b="1" dirty="0">
-              <a:latin typeface="Source Sans Pro" panose="020B0503030403020204" pitchFamily="34" charset="0"/>
-              <a:ea typeface="Source Sans Pro" panose="020B0503030403020204" pitchFamily="34" charset="0"/>
-            </a:endParaRPr>
-          </a:p>
-        </p:txBody>
-      </p:sp>
-      <p:pic>
-        <p:nvPicPr>
-          <p:cNvPr id="6" name="Picture 5"/>
-          <p:cNvPicPr>
-            <a:picLocks noChangeAspect="1"/>
-          </p:cNvPicPr>
-          <p:nvPr/>
-        </p:nvPicPr>
-        <p:blipFill>
-          <a:blip r:embed="rId2">
-            <a:extLst>
-              <a:ext uri="{28A0092B-C50C-407E-A947-70E740481C1C}">
-                <a14:useLocalDpi xmlns:a14="http://schemas.microsoft.com/office/drawing/2010/main" val="0"/>
-              </a:ext>
-            </a:extLst>
-          </a:blip>
-          <a:stretch>
-            <a:fillRect/>
-          </a:stretch>
-        </p:blipFill>
-        <p:spPr>
-          <a:xfrm>
-            <a:off x="9117017" y="5859463"/>
-            <a:ext cx="2884483" cy="974293"/>
-          </a:xfrm>
-          <a:prstGeom prst="rect">
-            <a:avLst/>
-          </a:prstGeom>
-        </p:spPr>
-      </p:pic>
-    </p:spTree>
-    <p:extLst>
-      <p:ext uri="{BB962C8B-B14F-4D97-AF65-F5344CB8AC3E}">
-        <p14:creationId xmlns:p14="http://schemas.microsoft.com/office/powerpoint/2010/main" val="523071390"/>
-      </p:ext>
-    </p:extLst>
-  </p:cSld>
-  <p:clrMapOvr>
-    <a:masterClrMapping/>
-  </p:clrMapOvr>
-  <mc:AlternateContent xmlns:mc="http://schemas.openxmlformats.org/markup-compatibility/2006">
-    <mc:Choice xmlns:p14="http://schemas.microsoft.com/office/powerpoint/2010/main" Requires="p14">
-      <p:transition spd="slow" p14:dur="2000"/>
-    </mc:Choice>
-    <mc:Fallback>
-      <p:transition spd="slow"/>
-    </mc:Fallback>
-  </mc:AlternateContent>
-  <p:timing>
-    <p:tnLst>
-      <p:par>
-        <p:cTn id="1" dur="indefinite" restart="never" nodeType="tmRoot"/>
-      </p:par>
-    </p:tnLst>
-  </p:timing>
-</p:sld>
-</file>
-
-<file path=ppt/slides/slide3.xml><?xml version="1.0" encoding="utf-8"?>
-<p:sld xmlns:a="http://schemas.openxmlformats.org/drawingml/2006/main" xmlns:r="http://schemas.openxmlformats.org/officeDocument/2006/relationships" xmlns:p="http://schemas.openxmlformats.org/presentationml/2006/main">
-  <p:cSld>
-    <p:spTree>
-      <p:nvGrpSpPr>
-        <p:cNvPr id="1" name=""/>
-        <p:cNvGrpSpPr/>
-        <p:nvPr/>
-      </p:nvGrpSpPr>
-      <p:grpSpPr>
-        <a:xfrm>
-          <a:off x="0" y="0"/>
-          <a:ext cx="0" cy="0"/>
-          <a:chOff x="0" y="0"/>
-          <a:chExt cx="0" cy="0"/>
-        </a:xfrm>
-      </p:grpSpPr>
-      <p:sp>
-        <p:nvSpPr>
-          <p:cNvPr id="2" name="Title 1"/>
-          <p:cNvSpPr>
-            <a:spLocks noGrp="1"/>
-          </p:cNvSpPr>
-          <p:nvPr>
-            <p:ph type="title"/>
-          </p:nvPr>
-        </p:nvSpPr>
-        <p:spPr>
-          <a:xfrm>
             <a:off x="203200" y="276225"/>
             <a:ext cx="9252527" cy="638175"/>
           </a:xfrm>
@@ -7320,7 +7319,7 @@
                 <a:latin typeface="Source Sans Pro" panose="020B0503030403020204" pitchFamily="34" charset="0"/>
                 <a:ea typeface="Source Sans Pro" panose="020B0503030403020204" pitchFamily="34" charset="0"/>
               </a:rPr>
-              <a:t>Enhancing Python with Libraries</a:t>
+              <a:t>Reading Files with Pandas is Easy</a:t>
             </a:r>
             <a:endParaRPr lang="en-US" sz="3200" b="1" dirty="0">
               <a:latin typeface="Source Sans Pro" panose="020B0503030403020204" pitchFamily="34" charset="0"/>
@@ -7356,43 +7355,90 @@
                 <a:latin typeface="Source Sans Pro" panose="020B0503030403020204" pitchFamily="34" charset="0"/>
                 <a:ea typeface="Source Sans Pro" panose="020B0503030403020204" pitchFamily="34" charset="0"/>
               </a:rPr>
-              <a:t>Out of the box there are many functions available to you in Python</a:t>
-            </a:r>
-          </a:p>
-          <a:p>
+              <a:t>Another reason for using pandas is the ease with which it brings data into python</a:t>
+            </a:r>
+          </a:p>
+          <a:p>
+            <a:endParaRPr lang="en-US" sz="2400" dirty="0">
+              <a:latin typeface="Source Sans Pro" panose="020B0503030403020204" pitchFamily="34" charset="0"/>
+              <a:ea typeface="Source Sans Pro" panose="020B0503030403020204" pitchFamily="34" charset="0"/>
+            </a:endParaRPr>
+          </a:p>
+          <a:p>
+            <a:pPr marL="0" indent="0">
+              <a:buNone/>
+            </a:pPr>
+            <a:r>
+              <a:rPr lang="en-US" sz="2400" dirty="0">
+                <a:latin typeface="Source Sans Pro" panose="020B0503030403020204" pitchFamily="34" charset="0"/>
+                <a:ea typeface="Source Sans Pro" panose="020B0503030403020204" pitchFamily="34" charset="0"/>
+              </a:rPr>
+              <a:t> </a:t>
+            </a:r>
+            <a:r>
+              <a:rPr lang="en-US" sz="2400" dirty="0" smtClean="0">
+                <a:latin typeface="Source Sans Pro" panose="020B0503030403020204" pitchFamily="34" charset="0"/>
+                <a:ea typeface="Source Sans Pro" panose="020B0503030403020204" pitchFamily="34" charset="0"/>
+              </a:rPr>
+              <a:t>  </a:t>
+            </a:r>
+            <a:r>
+              <a:rPr lang="en-US" sz="2400" dirty="0" err="1" smtClean="0">
+                <a:latin typeface="Source Sans Pro" panose="020B0503030403020204" pitchFamily="34" charset="0"/>
+                <a:ea typeface="Source Sans Pro" panose="020B0503030403020204" pitchFamily="34" charset="0"/>
+              </a:rPr>
+              <a:t>pd.read_csv</a:t>
+            </a:r>
+            <a:r>
+              <a:rPr lang="en-US" sz="2400" dirty="0" smtClean="0">
+                <a:latin typeface="Source Sans Pro" panose="020B0503030403020204" pitchFamily="34" charset="0"/>
+                <a:ea typeface="Source Sans Pro" panose="020B0503030403020204" pitchFamily="34" charset="0"/>
+              </a:rPr>
+              <a:t> (</a:t>
+            </a:r>
+            <a:r>
+              <a:rPr lang="en-US" sz="2400" dirty="0" err="1" smtClean="0">
+                <a:latin typeface="Source Sans Pro" panose="020B0503030403020204" pitchFamily="34" charset="0"/>
+                <a:ea typeface="Source Sans Pro" panose="020B0503030403020204" pitchFamily="34" charset="0"/>
+              </a:rPr>
+              <a:t>some_file</a:t>
+            </a:r>
+            <a:r>
+              <a:rPr lang="en-US" sz="2400" dirty="0" smtClean="0">
+                <a:latin typeface="Source Sans Pro" panose="020B0503030403020204" pitchFamily="34" charset="0"/>
+                <a:ea typeface="Source Sans Pro" panose="020B0503030403020204" pitchFamily="34" charset="0"/>
+              </a:rPr>
+              <a:t>)</a:t>
+            </a:r>
+          </a:p>
+          <a:p>
+            <a:pPr marL="0" indent="0">
+              <a:buNone/>
+            </a:pPr>
+            <a:endParaRPr lang="en-US" sz="2400" dirty="0">
+              <a:latin typeface="Source Sans Pro" panose="020B0503030403020204" pitchFamily="34" charset="0"/>
+              <a:ea typeface="Source Sans Pro" panose="020B0503030403020204" pitchFamily="34" charset="0"/>
+            </a:endParaRPr>
+          </a:p>
+          <a:p>
+            <a:pPr marL="0" indent="0">
+              <a:buNone/>
+            </a:pPr>
             <a:endParaRPr lang="en-US" sz="2400" dirty="0" smtClean="0">
               <a:latin typeface="Source Sans Pro" panose="020B0503030403020204" pitchFamily="34" charset="0"/>
               <a:ea typeface="Source Sans Pro" panose="020B0503030403020204" pitchFamily="34" charset="0"/>
             </a:endParaRPr>
           </a:p>
           <a:p>
-            <a:pPr marL="0" indent="0">
-              <a:buNone/>
-            </a:pPr>
-            <a:endParaRPr lang="en-US" sz="2400" dirty="0">
-              <a:latin typeface="Source Sans Pro" panose="020B0503030403020204" pitchFamily="34" charset="0"/>
-              <a:ea typeface="Source Sans Pro" panose="020B0503030403020204" pitchFamily="34" charset="0"/>
-            </a:endParaRPr>
-          </a:p>
-          <a:p>
-            <a:r>
-              <a:rPr lang="en-US" sz="2400" dirty="0" smtClean="0">
-                <a:latin typeface="Source Sans Pro" panose="020B0503030403020204" pitchFamily="34" charset="0"/>
-                <a:ea typeface="Source Sans Pro" panose="020B0503030403020204" pitchFamily="34" charset="0"/>
-              </a:rPr>
-              <a:t>But you are not limited to the ‘out of the box’ version of Python and there are entire libraries of functions that are available to use within Python</a:t>
-            </a:r>
-          </a:p>
-          <a:p>
-            <a:endParaRPr lang="en-US" sz="2400" dirty="0">
-              <a:latin typeface="Source Sans Pro" panose="020B0503030403020204" pitchFamily="34" charset="0"/>
-              <a:ea typeface="Source Sans Pro" panose="020B0503030403020204" pitchFamily="34" charset="0"/>
-            </a:endParaRPr>
-          </a:p>
-          <a:p>
-            <a:pPr marL="0" indent="0">
-              <a:buNone/>
-            </a:pPr>
+            <a:r>
+              <a:rPr lang="en-US" sz="2400" dirty="0" smtClean="0">
+                <a:latin typeface="Source Sans Pro" panose="020B0503030403020204" pitchFamily="34" charset="0"/>
+                <a:ea typeface="Source Sans Pro" panose="020B0503030403020204" pitchFamily="34" charset="0"/>
+              </a:rPr>
+              <a:t>This function can take in many arguments to customize its behavior, but it generally works well without any modifications</a:t>
+            </a:r>
+          </a:p>
+          <a:p>
             <a:endParaRPr lang="en-US" sz="2400" dirty="0" smtClean="0">
               <a:latin typeface="Source Sans Pro" panose="020B0503030403020204" pitchFamily="34" charset="0"/>
               <a:ea typeface="Source Sans Pro" panose="020B0503030403020204" pitchFamily="34" charset="0"/>
@@ -7514,18 +7560,18 @@
     </p:spTree>
     <p:extLst>
       <p:ext uri="{BB962C8B-B14F-4D97-AF65-F5344CB8AC3E}">
-        <p14:creationId xmlns:p14="http://schemas.microsoft.com/office/powerpoint/2010/main" val="4118021079"/>
+        <p14:creationId xmlns:p14="http://schemas.microsoft.com/office/powerpoint/2010/main" val="358328744"/>
       </p:ext>
     </p:extLst>
   </p:cSld>
   <p:clrMapOvr>
     <a:masterClrMapping/>
   </p:clrMapOvr>
-  <mc:AlternateContent xmlns:mc="http://schemas.openxmlformats.org/markup-compatibility/2006">
-    <mc:Choice xmlns:p14="http://schemas.microsoft.com/office/powerpoint/2010/main" Requires="p14">
+  <mc:AlternateContent xmlns:mc="http://schemas.openxmlformats.org/markup-compatibility/2006" xmlns:p14="http://schemas.microsoft.com/office/powerpoint/2010/main">
+    <mc:Choice Requires="p14">
       <p:transition spd="slow" p14:dur="2000"/>
     </mc:Choice>
-    <mc:Fallback>
+    <mc:Fallback xmlns="">
       <p:transition spd="slow"/>
     </mc:Fallback>
   </mc:AlternateContent>
@@ -7539,7 +7585,7 @@
 </p:sld>
 </file>
 
-<file path=ppt/slides/slide4.xml><?xml version="1.0" encoding="utf-8"?>
+<file path=ppt/slides/slide3.xml><?xml version="1.0" encoding="utf-8"?>
 <p:sld xmlns:a="http://schemas.openxmlformats.org/drawingml/2006/main" xmlns:r="http://schemas.openxmlformats.org/officeDocument/2006/relationships" xmlns:p="http://schemas.openxmlformats.org/presentationml/2006/main">
   <p:cSld>
     <p:spTree>
@@ -7586,7 +7632,7 @@
                 <a:latin typeface="Source Sans Pro" panose="020B0503030403020204" pitchFamily="34" charset="0"/>
                 <a:ea typeface="Source Sans Pro" panose="020B0503030403020204" pitchFamily="34" charset="0"/>
               </a:rPr>
-              <a:t>Python’s Standard Library</a:t>
+              <a:t>Enhancing Python with Libraries</a:t>
             </a:r>
             <a:endParaRPr lang="en-US" sz="3200" b="1" dirty="0">
               <a:latin typeface="Source Sans Pro" panose="020B0503030403020204" pitchFamily="34" charset="0"/>
@@ -7622,7 +7668,7 @@
                 <a:latin typeface="Source Sans Pro" panose="020B0503030403020204" pitchFamily="34" charset="0"/>
                 <a:ea typeface="Source Sans Pro" panose="020B0503030403020204" pitchFamily="34" charset="0"/>
               </a:rPr>
-              <a:t>Python’s standard library is very extensive</a:t>
+              <a:t>Out of the box there are many functions available to you in Python</a:t>
             </a:r>
           </a:p>
           <a:p>
@@ -7632,15 +7678,9 @@
             </a:endParaRPr>
           </a:p>
           <a:p>
-            <a:r>
-              <a:rPr lang="en-US" sz="2400" dirty="0" smtClean="0">
-                <a:latin typeface="Source Sans Pro" panose="020B0503030403020204" pitchFamily="34" charset="0"/>
-                <a:ea typeface="Source Sans Pro" panose="020B0503030403020204" pitchFamily="34" charset="0"/>
-              </a:rPr>
-              <a:t>The standard library provide access to functionality such as I/O that would otherwise be inaccessible to Python programmers</a:t>
-            </a:r>
-          </a:p>
-          <a:p>
+            <a:pPr marL="0" indent="0">
+              <a:buNone/>
+            </a:pPr>
             <a:endParaRPr lang="en-US" sz="2400" dirty="0">
               <a:latin typeface="Source Sans Pro" panose="020B0503030403020204" pitchFamily="34" charset="0"/>
               <a:ea typeface="Source Sans Pro" panose="020B0503030403020204" pitchFamily="34" charset="0"/>
@@ -7652,32 +7692,8 @@
                 <a:latin typeface="Source Sans Pro" panose="020B0503030403020204" pitchFamily="34" charset="0"/>
                 <a:ea typeface="Source Sans Pro" panose="020B0503030403020204" pitchFamily="34" charset="0"/>
               </a:rPr>
-              <a:t>Additionally it provides standardized solutions to many problems that occur in programming</a:t>
-            </a:r>
-          </a:p>
-          <a:p>
-            <a:endParaRPr lang="en-US" sz="2400" dirty="0">
-              <a:latin typeface="Source Sans Pro" panose="020B0503030403020204" pitchFamily="34" charset="0"/>
-              <a:ea typeface="Source Sans Pro" panose="020B0503030403020204" pitchFamily="34" charset="0"/>
-            </a:endParaRPr>
-          </a:p>
-          <a:p>
-            <a:r>
-              <a:rPr lang="en-US" sz="2400" dirty="0" smtClean="0">
-                <a:latin typeface="Source Sans Pro" panose="020B0503030403020204" pitchFamily="34" charset="0"/>
-                <a:ea typeface="Source Sans Pro" panose="020B0503030403020204" pitchFamily="34" charset="0"/>
-              </a:rPr>
-              <a:t>Often in Python it’s worth checking to see if someone has done it before you reinvent the wheel</a:t>
-            </a:r>
-          </a:p>
-          <a:p>
-            <a:pPr marL="0" indent="0">
-              <a:buNone/>
-            </a:pPr>
-            <a:endParaRPr lang="en-US" sz="2400" dirty="0">
-              <a:latin typeface="Source Sans Pro" panose="020B0503030403020204" pitchFamily="34" charset="0"/>
-              <a:ea typeface="Source Sans Pro" panose="020B0503030403020204" pitchFamily="34" charset="0"/>
-            </a:endParaRPr>
+              <a:t>But you are not limited to the ‘out of the box’ version of Python and there are entire libraries of functions that are available to use within Python</a:t>
+            </a:r>
           </a:p>
           <a:p>
             <a:endParaRPr lang="en-US" sz="2400" dirty="0">
@@ -7810,18 +7826,18 @@
     </p:spTree>
     <p:extLst>
       <p:ext uri="{BB962C8B-B14F-4D97-AF65-F5344CB8AC3E}">
-        <p14:creationId xmlns:p14="http://schemas.microsoft.com/office/powerpoint/2010/main" val="2057763599"/>
+        <p14:creationId xmlns:p14="http://schemas.microsoft.com/office/powerpoint/2010/main" val="4118021079"/>
       </p:ext>
     </p:extLst>
   </p:cSld>
   <p:clrMapOvr>
     <a:masterClrMapping/>
   </p:clrMapOvr>
-  <mc:AlternateContent xmlns:mc="http://schemas.openxmlformats.org/markup-compatibility/2006">
-    <mc:Choice xmlns:p14="http://schemas.microsoft.com/office/powerpoint/2010/main" Requires="p14">
+  <mc:AlternateContent xmlns:mc="http://schemas.openxmlformats.org/markup-compatibility/2006" xmlns:p14="http://schemas.microsoft.com/office/powerpoint/2010/main">
+    <mc:Choice Requires="p14">
       <p:transition spd="slow" p14:dur="2000"/>
     </mc:Choice>
-    <mc:Fallback>
+    <mc:Fallback xmlns="">
       <p:transition spd="slow"/>
     </mc:Fallback>
   </mc:AlternateContent>
@@ -7835,7 +7851,7 @@
 </p:sld>
 </file>
 
-<file path=ppt/slides/slide5.xml><?xml version="1.0" encoding="utf-8"?>
+<file path=ppt/slides/slide4.xml><?xml version="1.0" encoding="utf-8"?>
 <p:sld xmlns:a="http://schemas.openxmlformats.org/drawingml/2006/main" xmlns:r="http://schemas.openxmlformats.org/officeDocument/2006/relationships" xmlns:p="http://schemas.openxmlformats.org/presentationml/2006/main">
   <p:cSld>
     <p:spTree>
@@ -7882,7 +7898,7 @@
                 <a:latin typeface="Source Sans Pro" panose="020B0503030403020204" pitchFamily="34" charset="0"/>
                 <a:ea typeface="Source Sans Pro" panose="020B0503030403020204" pitchFamily="34" charset="0"/>
               </a:rPr>
-              <a:t>Common Modules, Packages, Solutions</a:t>
+              <a:t>Python’s Standard Library</a:t>
             </a:r>
             <a:endParaRPr lang="en-US" sz="3200" b="1" dirty="0">
               <a:latin typeface="Source Sans Pro" panose="020B0503030403020204" pitchFamily="34" charset="0"/>
@@ -7913,9 +7929,69 @@
           </a:bodyPr>
           <a:lstStyle/>
           <a:p>
-            <a:pPr marL="0" indent="0">
-              <a:buNone/>
-            </a:pPr>
+            <a:r>
+              <a:rPr lang="en-US" sz="2400" dirty="0" smtClean="0">
+                <a:latin typeface="Source Sans Pro" panose="020B0503030403020204" pitchFamily="34" charset="0"/>
+                <a:ea typeface="Source Sans Pro" panose="020B0503030403020204" pitchFamily="34" charset="0"/>
+              </a:rPr>
+              <a:t>Python’s standard library is very extensive</a:t>
+            </a:r>
+          </a:p>
+          <a:p>
+            <a:endParaRPr lang="en-US" sz="2400" dirty="0" smtClean="0">
+              <a:latin typeface="Source Sans Pro" panose="020B0503030403020204" pitchFamily="34" charset="0"/>
+              <a:ea typeface="Source Sans Pro" panose="020B0503030403020204" pitchFamily="34" charset="0"/>
+            </a:endParaRPr>
+          </a:p>
+          <a:p>
+            <a:r>
+              <a:rPr lang="en-US" sz="2400" dirty="0" smtClean="0">
+                <a:latin typeface="Source Sans Pro" panose="020B0503030403020204" pitchFamily="34" charset="0"/>
+                <a:ea typeface="Source Sans Pro" panose="020B0503030403020204" pitchFamily="34" charset="0"/>
+              </a:rPr>
+              <a:t>The standard library provide access to functionality such as I/O that would otherwise be inaccessible to Python programmers</a:t>
+            </a:r>
+          </a:p>
+          <a:p>
+            <a:endParaRPr lang="en-US" sz="2400" dirty="0">
+              <a:latin typeface="Source Sans Pro" panose="020B0503030403020204" pitchFamily="34" charset="0"/>
+              <a:ea typeface="Source Sans Pro" panose="020B0503030403020204" pitchFamily="34" charset="0"/>
+            </a:endParaRPr>
+          </a:p>
+          <a:p>
+            <a:r>
+              <a:rPr lang="en-US" sz="2400" dirty="0" smtClean="0">
+                <a:latin typeface="Source Sans Pro" panose="020B0503030403020204" pitchFamily="34" charset="0"/>
+                <a:ea typeface="Source Sans Pro" panose="020B0503030403020204" pitchFamily="34" charset="0"/>
+              </a:rPr>
+              <a:t>Additionally it provides standardized solutions to many problems that occur in programming</a:t>
+            </a:r>
+          </a:p>
+          <a:p>
+            <a:endParaRPr lang="en-US" sz="2400" dirty="0">
+              <a:latin typeface="Source Sans Pro" panose="020B0503030403020204" pitchFamily="34" charset="0"/>
+              <a:ea typeface="Source Sans Pro" panose="020B0503030403020204" pitchFamily="34" charset="0"/>
+            </a:endParaRPr>
+          </a:p>
+          <a:p>
+            <a:r>
+              <a:rPr lang="en-US" sz="2400" dirty="0" smtClean="0">
+                <a:latin typeface="Source Sans Pro" panose="020B0503030403020204" pitchFamily="34" charset="0"/>
+                <a:ea typeface="Source Sans Pro" panose="020B0503030403020204" pitchFamily="34" charset="0"/>
+              </a:rPr>
+              <a:t>Often in Python it’s worth checking to see if someone has done it before you reinvent the wheel</a:t>
+            </a:r>
+          </a:p>
+          <a:p>
+            <a:pPr marL="0" indent="0">
+              <a:buNone/>
+            </a:pPr>
+            <a:endParaRPr lang="en-US" sz="2400" dirty="0">
+              <a:latin typeface="Source Sans Pro" panose="020B0503030403020204" pitchFamily="34" charset="0"/>
+              <a:ea typeface="Source Sans Pro" panose="020B0503030403020204" pitchFamily="34" charset="0"/>
+            </a:endParaRPr>
+          </a:p>
+          <a:p>
             <a:endParaRPr lang="en-US" sz="2400" dirty="0">
               <a:latin typeface="Source Sans Pro" panose="020B0503030403020204" pitchFamily="34" charset="0"/>
               <a:ea typeface="Source Sans Pro" panose="020B0503030403020204" pitchFamily="34" charset="0"/>
@@ -8043,6 +8119,242 @@
           </a:prstGeom>
         </p:spPr>
       </p:pic>
+    </p:spTree>
+    <p:extLst>
+      <p:ext uri="{BB962C8B-B14F-4D97-AF65-F5344CB8AC3E}">
+        <p14:creationId xmlns:p14="http://schemas.microsoft.com/office/powerpoint/2010/main" val="2057763599"/>
+      </p:ext>
+    </p:extLst>
+  </p:cSld>
+  <p:clrMapOvr>
+    <a:masterClrMapping/>
+  </p:clrMapOvr>
+  <mc:AlternateContent xmlns:mc="http://schemas.openxmlformats.org/markup-compatibility/2006" xmlns:p14="http://schemas.microsoft.com/office/powerpoint/2010/main">
+    <mc:Choice Requires="p14">
+      <p:transition spd="slow" p14:dur="2000"/>
+    </mc:Choice>
+    <mc:Fallback xmlns="">
+      <p:transition spd="slow"/>
+    </mc:Fallback>
+  </mc:AlternateContent>
+  <p:timing>
+    <p:tnLst>
+      <p:par>
+        <p:cTn id="1" dur="indefinite" restart="never" nodeType="tmRoot"/>
+      </p:par>
+    </p:tnLst>
+  </p:timing>
+</p:sld>
+</file>
+
+<file path=ppt/slides/slide5.xml><?xml version="1.0" encoding="utf-8"?>
+<p:sld xmlns:a="http://schemas.openxmlformats.org/drawingml/2006/main" xmlns:r="http://schemas.openxmlformats.org/officeDocument/2006/relationships" xmlns:p="http://schemas.openxmlformats.org/presentationml/2006/main">
+  <p:cSld>
+    <p:spTree>
+      <p:nvGrpSpPr>
+        <p:cNvPr id="1" name=""/>
+        <p:cNvGrpSpPr/>
+        <p:nvPr/>
+      </p:nvGrpSpPr>
+      <p:grpSpPr>
+        <a:xfrm>
+          <a:off x="0" y="0"/>
+          <a:ext cx="0" cy="0"/>
+          <a:chOff x="0" y="0"/>
+          <a:chExt cx="0" cy="0"/>
+        </a:xfrm>
+      </p:grpSpPr>
+      <p:sp>
+        <p:nvSpPr>
+          <p:cNvPr id="2" name="Title 1"/>
+          <p:cNvSpPr>
+            <a:spLocks noGrp="1"/>
+          </p:cNvSpPr>
+          <p:nvPr>
+            <p:ph type="title"/>
+          </p:nvPr>
+        </p:nvSpPr>
+        <p:spPr>
+          <a:xfrm>
+            <a:off x="203200" y="276225"/>
+            <a:ext cx="9252527" cy="638175"/>
+          </a:xfrm>
+        </p:spPr>
+        <p:txBody>
+          <a:bodyPr>
+            <a:normAutofit/>
+          </a:bodyPr>
+          <a:lstStyle/>
+          <a:p>
+            <a:r>
+              <a:rPr lang="en-US" sz="3200" b="1" dirty="0" smtClean="0">
+                <a:solidFill>
+                  <a:srgbClr val="366E9C"/>
+                </a:solidFill>
+                <a:latin typeface="Source Sans Pro" panose="020B0503030403020204" pitchFamily="34" charset="0"/>
+                <a:ea typeface="Source Sans Pro" panose="020B0503030403020204" pitchFamily="34" charset="0"/>
+              </a:rPr>
+              <a:t>Common Modules, Packages, Solutions</a:t>
+            </a:r>
+            <a:endParaRPr lang="en-US" sz="3200" b="1" dirty="0">
+              <a:latin typeface="Source Sans Pro" panose="020B0503030403020204" pitchFamily="34" charset="0"/>
+              <a:ea typeface="Source Sans Pro" panose="020B0503030403020204" pitchFamily="34" charset="0"/>
+            </a:endParaRPr>
+          </a:p>
+        </p:txBody>
+      </p:sp>
+      <p:sp>
+        <p:nvSpPr>
+          <p:cNvPr id="3" name="Content Placeholder 2"/>
+          <p:cNvSpPr>
+            <a:spLocks noGrp="1"/>
+          </p:cNvSpPr>
+          <p:nvPr>
+            <p:ph idx="1"/>
+          </p:nvPr>
+        </p:nvSpPr>
+        <p:spPr>
+          <a:xfrm>
+            <a:off x="228600" y="1218788"/>
+            <a:ext cx="11684000" cy="5397912"/>
+          </a:xfrm>
+        </p:spPr>
+        <p:txBody>
+          <a:bodyPr>
+            <a:normAutofit/>
+          </a:bodyPr>
+          <a:lstStyle/>
+          <a:p>
+            <a:pPr marL="0" indent="0">
+              <a:buNone/>
+            </a:pPr>
+            <a:endParaRPr lang="en-US" sz="2400" dirty="0">
+              <a:latin typeface="Source Sans Pro" panose="020B0503030403020204" pitchFamily="34" charset="0"/>
+              <a:ea typeface="Source Sans Pro" panose="020B0503030403020204" pitchFamily="34" charset="0"/>
+            </a:endParaRPr>
+          </a:p>
+          <a:p>
+            <a:pPr marL="0" indent="0">
+              <a:buNone/>
+            </a:pPr>
+            <a:endParaRPr lang="en-US" sz="2400" dirty="0" smtClean="0">
+              <a:latin typeface="Source Sans Pro" panose="020B0503030403020204" pitchFamily="34" charset="0"/>
+              <a:ea typeface="Source Sans Pro" panose="020B0503030403020204" pitchFamily="34" charset="0"/>
+            </a:endParaRPr>
+          </a:p>
+          <a:p>
+            <a:endParaRPr lang="en-US" sz="2400" dirty="0">
+              <a:latin typeface="Source Sans Pro" panose="020B0503030403020204" pitchFamily="34" charset="0"/>
+              <a:ea typeface="Source Sans Pro" panose="020B0503030403020204" pitchFamily="34" charset="0"/>
+            </a:endParaRPr>
+          </a:p>
+          <a:p>
+            <a:pPr marL="0" indent="0">
+              <a:spcBef>
+                <a:spcPts val="0"/>
+              </a:spcBef>
+              <a:buNone/>
+            </a:pPr>
+            <a:endParaRPr lang="en-US" sz="2400" dirty="0" smtClean="0">
+              <a:latin typeface="Source Sans Pro" panose="020B0503030403020204" pitchFamily="34" charset="0"/>
+              <a:ea typeface="Source Sans Pro" panose="020B0503030403020204" pitchFamily="34" charset="0"/>
+            </a:endParaRPr>
+          </a:p>
+          <a:p>
+            <a:endParaRPr lang="en-US" sz="2400" dirty="0">
+              <a:latin typeface="Source Sans Pro" panose="020B0503030403020204" pitchFamily="34" charset="0"/>
+              <a:ea typeface="Source Sans Pro" panose="020B0503030403020204" pitchFamily="34" charset="0"/>
+            </a:endParaRPr>
+          </a:p>
+          <a:p>
+            <a:pPr marL="0" indent="0">
+              <a:buNone/>
+            </a:pPr>
+            <a:endParaRPr lang="en-US" sz="2400" dirty="0" smtClean="0">
+              <a:latin typeface="Source Sans Pro" panose="020B0503030403020204" pitchFamily="34" charset="0"/>
+              <a:ea typeface="Source Sans Pro" panose="020B0503030403020204" pitchFamily="34" charset="0"/>
+            </a:endParaRPr>
+          </a:p>
+          <a:p>
+            <a:pPr marL="457200" lvl="1" indent="0">
+              <a:buNone/>
+            </a:pPr>
+            <a:endParaRPr lang="en-US" sz="2000" dirty="0" smtClean="0">
+              <a:latin typeface="Source Sans Pro" panose="020B0503030403020204" pitchFamily="34" charset="0"/>
+              <a:ea typeface="Source Sans Pro" panose="020B0503030403020204" pitchFamily="34" charset="0"/>
+            </a:endParaRPr>
+          </a:p>
+          <a:p>
+            <a:pPr marL="0" indent="0">
+              <a:buNone/>
+            </a:pPr>
+            <a:endParaRPr lang="en-US" sz="2400" dirty="0" smtClean="0">
+              <a:latin typeface="Source Sans Pro" panose="020B0503030403020204" pitchFamily="34" charset="0"/>
+              <a:ea typeface="Source Sans Pro" panose="020B0503030403020204" pitchFamily="34" charset="0"/>
+            </a:endParaRPr>
+          </a:p>
+        </p:txBody>
+      </p:sp>
+      <p:cxnSp>
+        <p:nvCxnSpPr>
+          <p:cNvPr id="5" name="Straight Connector 4"/>
+          <p:cNvCxnSpPr/>
+          <p:nvPr/>
+        </p:nvCxnSpPr>
+        <p:spPr>
+          <a:xfrm flipV="1">
+            <a:off x="190500" y="971550"/>
+            <a:ext cx="11811000" cy="50800"/>
+          </a:xfrm>
+          <a:prstGeom prst="line">
+            <a:avLst/>
+          </a:prstGeom>
+        </p:spPr>
+        <p:style>
+          <a:lnRef idx="1">
+            <a:schemeClr val="accent1"/>
+          </a:lnRef>
+          <a:fillRef idx="0">
+            <a:schemeClr val="accent1"/>
+          </a:fillRef>
+          <a:effectRef idx="0">
+            <a:schemeClr val="accent1"/>
+          </a:effectRef>
+          <a:fontRef idx="minor">
+            <a:schemeClr val="tx1"/>
+          </a:fontRef>
+        </p:style>
+      </p:cxnSp>
+      <p:pic>
+        <p:nvPicPr>
+          <p:cNvPr id="6" name="Picture 5"/>
+          <p:cNvPicPr>
+            <a:picLocks noChangeAspect="1"/>
+          </p:cNvPicPr>
+          <p:nvPr/>
+        </p:nvPicPr>
+        <p:blipFill>
+          <a:blip r:embed="rId2" cstate="print">
+            <a:extLst>
+              <a:ext uri="{28A0092B-C50C-407E-A947-70E740481C1C}">
+                <a14:useLocalDpi xmlns:a14="http://schemas.microsoft.com/office/drawing/2010/main" val="0"/>
+              </a:ext>
+            </a:extLst>
+          </a:blip>
+          <a:stretch>
+            <a:fillRect/>
+          </a:stretch>
+        </p:blipFill>
+        <p:spPr>
+          <a:xfrm>
+            <a:off x="9690100" y="108689"/>
+            <a:ext cx="2311400" cy="780723"/>
+          </a:xfrm>
+          <a:prstGeom prst="rect">
+            <a:avLst/>
+          </a:prstGeom>
+        </p:spPr>
+      </p:pic>
       <p:pic>
         <p:nvPicPr>
           <p:cNvPr id="4" name="Picture 3"/>
@@ -8083,11 +8395,11 @@
   <p:clrMapOvr>
     <a:masterClrMapping/>
   </p:clrMapOvr>
-  <mc:AlternateContent xmlns:mc="http://schemas.openxmlformats.org/markup-compatibility/2006">
-    <mc:Choice xmlns:p14="http://schemas.microsoft.com/office/powerpoint/2010/main" Requires="p14">
+  <mc:AlternateContent xmlns:mc="http://schemas.openxmlformats.org/markup-compatibility/2006" xmlns:p14="http://schemas.microsoft.com/office/powerpoint/2010/main">
+    <mc:Choice Requires="p14">
       <p:transition spd="slow" p14:dur="2000"/>
     </mc:Choice>
-    <mc:Fallback>
+    <mc:Fallback xmlns="">
       <p:transition spd="slow"/>
     </mc:Fallback>
   </mc:AlternateContent>
@@ -8433,11 +8745,11 @@
   <p:clrMapOvr>
     <a:masterClrMapping/>
   </p:clrMapOvr>
-  <mc:AlternateContent xmlns:mc="http://schemas.openxmlformats.org/markup-compatibility/2006">
-    <mc:Choice xmlns:p14="http://schemas.microsoft.com/office/powerpoint/2010/main" Requires="p14">
+  <mc:AlternateContent xmlns:mc="http://schemas.openxmlformats.org/markup-compatibility/2006" xmlns:p14="http://schemas.microsoft.com/office/powerpoint/2010/main">
+    <mc:Choice Requires="p14">
       <p:transition spd="slow" p14:dur="2000"/>
     </mc:Choice>
-    <mc:Fallback>
+    <mc:Fallback xmlns="">
       <p:transition spd="slow"/>
     </mc:Fallback>
   </mc:AlternateContent>
@@ -8748,11 +9060,11 @@
   <p:clrMapOvr>
     <a:masterClrMapping/>
   </p:clrMapOvr>
-  <mc:AlternateContent xmlns:mc="http://schemas.openxmlformats.org/markup-compatibility/2006">
-    <mc:Choice xmlns:p14="http://schemas.microsoft.com/office/powerpoint/2010/main" Requires="p14">
+  <mc:AlternateContent xmlns:mc="http://schemas.openxmlformats.org/markup-compatibility/2006" xmlns:p14="http://schemas.microsoft.com/office/powerpoint/2010/main">
+    <mc:Choice Requires="p14">
       <p:transition spd="slow" p14:dur="2000"/>
     </mc:Choice>
-    <mc:Fallback>
+    <mc:Fallback xmlns="">
       <p:transition spd="slow"/>
     </mc:Fallback>
   </mc:AlternateContent>
@@ -9108,11 +9420,11 @@
   <p:clrMapOvr>
     <a:masterClrMapping/>
   </p:clrMapOvr>
-  <mc:AlternateContent xmlns:mc="http://schemas.openxmlformats.org/markup-compatibility/2006">
-    <mc:Choice xmlns:p14="http://schemas.microsoft.com/office/powerpoint/2010/main" Requires="p14">
+  <mc:AlternateContent xmlns:mc="http://schemas.openxmlformats.org/markup-compatibility/2006" xmlns:p14="http://schemas.microsoft.com/office/powerpoint/2010/main">
+    <mc:Choice Requires="p14">
       <p:transition spd="slow" p14:dur="2000"/>
     </mc:Choice>
-    <mc:Fallback>
+    <mc:Fallback xmlns="">
       <p:transition spd="slow"/>
     </mc:Fallback>
   </mc:AlternateContent>
@@ -9155,146 +9467,34 @@
         </p:nvSpPr>
         <p:spPr>
           <a:xfrm>
-            <a:off x="203200" y="276225"/>
-            <a:ext cx="9252527" cy="638175"/>
+            <a:off x="901700" y="2282825"/>
+            <a:ext cx="10515600" cy="638175"/>
           </a:xfrm>
         </p:spPr>
         <p:txBody>
           <a:bodyPr>
-            <a:normAutofit/>
+            <a:noAutofit/>
           </a:bodyPr>
           <a:lstStyle/>
           <a:p>
-            <a:r>
-              <a:rPr lang="en-US" sz="3200" b="1" dirty="0" smtClean="0">
+            <a:pPr algn="ctr"/>
+            <a:r>
+              <a:rPr lang="en-US" sz="3600" b="1" dirty="0" smtClean="0">
                 <a:solidFill>
                   <a:srgbClr val="366E9C"/>
                 </a:solidFill>
                 <a:latin typeface="Source Sans Pro" panose="020B0503030403020204" pitchFamily="34" charset="0"/>
                 <a:ea typeface="Source Sans Pro" panose="020B0503030403020204" pitchFamily="34" charset="0"/>
               </a:rPr>
-              <a:t>Libraries for Data Science</a:t>
-            </a:r>
-            <a:endParaRPr lang="en-US" sz="3200" b="1" dirty="0">
-              <a:latin typeface="Source Sans Pro" panose="020B0503030403020204" pitchFamily="34" charset="0"/>
-              <a:ea typeface="Source Sans Pro" panose="020B0503030403020204" pitchFamily="34" charset="0"/>
-            </a:endParaRPr>
-          </a:p>
-        </p:txBody>
-      </p:sp>
-      <p:sp>
-        <p:nvSpPr>
-          <p:cNvPr id="3" name="Content Placeholder 2"/>
-          <p:cNvSpPr>
-            <a:spLocks noGrp="1"/>
-          </p:cNvSpPr>
-          <p:nvPr>
-            <p:ph idx="1"/>
-          </p:nvPr>
-        </p:nvSpPr>
-        <p:spPr>
-          <a:xfrm>
-            <a:off x="228600" y="1218788"/>
-            <a:ext cx="11684000" cy="5397912"/>
-          </a:xfrm>
-        </p:spPr>
-        <p:txBody>
-          <a:bodyPr>
-            <a:normAutofit/>
-          </a:bodyPr>
-          <a:lstStyle/>
-          <a:p>
-            <a:pPr marL="0" indent="0">
-              <a:buNone/>
-            </a:pPr>
-            <a:endParaRPr lang="en-US" sz="2400" dirty="0" smtClean="0">
-              <a:latin typeface="Source Sans Pro" panose="020B0503030403020204" pitchFamily="34" charset="0"/>
-              <a:ea typeface="Source Sans Pro" panose="020B0503030403020204" pitchFamily="34" charset="0"/>
-            </a:endParaRPr>
-          </a:p>
-          <a:p>
-            <a:endParaRPr lang="en-US" sz="2400" dirty="0">
-              <a:latin typeface="Source Sans Pro" panose="020B0503030403020204" pitchFamily="34" charset="0"/>
-              <a:ea typeface="Source Sans Pro" panose="020B0503030403020204" pitchFamily="34" charset="0"/>
-            </a:endParaRPr>
-          </a:p>
-          <a:p>
-            <a:pPr marL="0" indent="0">
-              <a:spcBef>
-                <a:spcPts val="0"/>
-              </a:spcBef>
-              <a:buNone/>
-            </a:pPr>
-            <a:endParaRPr lang="en-US" sz="2400" dirty="0" smtClean="0">
-              <a:latin typeface="Source Sans Pro" panose="020B0503030403020204" pitchFamily="34" charset="0"/>
-              <a:ea typeface="Source Sans Pro" panose="020B0503030403020204" pitchFamily="34" charset="0"/>
-            </a:endParaRPr>
-          </a:p>
-          <a:p>
-            <a:endParaRPr lang="en-US" sz="2400" dirty="0">
-              <a:latin typeface="Source Sans Pro" panose="020B0503030403020204" pitchFamily="34" charset="0"/>
-              <a:ea typeface="Source Sans Pro" panose="020B0503030403020204" pitchFamily="34" charset="0"/>
-            </a:endParaRPr>
-          </a:p>
-          <a:p>
-            <a:pPr marL="0" indent="0">
-              <a:buNone/>
-            </a:pPr>
-            <a:endParaRPr lang="en-US" sz="2400" dirty="0" smtClean="0">
-              <a:latin typeface="Source Sans Pro" panose="020B0503030403020204" pitchFamily="34" charset="0"/>
-              <a:ea typeface="Source Sans Pro" panose="020B0503030403020204" pitchFamily="34" charset="0"/>
-            </a:endParaRPr>
-          </a:p>
-          <a:p>
-            <a:pPr marL="457200" lvl="1" indent="0">
-              <a:buNone/>
-            </a:pPr>
-            <a:endParaRPr lang="en-US" sz="2000" dirty="0" smtClean="0">
-              <a:latin typeface="Source Sans Pro" panose="020B0503030403020204" pitchFamily="34" charset="0"/>
-              <a:ea typeface="Source Sans Pro" panose="020B0503030403020204" pitchFamily="34" charset="0"/>
-            </a:endParaRPr>
-          </a:p>
-          <a:p>
-            <a:pPr marL="0" indent="0">
-              <a:buNone/>
-            </a:pPr>
-            <a:endParaRPr lang="en-US" sz="2400" dirty="0" smtClean="0">
-              <a:latin typeface="Source Sans Pro" panose="020B0503030403020204" pitchFamily="34" charset="0"/>
-              <a:ea typeface="Source Sans Pro" panose="020B0503030403020204" pitchFamily="34" charset="0"/>
-            </a:endParaRPr>
-          </a:p>
-        </p:txBody>
-      </p:sp>
-      <p:cxnSp>
-        <p:nvCxnSpPr>
-          <p:cNvPr id="5" name="Straight Connector 4"/>
-          <p:cNvCxnSpPr/>
-          <p:nvPr/>
-        </p:nvCxnSpPr>
-        <p:spPr>
-          <a:xfrm flipV="1">
-            <a:off x="190500" y="971550"/>
-            <a:ext cx="11811000" cy="50800"/>
-          </a:xfrm>
-          <a:prstGeom prst="line">
-            <a:avLst/>
-          </a:prstGeom>
-        </p:spPr>
-        <p:style>
-          <a:lnRef idx="1">
-            <a:schemeClr val="accent1"/>
-          </a:lnRef>
-          <a:fillRef idx="0">
-            <a:schemeClr val="accent1"/>
-          </a:fillRef>
-          <a:effectRef idx="0">
-            <a:schemeClr val="accent1"/>
-          </a:effectRef>
-          <a:fontRef idx="minor">
-            <a:schemeClr val="tx1"/>
-          </a:fontRef>
-        </p:style>
-      </p:cxnSp>
+              <a:t>Command-line Example</a:t>
+            </a:r>
+            <a:endParaRPr lang="en-US" sz="3600" b="1" dirty="0">
+              <a:latin typeface="Source Sans Pro" panose="020B0503030403020204" pitchFamily="34" charset="0"/>
+              <a:ea typeface="Source Sans Pro" panose="020B0503030403020204" pitchFamily="34" charset="0"/>
+            </a:endParaRPr>
+          </a:p>
+        </p:txBody>
+      </p:sp>
       <p:pic>
         <p:nvPicPr>
           <p:cNvPr id="6" name="Picture 5"/>
@@ -9304,7 +9504,7 @@
           <p:nvPr/>
         </p:nvPicPr>
         <p:blipFill>
-          <a:blip r:embed="rId2" cstate="print">
+          <a:blip r:embed="rId2">
             <a:extLst>
               <a:ext uri="{28A0092B-C50C-407E-A947-70E740481C1C}">
                 <a14:useLocalDpi xmlns:a14="http://schemas.microsoft.com/office/drawing/2010/main" val="0"/>
@@ -9317,38 +9517,8 @@
         </p:blipFill>
         <p:spPr>
           <a:xfrm>
-            <a:off x="9690100" y="108689"/>
-            <a:ext cx="2311400" cy="780723"/>
-          </a:xfrm>
-          <a:prstGeom prst="rect">
-            <a:avLst/>
-          </a:prstGeom>
-        </p:spPr>
-      </p:pic>
-      <p:pic>
-        <p:nvPicPr>
-          <p:cNvPr id="4" name="Picture 3"/>
-          <p:cNvPicPr>
-            <a:picLocks noChangeAspect="1"/>
-          </p:cNvPicPr>
-          <p:nvPr/>
-        </p:nvPicPr>
-        <p:blipFill>
-          <a:blip r:embed="rId3">
-            <a:extLst>
-              <a:ext uri="{28A0092B-C50C-407E-A947-70E740481C1C}">
-                <a14:useLocalDpi xmlns:a14="http://schemas.microsoft.com/office/drawing/2010/main" val="0"/>
-              </a:ext>
-            </a:extLst>
-          </a:blip>
-          <a:stretch>
-            <a:fillRect/>
-          </a:stretch>
-        </p:blipFill>
-        <p:spPr>
-          <a:xfrm>
-            <a:off x="894675" y="1482422"/>
-            <a:ext cx="10351849" cy="4870643"/>
+            <a:off x="9117017" y="5859463"/>
+            <a:ext cx="2884483" cy="974293"/>
           </a:xfrm>
           <a:prstGeom prst="rect">
             <a:avLst/>
@@ -9358,18 +9528,18 @@
     </p:spTree>
     <p:extLst>
       <p:ext uri="{BB962C8B-B14F-4D97-AF65-F5344CB8AC3E}">
-        <p14:creationId xmlns:p14="http://schemas.microsoft.com/office/powerpoint/2010/main" val="3310551563"/>
+        <p14:creationId xmlns:p14="http://schemas.microsoft.com/office/powerpoint/2010/main" val="3901859168"/>
       </p:ext>
     </p:extLst>
   </p:cSld>
   <p:clrMapOvr>
     <a:masterClrMapping/>
   </p:clrMapOvr>
-  <mc:AlternateContent xmlns:mc="http://schemas.openxmlformats.org/markup-compatibility/2006">
-    <mc:Choice xmlns:p14="http://schemas.microsoft.com/office/powerpoint/2010/main" Requires="p14">
+  <mc:AlternateContent xmlns:mc="http://schemas.openxmlformats.org/markup-compatibility/2006" xmlns:p14="http://schemas.microsoft.com/office/powerpoint/2010/main">
+    <mc:Choice Requires="p14">
       <p:transition spd="slow" p14:dur="2000"/>
     </mc:Choice>
-    <mc:Fallback>
+    <mc:Fallback xmlns="">
       <p:transition spd="slow"/>
     </mc:Fallback>
   </mc:AlternateContent>
